--- a/Visualization Notes/1 - Principles of data visualization.pptx
+++ b/Visualization Notes/1 - Principles of data visualization.pptx
@@ -5,19 +5,19 @@
     <p:sldMasterId id="2147483648" r:id="rId1"/>
   </p:sldMasterIdLst>
   <p:notesMasterIdLst>
-    <p:notesMasterId r:id="rId49"/>
+    <p:notesMasterId r:id="rId50"/>
   </p:notesMasterIdLst>
   <p:sldIdLst>
     <p:sldId id="259" r:id="rId2"/>
-    <p:sldId id="257" r:id="rId3"/>
-    <p:sldId id="260" r:id="rId4"/>
-    <p:sldId id="263" r:id="rId5"/>
-    <p:sldId id="264" r:id="rId6"/>
-    <p:sldId id="262" r:id="rId7"/>
+    <p:sldId id="263" r:id="rId3"/>
+    <p:sldId id="264" r:id="rId4"/>
+    <p:sldId id="262" r:id="rId5"/>
+    <p:sldId id="285" r:id="rId6"/>
+    <p:sldId id="315" r:id="rId7"/>
     <p:sldId id="282" r:id="rId8"/>
     <p:sldId id="313" r:id="rId9"/>
     <p:sldId id="314" r:id="rId10"/>
-    <p:sldId id="285" r:id="rId11"/>
+    <p:sldId id="316" r:id="rId11"/>
     <p:sldId id="288" r:id="rId12"/>
     <p:sldId id="265" r:id="rId13"/>
     <p:sldId id="266" r:id="rId14"/>
@@ -42,19 +42,20 @@
     <p:sldId id="295" r:id="rId33"/>
     <p:sldId id="296" r:id="rId34"/>
     <p:sldId id="311" r:id="rId35"/>
-    <p:sldId id="306" r:id="rId36"/>
-    <p:sldId id="298" r:id="rId37"/>
-    <p:sldId id="299" r:id="rId38"/>
-    <p:sldId id="300" r:id="rId39"/>
-    <p:sldId id="301" r:id="rId40"/>
-    <p:sldId id="302" r:id="rId41"/>
-    <p:sldId id="303" r:id="rId42"/>
+    <p:sldId id="298" r:id="rId36"/>
+    <p:sldId id="299" r:id="rId37"/>
+    <p:sldId id="300" r:id="rId38"/>
+    <p:sldId id="301" r:id="rId39"/>
+    <p:sldId id="302" r:id="rId40"/>
+    <p:sldId id="303" r:id="rId41"/>
+    <p:sldId id="306" r:id="rId42"/>
     <p:sldId id="307" r:id="rId43"/>
     <p:sldId id="305" r:id="rId44"/>
     <p:sldId id="308" r:id="rId45"/>
     <p:sldId id="312" r:id="rId46"/>
     <p:sldId id="309" r:id="rId47"/>
     <p:sldId id="310" r:id="rId48"/>
+    <p:sldId id="317" r:id="rId49"/>
   </p:sldIdLst>
   <p:sldSz cx="12192000" cy="6858000"/>
   <p:notesSz cx="6858000" cy="9144000"/>
@@ -243,7 +244,7 @@
           <a:p>
             <a:fld id="{495BDD7E-1753-4A25-B774-190AB77E43B3}" type="datetimeFigureOut">
               <a:rPr lang="en-US" smtClean="0"/>
-              <a:t>5/11/2017</a:t>
+              <a:t>5/15/2017</a:t>
             </a:fld>
             <a:endParaRPr lang="en-US"/>
           </a:p>
@@ -1575,7 +1576,7 @@
           <a:p>
             <a:fld id="{11449896-0B77-474E-A648-A1E086163989}" type="datetimeFigureOut">
               <a:rPr lang="en-US" smtClean="0"/>
-              <a:t>5/11/2017</a:t>
+              <a:t>5/15/2017</a:t>
             </a:fld>
             <a:endParaRPr lang="en-US"/>
           </a:p>
@@ -1745,7 +1746,7 @@
           <a:p>
             <a:fld id="{11449896-0B77-474E-A648-A1E086163989}" type="datetimeFigureOut">
               <a:rPr lang="en-US" smtClean="0"/>
-              <a:t>5/11/2017</a:t>
+              <a:t>5/15/2017</a:t>
             </a:fld>
             <a:endParaRPr lang="en-US"/>
           </a:p>
@@ -1925,7 +1926,7 @@
           <a:p>
             <a:fld id="{11449896-0B77-474E-A648-A1E086163989}" type="datetimeFigureOut">
               <a:rPr lang="en-US" smtClean="0"/>
-              <a:t>5/11/2017</a:t>
+              <a:t>5/15/2017</a:t>
             </a:fld>
             <a:endParaRPr lang="en-US"/>
           </a:p>
@@ -2095,7 +2096,7 @@
           <a:p>
             <a:fld id="{11449896-0B77-474E-A648-A1E086163989}" type="datetimeFigureOut">
               <a:rPr lang="en-US" smtClean="0"/>
-              <a:t>5/11/2017</a:t>
+              <a:t>5/15/2017</a:t>
             </a:fld>
             <a:endParaRPr lang="en-US"/>
           </a:p>
@@ -2341,7 +2342,7 @@
           <a:p>
             <a:fld id="{11449896-0B77-474E-A648-A1E086163989}" type="datetimeFigureOut">
               <a:rPr lang="en-US" smtClean="0"/>
-              <a:t>5/11/2017</a:t>
+              <a:t>5/15/2017</a:t>
             </a:fld>
             <a:endParaRPr lang="en-US"/>
           </a:p>
@@ -2573,7 +2574,7 @@
           <a:p>
             <a:fld id="{11449896-0B77-474E-A648-A1E086163989}" type="datetimeFigureOut">
               <a:rPr lang="en-US" smtClean="0"/>
-              <a:t>5/11/2017</a:t>
+              <a:t>5/15/2017</a:t>
             </a:fld>
             <a:endParaRPr lang="en-US"/>
           </a:p>
@@ -2940,7 +2941,7 @@
           <a:p>
             <a:fld id="{11449896-0B77-474E-A648-A1E086163989}" type="datetimeFigureOut">
               <a:rPr lang="en-US" smtClean="0"/>
-              <a:t>5/11/2017</a:t>
+              <a:t>5/15/2017</a:t>
             </a:fld>
             <a:endParaRPr lang="en-US"/>
           </a:p>
@@ -3058,7 +3059,7 @@
           <a:p>
             <a:fld id="{11449896-0B77-474E-A648-A1E086163989}" type="datetimeFigureOut">
               <a:rPr lang="en-US" smtClean="0"/>
-              <a:t>5/11/2017</a:t>
+              <a:t>5/15/2017</a:t>
             </a:fld>
             <a:endParaRPr lang="en-US"/>
           </a:p>
@@ -3153,7 +3154,7 @@
           <a:p>
             <a:fld id="{11449896-0B77-474E-A648-A1E086163989}" type="datetimeFigureOut">
               <a:rPr lang="en-US" smtClean="0"/>
-              <a:t>5/11/2017</a:t>
+              <a:t>5/15/2017</a:t>
             </a:fld>
             <a:endParaRPr lang="en-US"/>
           </a:p>
@@ -3430,7 +3431,7 @@
           <a:p>
             <a:fld id="{11449896-0B77-474E-A648-A1E086163989}" type="datetimeFigureOut">
               <a:rPr lang="en-US" smtClean="0"/>
-              <a:t>5/11/2017</a:t>
+              <a:t>5/15/2017</a:t>
             </a:fld>
             <a:endParaRPr lang="en-US"/>
           </a:p>
@@ -3683,7 +3684,7 @@
           <a:p>
             <a:fld id="{11449896-0B77-474E-A648-A1E086163989}" type="datetimeFigureOut">
               <a:rPr lang="en-US" smtClean="0"/>
-              <a:t>5/11/2017</a:t>
+              <a:t>5/15/2017</a:t>
             </a:fld>
             <a:endParaRPr lang="en-US"/>
           </a:p>
@@ -3896,7 +3897,7 @@
           <a:p>
             <a:fld id="{11449896-0B77-474E-A648-A1E086163989}" type="datetimeFigureOut">
               <a:rPr lang="en-US" smtClean="0"/>
-              <a:t>5/11/2017</a:t>
+              <a:t>5/15/2017</a:t>
             </a:fld>
             <a:endParaRPr lang="en-US"/>
           </a:p>
@@ -4394,37 +4395,25 @@
             <p:ph type="ctrTitle"/>
           </p:nvPr>
         </p:nvSpPr>
-        <p:spPr>
-          <a:xfrm>
-            <a:off x="0" y="2521395"/>
-            <a:ext cx="12124944" cy="1063053"/>
-          </a:xfrm>
-        </p:spPr>
+        <p:spPr/>
         <p:txBody>
           <a:bodyPr>
-            <a:noAutofit/>
+            <a:normAutofit/>
           </a:bodyPr>
           <a:lstStyle/>
           <a:p>
             <a:r>
-              <a:rPr lang="en-US" sz="5400" u="sng" dirty="0"/>
-              <a:t>Principles of </a:t>
-            </a:r>
-            <a:r>
-              <a:rPr lang="en-US" sz="5400" u="sng" dirty="0" smtClean="0"/>
-              <a:t>effective data </a:t>
-            </a:r>
-            <a:r>
-              <a:rPr lang="en-US" sz="5400" u="sng" dirty="0"/>
-              <a:t>visualization</a:t>
-            </a:r>
+              <a:rPr lang="en-US" sz="5400" dirty="0" smtClean="0"/>
+              <a:t>How to make effective graphs?</a:t>
+            </a:r>
+            <a:endParaRPr lang="en-US" sz="5400" dirty="0"/>
           </a:p>
         </p:txBody>
       </p:sp>
     </p:spTree>
     <p:extLst>
       <p:ext uri="{BB962C8B-B14F-4D97-AF65-F5344CB8AC3E}">
-        <p14:creationId xmlns:p14="http://schemas.microsoft.com/office/powerpoint/2010/main" val="744741289"/>
+        <p14:creationId xmlns:p14="http://schemas.microsoft.com/office/powerpoint/2010/main" val="395218928"/>
       </p:ext>
     </p:extLst>
   </p:cSld>
@@ -7591,121 +7580,30 @@
       </p:grpSpPr>
       <p:sp>
         <p:nvSpPr>
-          <p:cNvPr id="3" name="Content Placeholder 2"/>
+          <p:cNvPr id="2" name="Title 1"/>
           <p:cNvSpPr>
             <a:spLocks noGrp="1"/>
           </p:cNvSpPr>
           <p:nvPr>
-            <p:ph idx="1"/>
+            <p:ph type="title"/>
           </p:nvPr>
         </p:nvSpPr>
-        <p:spPr>
-          <a:xfrm>
-            <a:off x="838200" y="722376"/>
-            <a:ext cx="10515600" cy="5454587"/>
-          </a:xfrm>
-        </p:spPr>
+        <p:spPr/>
         <p:txBody>
           <a:bodyPr>
             <a:normAutofit/>
           </a:bodyPr>
           <a:lstStyle/>
           <a:p>
-            <a:pPr marL="0" indent="0">
-              <a:buNone/>
-            </a:pPr>
-            <a:r>
-              <a:rPr lang="en-US" dirty="0" smtClean="0"/>
-              <a:t>Raw data</a:t>
-            </a:r>
-            <a:r>
-              <a:rPr lang="en-US" dirty="0"/>
-              <a:t> </a:t>
-            </a:r>
-            <a:r>
-              <a:rPr lang="en-US" dirty="0" smtClean="0"/>
-              <a:t>on gun murders from…</a:t>
-            </a:r>
-          </a:p>
-          <a:p>
-            <a:pPr marL="0" indent="0">
-              <a:buNone/>
-            </a:pPr>
-            <a:endParaRPr lang="en-US" dirty="0" smtClean="0"/>
-          </a:p>
-          <a:p>
-            <a:pPr lvl="1"/>
-            <a:r>
-              <a:rPr lang="en-US" dirty="0" smtClean="0"/>
-              <a:t>FBI’s </a:t>
-            </a:r>
-            <a:r>
-              <a:rPr lang="en-US" dirty="0" smtClean="0">
-                <a:hlinkClick r:id="rId2"/>
-              </a:rPr>
-              <a:t>Uniform Crime Report</a:t>
-            </a:r>
-            <a:r>
-              <a:rPr lang="en-US" dirty="0" smtClean="0"/>
-              <a:t> </a:t>
-            </a:r>
-          </a:p>
-          <a:p>
-            <a:pPr lvl="1"/>
-            <a:r>
-              <a:rPr lang="en-US" dirty="0" smtClean="0"/>
-              <a:t>World Health Organization’s </a:t>
-            </a:r>
-            <a:r>
-              <a:rPr lang="en-US" dirty="0" smtClean="0">
-                <a:hlinkClick r:id="rId3"/>
-              </a:rPr>
-              <a:t>UNSD Demographic Statistics</a:t>
-            </a:r>
-            <a:endParaRPr lang="en-US" dirty="0" smtClean="0"/>
-          </a:p>
-          <a:p>
-            <a:pPr marL="0" indent="0">
-              <a:buNone/>
-            </a:pPr>
-            <a:endParaRPr lang="en-US" dirty="0" smtClean="0"/>
-          </a:p>
-          <a:p>
-            <a:pPr marL="0" indent="0">
-              <a:buNone/>
-            </a:pPr>
-            <a:endParaRPr lang="en-US" dirty="0"/>
-          </a:p>
-          <a:p>
-            <a:pPr marL="0" indent="0">
-              <a:buNone/>
-            </a:pPr>
-            <a:endParaRPr lang="en-US" dirty="0" smtClean="0"/>
-          </a:p>
-          <a:p>
-            <a:pPr marL="0" indent="0">
-              <a:buNone/>
-            </a:pPr>
-            <a:endParaRPr lang="en-US" dirty="0"/>
-          </a:p>
-          <a:p>
-            <a:pPr marL="0" indent="0">
-              <a:buNone/>
-            </a:pPr>
-            <a:endParaRPr lang="en-US" dirty="0" smtClean="0"/>
-          </a:p>
-          <a:p>
-            <a:r>
-              <a:rPr lang="en-US" dirty="0" smtClean="0"/>
-              <a:t>Compiled by </a:t>
-            </a:r>
-            <a:r>
-              <a:rPr lang="en-US" dirty="0" smtClean="0">
-                <a:hlinkClick r:id="rId4"/>
-              </a:rPr>
-              <a:t>periscopic.com</a:t>
-            </a:r>
-            <a:endParaRPr lang="en-US" dirty="0"/>
+            <a:r>
+              <a:rPr lang="en-US" u="none" dirty="0" err="1" smtClean="0"/>
+              <a:t>Anscombe’s</a:t>
+            </a:r>
+            <a:r>
+              <a:rPr lang="en-US" u="none" dirty="0" smtClean="0"/>
+              <a:t> Quartet</a:t>
+            </a:r>
+            <a:endParaRPr lang="en-US" u="none" dirty="0"/>
           </a:p>
         </p:txBody>
       </p:sp>
@@ -7734,32 +7632,143 @@
       </p:sp>
       <p:pic>
         <p:nvPicPr>
-          <p:cNvPr id="2" name="Picture 1"/>
+          <p:cNvPr id="2050" name="Picture 2" descr="http://strajk.me/notes/2012/the-visual-display-of-quantitative-information-by-edward-r-tufte/assets/001.png"/>
           <p:cNvPicPr>
-            <a:picLocks noChangeAspect="1"/>
+            <a:picLocks noChangeAspect="1" noChangeArrowheads="1"/>
           </p:cNvPicPr>
           <p:nvPr/>
         </p:nvPicPr>
-        <p:blipFill>
-          <a:blip r:embed="rId5"/>
-          <a:stretch>
-            <a:fillRect/>
-          </a:stretch>
+        <p:blipFill rotWithShape="1">
+          <a:blip r:embed="rId2">
+            <a:extLst>
+              <a:ext uri="{28A0092B-C50C-407E-A947-70E740481C1C}">
+                <a14:useLocalDpi xmlns:a14="http://schemas.microsoft.com/office/drawing/2010/main" val="0"/>
+              </a:ext>
+            </a:extLst>
+          </a:blip>
+          <a:srcRect l="1451" t="14683" r="59487" b="23049"/>
+          <a:stretch/>
         </p:blipFill>
-        <p:spPr>
-          <a:xfrm>
-            <a:off x="3918394" y="2930842"/>
-            <a:ext cx="3177350" cy="1424329"/>
+        <p:spPr bwMode="auto">
+          <a:xfrm>
+            <a:off x="3124200" y="1524000"/>
+            <a:ext cx="5184300" cy="3276600"/>
           </a:xfrm>
           <a:prstGeom prst="rect">
             <a:avLst/>
           </a:prstGeom>
+          <a:noFill/>
+          <a:extLst>
+            <a:ext uri="{909E8E84-426E-40DD-AFC4-6F175D3DCCD1}">
+              <a14:hiddenFill xmlns:a14="http://schemas.microsoft.com/office/drawing/2010/main">
+                <a:solidFill>
+                  <a:srgbClr val="FFFFFF"/>
+                </a:solidFill>
+              </a14:hiddenFill>
+            </a:ext>
+          </a:extLst>
         </p:spPr>
       </p:pic>
+      <p:sp>
+        <p:nvSpPr>
+          <p:cNvPr id="5" name="TextBox 4"/>
+          <p:cNvSpPr txBox="1"/>
+          <p:nvPr/>
+        </p:nvSpPr>
+        <p:spPr>
+          <a:xfrm>
+            <a:off x="4789415" y="4775442"/>
+            <a:ext cx="2204450" cy="1754326"/>
+          </a:xfrm>
+          <a:prstGeom prst="rect">
+            <a:avLst/>
+          </a:prstGeom>
+          <a:noFill/>
+        </p:spPr>
+        <p:txBody>
+          <a:bodyPr wrap="none" rtlCol="0">
+            <a:spAutoFit/>
+          </a:bodyPr>
+          <a:lstStyle/>
+          <a:p>
+            <a:pPr marL="285750" indent="-285750">
+              <a:buFont typeface="Arial" panose="020B0604020202020204" pitchFamily="34" charset="0"/>
+              <a:buChar char="•"/>
+            </a:pPr>
+            <a:r>
+              <a:rPr lang="en-US" dirty="0" smtClean="0"/>
+              <a:t>N </a:t>
+            </a:r>
+            <a:r>
+              <a:rPr lang="en-US" dirty="0"/>
+              <a:t>= 11</a:t>
+            </a:r>
+          </a:p>
+          <a:p>
+            <a:pPr marL="285750" indent="-285750">
+              <a:buFont typeface="Arial" panose="020B0604020202020204" pitchFamily="34" charset="0"/>
+              <a:buChar char="•"/>
+            </a:pPr>
+            <a:r>
+              <a:rPr lang="en-US" dirty="0"/>
+              <a:t>Mean of X = 9</a:t>
+            </a:r>
+          </a:p>
+          <a:p>
+            <a:pPr marL="285750" indent="-285750">
+              <a:buFont typeface="Arial" panose="020B0604020202020204" pitchFamily="34" charset="0"/>
+              <a:buChar char="•"/>
+            </a:pPr>
+            <a:r>
+              <a:rPr lang="en-US" dirty="0"/>
+              <a:t>Mean of Y = 7.5</a:t>
+            </a:r>
+          </a:p>
+          <a:p>
+            <a:pPr marL="285750" indent="-285750">
+              <a:buFont typeface="Arial" panose="020B0604020202020204" pitchFamily="34" charset="0"/>
+              <a:buChar char="•"/>
+            </a:pPr>
+            <a:r>
+              <a:rPr lang="en-US" dirty="0"/>
+              <a:t>Variance of X = 11</a:t>
+            </a:r>
+          </a:p>
+          <a:p>
+            <a:pPr marL="285750" indent="-285750">
+              <a:buFont typeface="Arial" panose="020B0604020202020204" pitchFamily="34" charset="0"/>
+              <a:buChar char="•"/>
+            </a:pPr>
+            <a:r>
+              <a:rPr lang="en-US" dirty="0"/>
+              <a:t>Variance of Y = </a:t>
+            </a:r>
+            <a:r>
+              <a:rPr lang="en-US" dirty="0" smtClean="0"/>
+              <a:t>4.1</a:t>
+            </a:r>
+          </a:p>
+          <a:p>
+            <a:pPr marL="285750" indent="-285750">
+              <a:buFont typeface="Arial" panose="020B0604020202020204" pitchFamily="34" charset="0"/>
+              <a:buChar char="•"/>
+            </a:pPr>
+            <a:r>
+              <a:rPr lang="en-US" dirty="0" err="1" smtClean="0"/>
+              <a:t>Cor</a:t>
+            </a:r>
+            <a:r>
+              <a:rPr lang="en-US" dirty="0" smtClean="0"/>
+              <a:t>(X,Y) = 0.816</a:t>
+            </a:r>
+            <a:endParaRPr lang="en-US" dirty="0"/>
+          </a:p>
+        </p:txBody>
+      </p:sp>
     </p:spTree>
     <p:extLst>
       <p:ext uri="{BB962C8B-B14F-4D97-AF65-F5344CB8AC3E}">
-        <p14:creationId xmlns:p14="http://schemas.microsoft.com/office/powerpoint/2010/main" val="479616598"/>
+        <p14:creationId xmlns:p14="http://schemas.microsoft.com/office/powerpoint/2010/main" val="3242671755"/>
       </p:ext>
     </p:extLst>
   </p:cSld>
@@ -9971,21 +9980,21 @@
                 <a:gridCol w="2944368">
                   <a:extLst>
                     <a:ext uri="{9D8B030D-6E8A-4147-A177-3AD203B41FA5}">
-                      <a16:colId xmlns:a16="http://schemas.microsoft.com/office/drawing/2014/main" val="20000"/>
+                      <a16:colId xmlns:a16="http://schemas.microsoft.com/office/drawing/2014/main" xmlns="" val="20000"/>
                     </a:ext>
                   </a:extLst>
                 </a:gridCol>
                 <a:gridCol w="2070608">
                   <a:extLst>
                     <a:ext uri="{9D8B030D-6E8A-4147-A177-3AD203B41FA5}">
-                      <a16:colId xmlns:a16="http://schemas.microsoft.com/office/drawing/2014/main" val="20001"/>
+                      <a16:colId xmlns:a16="http://schemas.microsoft.com/office/drawing/2014/main" xmlns="" val="20001"/>
                     </a:ext>
                   </a:extLst>
                 </a:gridCol>
                 <a:gridCol w="2507488">
                   <a:extLst>
                     <a:ext uri="{9D8B030D-6E8A-4147-A177-3AD203B41FA5}">
-                      <a16:colId xmlns:a16="http://schemas.microsoft.com/office/drawing/2014/main" val="2209180993"/>
+                      <a16:colId xmlns:a16="http://schemas.microsoft.com/office/drawing/2014/main" xmlns="" val="2209180993"/>
                     </a:ext>
                   </a:extLst>
                 </a:gridCol>
@@ -10038,7 +10047,7 @@
                 </a:tc>
                 <a:extLst>
                   <a:ext uri="{0D108BD9-81ED-4DB2-BD59-A6C34878D82A}">
-                    <a16:rowId xmlns:a16="http://schemas.microsoft.com/office/drawing/2014/main" val="10000"/>
+                    <a16:rowId xmlns:a16="http://schemas.microsoft.com/office/drawing/2014/main" xmlns="" val="10000"/>
                   </a:ext>
                 </a:extLst>
               </a:tr>
@@ -10090,7 +10099,7 @@
                 </a:tc>
                 <a:extLst>
                   <a:ext uri="{0D108BD9-81ED-4DB2-BD59-A6C34878D82A}">
-                    <a16:rowId xmlns:a16="http://schemas.microsoft.com/office/drawing/2014/main" val="10001"/>
+                    <a16:rowId xmlns:a16="http://schemas.microsoft.com/office/drawing/2014/main" xmlns="" val="10001"/>
                   </a:ext>
                 </a:extLst>
               </a:tr>
@@ -10141,7 +10150,7 @@
                 </a:tc>
                 <a:extLst>
                   <a:ext uri="{0D108BD9-81ED-4DB2-BD59-A6C34878D82A}">
-                    <a16:rowId xmlns:a16="http://schemas.microsoft.com/office/drawing/2014/main" val="10002"/>
+                    <a16:rowId xmlns:a16="http://schemas.microsoft.com/office/drawing/2014/main" xmlns="" val="10002"/>
                   </a:ext>
                 </a:extLst>
               </a:tr>
@@ -10192,7 +10201,7 @@
                 </a:tc>
                 <a:extLst>
                   <a:ext uri="{0D108BD9-81ED-4DB2-BD59-A6C34878D82A}">
-                    <a16:rowId xmlns:a16="http://schemas.microsoft.com/office/drawing/2014/main" val="10003"/>
+                    <a16:rowId xmlns:a16="http://schemas.microsoft.com/office/drawing/2014/main" xmlns="" val="10003"/>
                   </a:ext>
                 </a:extLst>
               </a:tr>
@@ -10259,7 +10268,7 @@
                 </a:tc>
                 <a:extLst>
                   <a:ext uri="{0D108BD9-81ED-4DB2-BD59-A6C34878D82A}">
-                    <a16:rowId xmlns:a16="http://schemas.microsoft.com/office/drawing/2014/main" val="10004"/>
+                    <a16:rowId xmlns:a16="http://schemas.microsoft.com/office/drawing/2014/main" xmlns="" val="10004"/>
                   </a:ext>
                 </a:extLst>
               </a:tr>
@@ -10311,7 +10320,7 @@
                 </a:tc>
                 <a:extLst>
                   <a:ext uri="{0D108BD9-81ED-4DB2-BD59-A6C34878D82A}">
-                    <a16:rowId xmlns:a16="http://schemas.microsoft.com/office/drawing/2014/main" val="10005"/>
+                    <a16:rowId xmlns:a16="http://schemas.microsoft.com/office/drawing/2014/main" xmlns="" val="10005"/>
                   </a:ext>
                 </a:extLst>
               </a:tr>
@@ -10363,7 +10372,7 @@
                 </a:tc>
                 <a:extLst>
                   <a:ext uri="{0D108BD9-81ED-4DB2-BD59-A6C34878D82A}">
-                    <a16:rowId xmlns:a16="http://schemas.microsoft.com/office/drawing/2014/main" val="10006"/>
+                    <a16:rowId xmlns:a16="http://schemas.microsoft.com/office/drawing/2014/main" xmlns="" val="10006"/>
                   </a:ext>
                 </a:extLst>
               </a:tr>
@@ -10470,33 +10479,35 @@
           <a:chExt cx="0" cy="0"/>
         </a:xfrm>
       </p:grpSpPr>
-      <p:pic>
-        <p:nvPicPr>
-          <p:cNvPr id="5" name="8R8UOjMy-5k"/>
-          <p:cNvPicPr>
-            <a:picLocks noGrp="1" noRot="1" noChangeAspect="1"/>
-          </p:cNvPicPr>
+      <p:sp>
+        <p:nvSpPr>
+          <p:cNvPr id="2" name="Title 1"/>
+          <p:cNvSpPr>
+            <a:spLocks noGrp="1"/>
+          </p:cNvSpPr>
           <p:nvPr>
-            <p:ph idx="1"/>
-            <a:videoFile r:link="rId1"/>
+            <p:ph type="title"/>
           </p:nvPr>
-        </p:nvPicPr>
-        <p:blipFill>
-          <a:blip r:embed="rId3"/>
-          <a:stretch>
-            <a:fillRect/>
-          </a:stretch>
-        </p:blipFill>
-        <p:spPr>
-          <a:xfrm>
-            <a:off x="2006600" y="1143000"/>
-            <a:ext cx="8263467" cy="4648200"/>
-          </a:xfrm>
-          <a:prstGeom prst="rect">
-            <a:avLst/>
-          </a:prstGeom>
-        </p:spPr>
-      </p:pic>
+        </p:nvSpPr>
+        <p:spPr/>
+        <p:txBody>
+          <a:bodyPr>
+            <a:normAutofit/>
+          </a:bodyPr>
+          <a:lstStyle/>
+          <a:p>
+            <a:r>
+              <a:rPr lang="en-US" u="none" dirty="0" err="1" smtClean="0"/>
+              <a:t>Anscombe’s</a:t>
+            </a:r>
+            <a:r>
+              <a:rPr lang="en-US" u="none" dirty="0" smtClean="0"/>
+              <a:t> Quartet</a:t>
+            </a:r>
+            <a:endParaRPr lang="en-US" u="none" dirty="0"/>
+          </a:p>
+        </p:txBody>
+      </p:sp>
       <p:sp>
         <p:nvSpPr>
           <p:cNvPr id="4" name="Slide Number Placeholder 3"/>
@@ -10520,10 +10531,49 @@
           </a:p>
         </p:txBody>
       </p:sp>
+      <p:pic>
+        <p:nvPicPr>
+          <p:cNvPr id="6" name="Picture 2" descr="http://strajk.me/notes/2012/the-visual-display-of-quantitative-information-by-edward-r-tufte/assets/001.png"/>
+          <p:cNvPicPr>
+            <a:picLocks noChangeAspect="1" noChangeArrowheads="1"/>
+          </p:cNvPicPr>
+          <p:nvPr/>
+        </p:nvPicPr>
+        <p:blipFill rotWithShape="1">
+          <a:blip r:embed="rId2">
+            <a:extLst>
+              <a:ext uri="{28A0092B-C50C-407E-A947-70E740481C1C}">
+                <a14:useLocalDpi xmlns:a14="http://schemas.microsoft.com/office/drawing/2010/main" val="0"/>
+              </a:ext>
+            </a:extLst>
+          </a:blip>
+          <a:srcRect l="45313"/>
+          <a:stretch/>
+        </p:blipFill>
+        <p:spPr bwMode="auto">
+          <a:xfrm>
+            <a:off x="2398776" y="1690688"/>
+            <a:ext cx="6324600" cy="4585335"/>
+          </a:xfrm>
+          <a:prstGeom prst="rect">
+            <a:avLst/>
+          </a:prstGeom>
+          <a:noFill/>
+          <a:extLst>
+            <a:ext uri="{909E8E84-426E-40DD-AFC4-6F175D3DCCD1}">
+              <a14:hiddenFill xmlns:a14="http://schemas.microsoft.com/office/drawing/2010/main">
+                <a:solidFill>
+                  <a:srgbClr val="FFFFFF"/>
+                </a:solidFill>
+              </a14:hiddenFill>
+            </a:ext>
+          </a:extLst>
+        </p:spPr>
+      </p:pic>
     </p:spTree>
     <p:extLst>
       <p:ext uri="{BB962C8B-B14F-4D97-AF65-F5344CB8AC3E}">
-        <p14:creationId xmlns:p14="http://schemas.microsoft.com/office/powerpoint/2010/main" val="2671035897"/>
+        <p14:creationId xmlns:p14="http://schemas.microsoft.com/office/powerpoint/2010/main" val="1436471835"/>
       </p:ext>
     </p:extLst>
   </p:cSld>
@@ -10616,8 +10666,25 @@
                 <a:latin typeface="Arial"/>
                 <a:cs typeface="Arial"/>
               </a:rPr>
-              <a:t>Which bar is tallest?</a:t>
-            </a:r>
+              <a:t>Which </a:t>
+            </a:r>
+            <a:r>
+              <a:rPr lang="en-US" spc="75" dirty="0" smtClean="0">
+                <a:solidFill>
+                  <a:srgbClr val="000000"/>
+                </a:solidFill>
+                <a:latin typeface="Arial"/>
+                <a:cs typeface="Arial"/>
+              </a:rPr>
+              <a:t>quantity is largest?</a:t>
+            </a:r>
+            <a:endParaRPr lang="en-US" spc="75" dirty="0">
+              <a:solidFill>
+                <a:srgbClr val="000000"/>
+              </a:solidFill>
+              <a:latin typeface="Arial"/>
+              <a:cs typeface="Arial"/>
+            </a:endParaRPr>
           </a:p>
           <a:p>
             <a:endParaRPr lang="en-US" spc="75" dirty="0">
@@ -10787,7 +10854,7 @@
                 <a:latin typeface="Arial"/>
                 <a:cs typeface="Arial"/>
               </a:rPr>
-              <a:t>Which bar is tallest?</a:t>
+              <a:t>Which quantity is largest?</a:t>
             </a:r>
           </a:p>
           <a:p>
@@ -10859,8 +10926,8 @@
         </p:nvSpPr>
         <p:spPr>
           <a:xfrm>
-            <a:off x="2052078" y="232475"/>
-            <a:ext cx="5419183" cy="369332"/>
+            <a:off x="4572000" y="1044714"/>
+            <a:ext cx="5419183" cy="707886"/>
           </a:xfrm>
           <a:prstGeom prst="rect">
             <a:avLst/>
@@ -10874,7 +10941,7 @@
           <a:lstStyle/>
           <a:p>
             <a:r>
-              <a:rPr lang="en-US" spc="75" dirty="0">
+              <a:rPr lang="en-US" sz="4000" spc="75" dirty="0">
                 <a:solidFill>
                   <a:srgbClr val="000000"/>
                 </a:solidFill>
@@ -10883,7 +10950,7 @@
               </a:rPr>
               <a:t>Better yet…</a:t>
             </a:r>
-            <a:endParaRPr lang="en-US" dirty="0"/>
+            <a:endParaRPr lang="en-US" sz="4000" dirty="0"/>
           </a:p>
         </p:txBody>
       </p:sp>
@@ -10988,7 +11055,7 @@
         </p:spPr>
         <p:txBody>
           <a:bodyPr>
-            <a:normAutofit lnSpcReduction="10000"/>
+            <a:normAutofit/>
           </a:bodyPr>
           <a:lstStyle/>
           <a:p>
@@ -10998,42 +11065,23 @@
             </a:r>
           </a:p>
           <a:p>
+            <a:endParaRPr lang="en-US" dirty="0" smtClean="0"/>
+          </a:p>
+          <a:p>
+            <a:r>
+              <a:rPr lang="en-US" dirty="0" smtClean="0"/>
+              <a:t>Rank the candidates in terms of their share of the vote.</a:t>
+            </a:r>
             <a:endParaRPr lang="en-US" dirty="0"/>
           </a:p>
           <a:p>
+            <a:endParaRPr lang="en-US" dirty="0"/>
+          </a:p>
+          <a:p>
             <a:r>
               <a:rPr lang="en-US" dirty="0" smtClean="0"/>
-              <a:t>Which EPTs do you use to answer the following:</a:t>
-            </a:r>
-          </a:p>
-          <a:p>
-            <a:pPr marL="0" indent="0" algn="ctr">
-              <a:buNone/>
-            </a:pPr>
-            <a:endParaRPr lang="en-US" i="1" dirty="0" smtClean="0"/>
-          </a:p>
-          <a:p>
-            <a:pPr marL="0" indent="0" algn="ctr">
-              <a:buNone/>
-            </a:pPr>
-            <a:r>
-              <a:rPr lang="en-US" i="1" dirty="0" smtClean="0"/>
-              <a:t>Is Candidate 5 doing better than Candidate 3?</a:t>
-            </a:r>
-          </a:p>
-          <a:p>
-            <a:pPr marL="0" indent="0" algn="ctr">
-              <a:buNone/>
-            </a:pPr>
-            <a:r>
-              <a:rPr lang="en-US" i="1" dirty="0" smtClean="0"/>
-              <a:t>Who’s doing the best? The worst?</a:t>
-            </a:r>
-          </a:p>
-          <a:p>
-            <a:pPr marL="0" indent="0">
-              <a:buNone/>
-            </a:pPr>
+              <a:t>Which EPT are you using? </a:t>
+            </a:r>
             <a:endParaRPr lang="en-US" dirty="0" smtClean="0"/>
           </a:p>
           <a:p>
@@ -11189,7 +11237,7 @@
         </p:spPr>
         <p:txBody>
           <a:bodyPr>
-            <a:normAutofit lnSpcReduction="10000"/>
+            <a:normAutofit/>
           </a:bodyPr>
           <a:lstStyle/>
           <a:p>
@@ -11204,37 +11252,8 @@
           <a:p>
             <a:r>
               <a:rPr lang="en-US" dirty="0" smtClean="0"/>
-              <a:t>Which EPTs do you use to answer the following:</a:t>
-            </a:r>
-          </a:p>
-          <a:p>
-            <a:pPr marL="0" indent="0" algn="ctr">
-              <a:buNone/>
-            </a:pPr>
-            <a:endParaRPr lang="en-US" i="1" dirty="0" smtClean="0"/>
-          </a:p>
-          <a:p>
-            <a:pPr marL="0" indent="0" algn="ctr">
-              <a:buNone/>
-            </a:pPr>
-            <a:r>
-              <a:rPr lang="en-US" i="1" dirty="0" smtClean="0"/>
-              <a:t>Is Candidate 5 doing better than Candidate 3?</a:t>
-            </a:r>
-          </a:p>
-          <a:p>
-            <a:pPr marL="0" indent="0" algn="ctr">
-              <a:buNone/>
-            </a:pPr>
-            <a:r>
-              <a:rPr lang="en-US" i="1" dirty="0" smtClean="0"/>
-              <a:t>Who’s doing the best? The worst?</a:t>
-            </a:r>
-          </a:p>
-          <a:p>
-            <a:pPr marL="0" indent="0">
-              <a:buNone/>
-            </a:pPr>
+              <a:t>Which EPT are you using now?</a:t>
+            </a:r>
             <a:endParaRPr lang="en-US" dirty="0" smtClean="0"/>
           </a:p>
           <a:p>
@@ -11390,37 +11409,667 @@
       </p:grpSpPr>
       <p:sp>
         <p:nvSpPr>
-          <p:cNvPr id="4" name="Slide Number Placeholder 3"/>
-          <p:cNvSpPr>
-            <a:spLocks noGrp="1"/>
-          </p:cNvSpPr>
-          <p:nvPr>
-            <p:ph type="sldNum" sz="quarter" idx="12"/>
-          </p:nvPr>
-        </p:nvSpPr>
-        <p:spPr/>
-        <p:txBody>
-          <a:bodyPr/>
-          <a:lstStyle/>
-          <a:p>
-            <a:fld id="{D4010A75-1353-4FD1-9402-18D25FE6440E}" type="slidenum">
-              <a:rPr lang="en-US" smtClean="0"/>
-              <a:t>35</a:t>
-            </a:fld>
-            <a:endParaRPr lang="en-US"/>
-          </a:p>
-        </p:txBody>
-      </p:sp>
-      <p:sp>
-        <p:nvSpPr>
-          <p:cNvPr id="6" name="TextBox 5"/>
+          <p:cNvPr id="2" name="object 2"/>
+          <p:cNvSpPr/>
+          <p:nvPr/>
+        </p:nvSpPr>
+        <p:spPr>
+          <a:xfrm>
+            <a:off x="5582521" y="4012105"/>
+            <a:ext cx="870305" cy="2306307"/>
+          </a:xfrm>
+          <a:custGeom>
+            <a:avLst/>
+            <a:gdLst/>
+            <a:ahLst/>
+            <a:cxnLst/>
+            <a:rect l="l" t="t" r="r" b="b"/>
+            <a:pathLst>
+              <a:path w="1270000" h="3365500">
+                <a:moveTo>
+                  <a:pt x="0" y="0"/>
+                </a:moveTo>
+                <a:lnTo>
+                  <a:pt x="1270000" y="0"/>
+                </a:lnTo>
+                <a:lnTo>
+                  <a:pt x="1270000" y="3365500"/>
+                </a:lnTo>
+                <a:lnTo>
+                  <a:pt x="0" y="3365500"/>
+                </a:lnTo>
+                <a:lnTo>
+                  <a:pt x="0" y="0"/>
+                </a:lnTo>
+                <a:close/>
+              </a:path>
+            </a:pathLst>
+          </a:custGeom>
+          <a:solidFill>
+            <a:srgbClr val="EBEBEB"/>
+          </a:solidFill>
+        </p:spPr>
+        <p:txBody>
+          <a:bodyPr wrap="square" lIns="0" tIns="0" rIns="0" bIns="0" rtlCol="0"/>
+          <a:lstStyle/>
+          <a:p>
+            <a:endParaRPr sz="1234"/>
+          </a:p>
+        </p:txBody>
+      </p:sp>
+      <p:sp>
+        <p:nvSpPr>
+          <p:cNvPr id="3" name="object 3"/>
+          <p:cNvSpPr/>
+          <p:nvPr/>
+        </p:nvSpPr>
+        <p:spPr>
+          <a:xfrm>
+            <a:off x="5582521" y="4012105"/>
+            <a:ext cx="870305" cy="2306307"/>
+          </a:xfrm>
+          <a:custGeom>
+            <a:avLst/>
+            <a:gdLst/>
+            <a:ahLst/>
+            <a:cxnLst/>
+            <a:rect l="l" t="t" r="r" b="b"/>
+            <a:pathLst>
+              <a:path w="1270000" h="3365500">
+                <a:moveTo>
+                  <a:pt x="0" y="0"/>
+                </a:moveTo>
+                <a:lnTo>
+                  <a:pt x="1270000" y="0"/>
+                </a:lnTo>
+                <a:lnTo>
+                  <a:pt x="1270000" y="3365500"/>
+                </a:lnTo>
+                <a:lnTo>
+                  <a:pt x="0" y="3365500"/>
+                </a:lnTo>
+                <a:lnTo>
+                  <a:pt x="0" y="0"/>
+                </a:lnTo>
+                <a:close/>
+              </a:path>
+            </a:pathLst>
+          </a:custGeom>
+          <a:ln w="50800">
+            <a:solidFill>
+              <a:srgbClr val="000000"/>
+            </a:solidFill>
+          </a:ln>
+        </p:spPr>
+        <p:txBody>
+          <a:bodyPr wrap="square" lIns="0" tIns="0" rIns="0" bIns="0" rtlCol="0"/>
+          <a:lstStyle/>
+          <a:p>
+            <a:endParaRPr sz="1234"/>
+          </a:p>
+        </p:txBody>
+      </p:sp>
+      <p:sp>
+        <p:nvSpPr>
+          <p:cNvPr id="4" name="object 4"/>
+          <p:cNvSpPr/>
+          <p:nvPr/>
+        </p:nvSpPr>
+        <p:spPr>
+          <a:xfrm>
+            <a:off x="5913236" y="6022508"/>
+            <a:ext cx="200170" cy="200170"/>
+          </a:xfrm>
+          <a:prstGeom prst="rect">
+            <a:avLst/>
+          </a:prstGeom>
+          <a:blipFill>
+            <a:blip r:embed="rId3" cstate="print"/>
+            <a:stretch>
+              <a:fillRect/>
+            </a:stretch>
+          </a:blipFill>
+        </p:spPr>
+        <p:txBody>
+          <a:bodyPr wrap="square" lIns="0" tIns="0" rIns="0" bIns="0" rtlCol="0"/>
+          <a:lstStyle/>
+          <a:p>
+            <a:endParaRPr sz="1234"/>
+          </a:p>
+        </p:txBody>
+      </p:sp>
+      <p:sp>
+        <p:nvSpPr>
+          <p:cNvPr id="5" name="object 5"/>
           <p:cNvSpPr txBox="1"/>
           <p:nvPr/>
         </p:nvSpPr>
         <p:spPr>
           <a:xfrm>
-            <a:off x="1676400" y="6411220"/>
-            <a:ext cx="4879028" cy="369332"/>
+            <a:off x="5934037" y="5956900"/>
+            <a:ext cx="167534" cy="316369"/>
+          </a:xfrm>
+          <a:prstGeom prst="rect">
+            <a:avLst/>
+          </a:prstGeom>
+        </p:spPr>
+        <p:txBody>
+          <a:bodyPr vert="horz" wrap="square" lIns="0" tIns="0" rIns="0" bIns="0" rtlCol="0">
+            <a:spAutoFit/>
+          </a:bodyPr>
+          <a:lstStyle/>
+          <a:p>
+            <a:pPr marL="8703"/>
+            <a:r>
+              <a:rPr sz="2056" b="1" spc="34" dirty="0">
+                <a:latin typeface="Arial"/>
+                <a:cs typeface="Arial"/>
+              </a:rPr>
+              <a:t>a</a:t>
+            </a:r>
+            <a:endParaRPr sz="2056">
+              <a:latin typeface="Arial"/>
+              <a:cs typeface="Arial"/>
+            </a:endParaRPr>
+          </a:p>
+        </p:txBody>
+      </p:sp>
+      <p:sp>
+        <p:nvSpPr>
+          <p:cNvPr id="6" name="object 6"/>
+          <p:cNvSpPr/>
+          <p:nvPr/>
+        </p:nvSpPr>
+        <p:spPr>
+          <a:xfrm>
+            <a:off x="6757432" y="2375931"/>
+            <a:ext cx="870305" cy="3942480"/>
+          </a:xfrm>
+          <a:custGeom>
+            <a:avLst/>
+            <a:gdLst/>
+            <a:ahLst/>
+            <a:cxnLst/>
+            <a:rect l="l" t="t" r="r" b="b"/>
+            <a:pathLst>
+              <a:path w="1270000" h="5753100">
+                <a:moveTo>
+                  <a:pt x="0" y="0"/>
+                </a:moveTo>
+                <a:lnTo>
+                  <a:pt x="1270000" y="0"/>
+                </a:lnTo>
+                <a:lnTo>
+                  <a:pt x="1270000" y="5753100"/>
+                </a:lnTo>
+                <a:lnTo>
+                  <a:pt x="0" y="5753100"/>
+                </a:lnTo>
+                <a:lnTo>
+                  <a:pt x="0" y="0"/>
+                </a:lnTo>
+                <a:close/>
+              </a:path>
+            </a:pathLst>
+          </a:custGeom>
+          <a:solidFill>
+            <a:srgbClr val="EBEBEB"/>
+          </a:solidFill>
+        </p:spPr>
+        <p:txBody>
+          <a:bodyPr wrap="square" lIns="0" tIns="0" rIns="0" bIns="0" rtlCol="0"/>
+          <a:lstStyle/>
+          <a:p>
+            <a:endParaRPr sz="1234"/>
+          </a:p>
+        </p:txBody>
+      </p:sp>
+      <p:sp>
+        <p:nvSpPr>
+          <p:cNvPr id="7" name="object 7"/>
+          <p:cNvSpPr/>
+          <p:nvPr/>
+        </p:nvSpPr>
+        <p:spPr>
+          <a:xfrm>
+            <a:off x="6757432" y="2375931"/>
+            <a:ext cx="870305" cy="3942480"/>
+          </a:xfrm>
+          <a:custGeom>
+            <a:avLst/>
+            <a:gdLst/>
+            <a:ahLst/>
+            <a:cxnLst/>
+            <a:rect l="l" t="t" r="r" b="b"/>
+            <a:pathLst>
+              <a:path w="1270000" h="5753100">
+                <a:moveTo>
+                  <a:pt x="0" y="0"/>
+                </a:moveTo>
+                <a:lnTo>
+                  <a:pt x="1270000" y="0"/>
+                </a:lnTo>
+                <a:lnTo>
+                  <a:pt x="1270000" y="5753100"/>
+                </a:lnTo>
+                <a:lnTo>
+                  <a:pt x="0" y="5753100"/>
+                </a:lnTo>
+                <a:lnTo>
+                  <a:pt x="0" y="0"/>
+                </a:lnTo>
+                <a:close/>
+              </a:path>
+            </a:pathLst>
+          </a:custGeom>
+          <a:ln w="50800">
+            <a:solidFill>
+              <a:srgbClr val="000000"/>
+            </a:solidFill>
+          </a:ln>
+        </p:spPr>
+        <p:txBody>
+          <a:bodyPr wrap="square" lIns="0" tIns="0" rIns="0" bIns="0" rtlCol="0"/>
+          <a:lstStyle/>
+          <a:p>
+            <a:endParaRPr sz="1234"/>
+          </a:p>
+        </p:txBody>
+      </p:sp>
+      <p:sp>
+        <p:nvSpPr>
+          <p:cNvPr id="8" name="object 8"/>
+          <p:cNvSpPr/>
+          <p:nvPr/>
+        </p:nvSpPr>
+        <p:spPr>
+          <a:xfrm>
+            <a:off x="7096851" y="5970290"/>
+            <a:ext cx="191467" cy="252388"/>
+          </a:xfrm>
+          <a:prstGeom prst="rect">
+            <a:avLst/>
+          </a:prstGeom>
+          <a:blipFill>
+            <a:blip r:embed="rId4" cstate="print"/>
+            <a:stretch>
+              <a:fillRect/>
+            </a:stretch>
+          </a:blipFill>
+        </p:spPr>
+        <p:txBody>
+          <a:bodyPr wrap="square" lIns="0" tIns="0" rIns="0" bIns="0" rtlCol="0"/>
+          <a:lstStyle/>
+          <a:p>
+            <a:endParaRPr sz="1234"/>
+          </a:p>
+        </p:txBody>
+      </p:sp>
+      <p:sp>
+        <p:nvSpPr>
+          <p:cNvPr id="9" name="object 9"/>
+          <p:cNvSpPr txBox="1"/>
+          <p:nvPr/>
+        </p:nvSpPr>
+        <p:spPr>
+          <a:xfrm>
+            <a:off x="7104119" y="5956900"/>
+            <a:ext cx="177107" cy="316369"/>
+          </a:xfrm>
+          <a:prstGeom prst="rect">
+            <a:avLst/>
+          </a:prstGeom>
+        </p:spPr>
+        <p:txBody>
+          <a:bodyPr vert="horz" wrap="square" lIns="0" tIns="0" rIns="0" bIns="0" rtlCol="0">
+            <a:spAutoFit/>
+          </a:bodyPr>
+          <a:lstStyle/>
+          <a:p>
+            <a:pPr marL="8703"/>
+            <a:r>
+              <a:rPr sz="2056" b="1" dirty="0">
+                <a:latin typeface="Arial"/>
+                <a:cs typeface="Arial"/>
+              </a:rPr>
+              <a:t>b</a:t>
+            </a:r>
+            <a:endParaRPr sz="2056">
+              <a:latin typeface="Arial"/>
+              <a:cs typeface="Arial"/>
+            </a:endParaRPr>
+          </a:p>
+        </p:txBody>
+      </p:sp>
+      <p:sp>
+        <p:nvSpPr>
+          <p:cNvPr id="10" name="object 10"/>
+          <p:cNvSpPr/>
+          <p:nvPr/>
+        </p:nvSpPr>
+        <p:spPr>
+          <a:xfrm>
+            <a:off x="2057788" y="3446407"/>
+            <a:ext cx="870305" cy="2872005"/>
+          </a:xfrm>
+          <a:custGeom>
+            <a:avLst/>
+            <a:gdLst/>
+            <a:ahLst/>
+            <a:cxnLst/>
+            <a:rect l="l" t="t" r="r" b="b"/>
+            <a:pathLst>
+              <a:path w="1270000" h="4191000">
+                <a:moveTo>
+                  <a:pt x="0" y="0"/>
+                </a:moveTo>
+                <a:lnTo>
+                  <a:pt x="1270000" y="0"/>
+                </a:lnTo>
+                <a:lnTo>
+                  <a:pt x="1270000" y="4191000"/>
+                </a:lnTo>
+                <a:lnTo>
+                  <a:pt x="0" y="4191000"/>
+                </a:lnTo>
+                <a:lnTo>
+                  <a:pt x="0" y="0"/>
+                </a:lnTo>
+                <a:close/>
+              </a:path>
+            </a:pathLst>
+          </a:custGeom>
+          <a:ln w="50800">
+            <a:solidFill>
+              <a:srgbClr val="000000"/>
+            </a:solidFill>
+          </a:ln>
+        </p:spPr>
+        <p:txBody>
+          <a:bodyPr wrap="square" lIns="0" tIns="0" rIns="0" bIns="0" rtlCol="0"/>
+          <a:lstStyle/>
+          <a:p>
+            <a:endParaRPr sz="1234"/>
+          </a:p>
+        </p:txBody>
+      </p:sp>
+      <p:sp>
+        <p:nvSpPr>
+          <p:cNvPr id="11" name="object 11"/>
+          <p:cNvSpPr/>
+          <p:nvPr/>
+        </p:nvSpPr>
+        <p:spPr>
+          <a:xfrm>
+            <a:off x="4407610" y="5126095"/>
+            <a:ext cx="870305" cy="1192317"/>
+          </a:xfrm>
+          <a:custGeom>
+            <a:avLst/>
+            <a:gdLst/>
+            <a:ahLst/>
+            <a:cxnLst/>
+            <a:rect l="l" t="t" r="r" b="b"/>
+            <a:pathLst>
+              <a:path w="1270000" h="1739900">
+                <a:moveTo>
+                  <a:pt x="0" y="0"/>
+                </a:moveTo>
+                <a:lnTo>
+                  <a:pt x="1270000" y="0"/>
+                </a:lnTo>
+                <a:lnTo>
+                  <a:pt x="1270000" y="1739900"/>
+                </a:lnTo>
+                <a:lnTo>
+                  <a:pt x="0" y="1739900"/>
+                </a:lnTo>
+                <a:lnTo>
+                  <a:pt x="0" y="0"/>
+                </a:lnTo>
+                <a:close/>
+              </a:path>
+            </a:pathLst>
+          </a:custGeom>
+          <a:ln w="50800">
+            <a:solidFill>
+              <a:srgbClr val="000000"/>
+            </a:solidFill>
+          </a:ln>
+        </p:spPr>
+        <p:txBody>
+          <a:bodyPr wrap="square" lIns="0" tIns="0" rIns="0" bIns="0" rtlCol="0"/>
+          <a:lstStyle/>
+          <a:p>
+            <a:endParaRPr sz="1234"/>
+          </a:p>
+        </p:txBody>
+      </p:sp>
+      <p:sp>
+        <p:nvSpPr>
+          <p:cNvPr id="12" name="object 12"/>
+          <p:cNvSpPr/>
+          <p:nvPr/>
+        </p:nvSpPr>
+        <p:spPr>
+          <a:xfrm>
+            <a:off x="3232699" y="2375931"/>
+            <a:ext cx="870305" cy="3942480"/>
+          </a:xfrm>
+          <a:custGeom>
+            <a:avLst/>
+            <a:gdLst/>
+            <a:ahLst/>
+            <a:cxnLst/>
+            <a:rect l="l" t="t" r="r" b="b"/>
+            <a:pathLst>
+              <a:path w="1270000" h="5753100">
+                <a:moveTo>
+                  <a:pt x="0" y="0"/>
+                </a:moveTo>
+                <a:lnTo>
+                  <a:pt x="1270000" y="0"/>
+                </a:lnTo>
+                <a:lnTo>
+                  <a:pt x="1270000" y="5753100"/>
+                </a:lnTo>
+                <a:lnTo>
+                  <a:pt x="0" y="5753100"/>
+                </a:lnTo>
+                <a:lnTo>
+                  <a:pt x="0" y="0"/>
+                </a:lnTo>
+                <a:close/>
+              </a:path>
+            </a:pathLst>
+          </a:custGeom>
+          <a:ln w="50800">
+            <a:solidFill>
+              <a:srgbClr val="000000"/>
+            </a:solidFill>
+          </a:ln>
+        </p:spPr>
+        <p:txBody>
+          <a:bodyPr wrap="square" lIns="0" tIns="0" rIns="0" bIns="0" rtlCol="0"/>
+          <a:lstStyle/>
+          <a:p>
+            <a:endParaRPr sz="1234"/>
+          </a:p>
+        </p:txBody>
+      </p:sp>
+      <p:sp>
+        <p:nvSpPr>
+          <p:cNvPr id="13" name="object 13"/>
+          <p:cNvSpPr/>
+          <p:nvPr/>
+        </p:nvSpPr>
+        <p:spPr>
+          <a:xfrm>
+            <a:off x="7932343" y="974741"/>
+            <a:ext cx="870305" cy="5343670"/>
+          </a:xfrm>
+          <a:custGeom>
+            <a:avLst/>
+            <a:gdLst/>
+            <a:ahLst/>
+            <a:cxnLst/>
+            <a:rect l="l" t="t" r="r" b="b"/>
+            <a:pathLst>
+              <a:path w="1270000" h="7797800">
+                <a:moveTo>
+                  <a:pt x="0" y="0"/>
+                </a:moveTo>
+                <a:lnTo>
+                  <a:pt x="1270000" y="0"/>
+                </a:lnTo>
+                <a:lnTo>
+                  <a:pt x="1270000" y="7797800"/>
+                </a:lnTo>
+                <a:lnTo>
+                  <a:pt x="0" y="7797800"/>
+                </a:lnTo>
+                <a:lnTo>
+                  <a:pt x="0" y="0"/>
+                </a:lnTo>
+                <a:close/>
+              </a:path>
+            </a:pathLst>
+          </a:custGeom>
+          <a:ln w="50800">
+            <a:solidFill>
+              <a:srgbClr val="000000"/>
+            </a:solidFill>
+          </a:ln>
+        </p:spPr>
+        <p:txBody>
+          <a:bodyPr wrap="square" lIns="0" tIns="0" rIns="0" bIns="0" rtlCol="0"/>
+          <a:lstStyle/>
+          <a:p>
+            <a:endParaRPr sz="1234"/>
+          </a:p>
+        </p:txBody>
+      </p:sp>
+      <p:sp>
+        <p:nvSpPr>
+          <p:cNvPr id="14" name="object 14"/>
+          <p:cNvSpPr/>
+          <p:nvPr/>
+        </p:nvSpPr>
+        <p:spPr>
+          <a:xfrm>
+            <a:off x="9107255" y="1566549"/>
+            <a:ext cx="870305" cy="4751863"/>
+          </a:xfrm>
+          <a:custGeom>
+            <a:avLst/>
+            <a:gdLst/>
+            <a:ahLst/>
+            <a:cxnLst/>
+            <a:rect l="l" t="t" r="r" b="b"/>
+            <a:pathLst>
+              <a:path w="1270000" h="6934200">
+                <a:moveTo>
+                  <a:pt x="0" y="0"/>
+                </a:moveTo>
+                <a:lnTo>
+                  <a:pt x="1270000" y="0"/>
+                </a:lnTo>
+                <a:lnTo>
+                  <a:pt x="1270000" y="6934200"/>
+                </a:lnTo>
+                <a:lnTo>
+                  <a:pt x="0" y="6934200"/>
+                </a:lnTo>
+                <a:lnTo>
+                  <a:pt x="0" y="0"/>
+                </a:lnTo>
+                <a:close/>
+              </a:path>
+            </a:pathLst>
+          </a:custGeom>
+          <a:ln w="50800">
+            <a:solidFill>
+              <a:srgbClr val="000000"/>
+            </a:solidFill>
+          </a:ln>
+        </p:spPr>
+        <p:txBody>
+          <a:bodyPr wrap="square" lIns="0" tIns="0" rIns="0" bIns="0" rtlCol="0"/>
+          <a:lstStyle/>
+          <a:p>
+            <a:endParaRPr sz="1234"/>
+          </a:p>
+        </p:txBody>
+      </p:sp>
+      <p:sp>
+        <p:nvSpPr>
+          <p:cNvPr id="16" name="object 16"/>
+          <p:cNvSpPr txBox="1"/>
+          <p:nvPr/>
+        </p:nvSpPr>
+        <p:spPr>
+          <a:xfrm>
+            <a:off x="978408" y="280832"/>
+            <a:ext cx="6015311" cy="743793"/>
+          </a:xfrm>
+          <a:prstGeom prst="rect">
+            <a:avLst/>
+          </a:prstGeom>
+        </p:spPr>
+        <p:txBody>
+          <a:bodyPr vert="horz" wrap="square" lIns="0" tIns="0" rIns="0" bIns="0" rtlCol="0">
+            <a:spAutoFit/>
+          </a:bodyPr>
+          <a:lstStyle/>
+          <a:p>
+            <a:pPr marL="8703" marR="3481">
+              <a:lnSpc>
+                <a:spcPts val="2947"/>
+              </a:lnSpc>
+              <a:tabLst>
+                <a:tab pos="1128384" algn="l"/>
+                <a:tab pos="1488266" algn="l"/>
+                <a:tab pos="1795493" algn="l"/>
+                <a:tab pos="1918210" algn="l"/>
+                <a:tab pos="2016557" algn="l"/>
+                <a:tab pos="2231094" algn="l"/>
+                <a:tab pos="2277656" algn="l"/>
+                <a:tab pos="3426928" algn="l"/>
+                <a:tab pos="3652779" algn="l"/>
+                <a:tab pos="4379070" algn="l"/>
+              </a:tabLst>
+            </a:pPr>
+            <a:r>
+              <a:rPr lang="en-US" sz="2467" spc="10" dirty="0">
+                <a:latin typeface="Arial"/>
+                <a:cs typeface="Arial"/>
+              </a:rPr>
+              <a:t>Back to Cleveland and McGill…what is </a:t>
+            </a:r>
+            <a:r>
+              <a:rPr lang="en-US" sz="2467" spc="10" dirty="0" smtClean="0">
+                <a:latin typeface="Arial"/>
+                <a:cs typeface="Arial"/>
+              </a:rPr>
+              <a:t>the size of Quantity A relative to Quantity B?</a:t>
+            </a:r>
+            <a:endParaRPr sz="2467" dirty="0">
+              <a:latin typeface="Arial"/>
+              <a:cs typeface="Arial"/>
+            </a:endParaRPr>
+          </a:p>
+        </p:txBody>
+      </p:sp>
+      <p:sp>
+        <p:nvSpPr>
+          <p:cNvPr id="17" name="TextBox 16"/>
+          <p:cNvSpPr txBox="1"/>
+          <p:nvPr/>
+        </p:nvSpPr>
+        <p:spPr>
+          <a:xfrm>
+            <a:off x="1640041" y="6314607"/>
+            <a:ext cx="3493072" cy="369332"/>
           </a:xfrm>
           <a:prstGeom prst="rect">
             <a:avLst/>
@@ -11435,229 +12084,22 @@
           <a:p>
             <a:r>
               <a:rPr lang="en-US" dirty="0"/>
-              <a:t>From Ben Jones, </a:t>
-            </a:r>
-            <a:r>
-              <a:rPr lang="en-US" i="1" dirty="0"/>
-              <a:t>Visualizing Data with Tableau</a:t>
-            </a:r>
-            <a:r>
-              <a:rPr lang="en-US" dirty="0"/>
-              <a:t>, p9</a:t>
-            </a:r>
-          </a:p>
-        </p:txBody>
-      </p:sp>
-      <p:pic>
-        <p:nvPicPr>
-          <p:cNvPr id="3" name="Picture 2"/>
-          <p:cNvPicPr>
-            <a:picLocks noChangeAspect="1"/>
-          </p:cNvPicPr>
-          <p:nvPr/>
-        </p:nvPicPr>
-        <p:blipFill>
-          <a:blip r:embed="rId2"/>
-          <a:stretch>
-            <a:fillRect/>
-          </a:stretch>
-        </p:blipFill>
-        <p:spPr>
-          <a:xfrm>
-            <a:off x="2934011" y="797982"/>
-            <a:ext cx="6090649" cy="3387808"/>
-          </a:xfrm>
-          <a:prstGeom prst="rect">
-            <a:avLst/>
-          </a:prstGeom>
-        </p:spPr>
-      </p:pic>
-      <p:pic>
-        <p:nvPicPr>
-          <p:cNvPr id="7" name="Picture 2" descr="https://upload.wikimedia.org/wikipedia/commons/thumb/0/0d/HSV_color_solid_cylinder_alpha_lowgamma.png/1280px-HSV_color_solid_cylinder_alpha_lowgamma.png"/>
-          <p:cNvPicPr>
-            <a:picLocks noChangeAspect="1" noChangeArrowheads="1"/>
-          </p:cNvPicPr>
-          <p:nvPr/>
-        </p:nvPicPr>
-        <p:blipFill>
-          <a:blip r:embed="rId3" cstate="print">
-            <a:extLst>
-              <a:ext uri="{28A0092B-C50C-407E-A947-70E740481C1C}">
-                <a14:useLocalDpi xmlns:a14="http://schemas.microsoft.com/office/drawing/2010/main" val="0"/>
-              </a:ext>
-            </a:extLst>
-          </a:blip>
-          <a:srcRect/>
-          <a:stretch>
-            <a:fillRect/>
-          </a:stretch>
-        </p:blipFill>
-        <p:spPr bwMode="auto">
-          <a:xfrm>
-            <a:off x="4935869" y="4343400"/>
-            <a:ext cx="2331866" cy="1752600"/>
-          </a:xfrm>
-          <a:prstGeom prst="rect">
-            <a:avLst/>
-          </a:prstGeom>
-          <a:noFill/>
-          <a:extLst>
-            <a:ext uri="{909E8E84-426E-40DD-AFC4-6F175D3DCCD1}">
-              <a14:hiddenFill xmlns:a14="http://schemas.microsoft.com/office/drawing/2010/main">
-                <a:solidFill>
-                  <a:srgbClr val="FFFFFF"/>
-                </a:solidFill>
-              </a14:hiddenFill>
-            </a:ext>
-          </a:extLst>
-        </p:spPr>
-      </p:pic>
-      <p:sp>
-        <p:nvSpPr>
-          <p:cNvPr id="8" name="TextBox 7"/>
-          <p:cNvSpPr txBox="1"/>
-          <p:nvPr/>
-        </p:nvSpPr>
-        <p:spPr>
-          <a:xfrm>
-            <a:off x="1491254" y="2851897"/>
-            <a:ext cx="1155124" cy="923330"/>
-          </a:xfrm>
-          <a:prstGeom prst="rect">
-            <a:avLst/>
-          </a:prstGeom>
-          <a:noFill/>
-        </p:spPr>
-        <p:txBody>
-          <a:bodyPr wrap="none" rtlCol="0">
-            <a:spAutoFit/>
-          </a:bodyPr>
-          <a:lstStyle/>
-          <a:p>
-            <a:r>
-              <a:rPr lang="en-US" dirty="0"/>
-              <a:t>Value</a:t>
-            </a:r>
-          </a:p>
-          <a:p>
-            <a:r>
-              <a:rPr lang="en-US" dirty="0"/>
-              <a:t>Saturation</a:t>
-            </a:r>
-          </a:p>
-          <a:p>
-            <a:r>
-              <a:rPr lang="en-US" dirty="0" smtClean="0"/>
-              <a:t>Hue</a:t>
+              <a:t>Figures revised by </a:t>
+            </a:r>
+            <a:r>
+              <a:rPr lang="en-US" dirty="0">
+                <a:hlinkClick r:id="rId5"/>
+              </a:rPr>
+              <a:t>Hadley Wickham</a:t>
             </a:r>
             <a:endParaRPr lang="en-US" dirty="0"/>
           </a:p>
         </p:txBody>
       </p:sp>
-      <p:cxnSp>
-        <p:nvCxnSpPr>
-          <p:cNvPr id="10" name="Straight Arrow Connector 9"/>
-          <p:cNvCxnSpPr/>
-          <p:nvPr/>
-        </p:nvCxnSpPr>
-        <p:spPr>
-          <a:xfrm flipV="1">
-            <a:off x="2191699" y="2851897"/>
-            <a:ext cx="954228" cy="202059"/>
-          </a:xfrm>
-          <a:prstGeom prst="straightConnector1">
-            <a:avLst/>
-          </a:prstGeom>
-          <a:ln>
-            <a:tailEnd type="triangle"/>
-          </a:ln>
-        </p:spPr>
-        <p:style>
-          <a:lnRef idx="1">
-            <a:schemeClr val="accent1"/>
-          </a:lnRef>
-          <a:fillRef idx="0">
-            <a:schemeClr val="accent1"/>
-          </a:fillRef>
-          <a:effectRef idx="0">
-            <a:schemeClr val="accent1"/>
-          </a:effectRef>
-          <a:fontRef idx="minor">
-            <a:schemeClr val="tx1"/>
-          </a:fontRef>
-        </p:style>
-      </p:cxnSp>
-      <p:cxnSp>
-        <p:nvCxnSpPr>
-          <p:cNvPr id="13" name="Straight Arrow Connector 12"/>
-          <p:cNvCxnSpPr/>
-          <p:nvPr/>
-        </p:nvCxnSpPr>
-        <p:spPr>
-          <a:xfrm flipV="1">
-            <a:off x="2620756" y="3211261"/>
-            <a:ext cx="525171" cy="113162"/>
-          </a:xfrm>
-          <a:prstGeom prst="straightConnector1">
-            <a:avLst/>
-          </a:prstGeom>
-          <a:ln>
-            <a:tailEnd type="triangle"/>
-          </a:ln>
-        </p:spPr>
-        <p:style>
-          <a:lnRef idx="1">
-            <a:schemeClr val="accent1"/>
-          </a:lnRef>
-          <a:fillRef idx="0">
-            <a:schemeClr val="accent1"/>
-          </a:fillRef>
-          <a:effectRef idx="0">
-            <a:schemeClr val="accent1"/>
-          </a:effectRef>
-          <a:fontRef idx="minor">
-            <a:schemeClr val="tx1"/>
-          </a:fontRef>
-        </p:style>
-      </p:cxnSp>
-      <p:cxnSp>
-        <p:nvCxnSpPr>
-          <p:cNvPr id="15" name="Straight Arrow Connector 14"/>
-          <p:cNvCxnSpPr/>
-          <p:nvPr/>
-        </p:nvCxnSpPr>
-        <p:spPr>
-          <a:xfrm flipV="1">
-            <a:off x="2121206" y="3494043"/>
-            <a:ext cx="1024721" cy="145600"/>
-          </a:xfrm>
-          <a:prstGeom prst="straightConnector1">
-            <a:avLst/>
-          </a:prstGeom>
-          <a:ln>
-            <a:tailEnd type="triangle"/>
-          </a:ln>
-        </p:spPr>
-        <p:style>
-          <a:lnRef idx="1">
-            <a:schemeClr val="accent1"/>
-          </a:lnRef>
-          <a:fillRef idx="0">
-            <a:schemeClr val="accent1"/>
-          </a:fillRef>
-          <a:effectRef idx="0">
-            <a:schemeClr val="accent1"/>
-          </a:effectRef>
-          <a:fontRef idx="minor">
-            <a:schemeClr val="tx1"/>
-          </a:fontRef>
-        </p:style>
-      </p:cxnSp>
     </p:spTree>
     <p:extLst>
       <p:ext uri="{BB962C8B-B14F-4D97-AF65-F5344CB8AC3E}">
-        <p14:creationId xmlns:p14="http://schemas.microsoft.com/office/powerpoint/2010/main" val="1948850825"/>
+        <p14:creationId xmlns:p14="http://schemas.microsoft.com/office/powerpoint/2010/main" val="774304730"/>
       </p:ext>
     </p:extLst>
   </p:cSld>
@@ -11699,8 +12141,8 @@
         </p:nvSpPr>
         <p:spPr>
           <a:xfrm>
-            <a:off x="5582521" y="4012105"/>
-            <a:ext cx="870305" cy="2306307"/>
+            <a:off x="2684407" y="5012955"/>
+            <a:ext cx="3220127" cy="1192317"/>
           </a:xfrm>
           <a:custGeom>
             <a:avLst/>
@@ -11709,18 +12151,18 @@
             <a:cxnLst/>
             <a:rect l="l" t="t" r="r" b="b"/>
             <a:pathLst>
-              <a:path w="1270000" h="3365500">
+              <a:path w="4699000" h="1739900">
                 <a:moveTo>
                   <a:pt x="0" y="0"/>
                 </a:moveTo>
                 <a:lnTo>
-                  <a:pt x="1270000" y="0"/>
-                </a:lnTo>
-                <a:lnTo>
-                  <a:pt x="1270000" y="3365500"/>
-                </a:lnTo>
-                <a:lnTo>
-                  <a:pt x="0" y="3365500"/>
+                  <a:pt x="4699000" y="0"/>
+                </a:lnTo>
+                <a:lnTo>
+                  <a:pt x="4699000" y="1739900"/>
+                </a:lnTo>
+                <a:lnTo>
+                  <a:pt x="0" y="1739900"/>
                 </a:lnTo>
                 <a:lnTo>
                   <a:pt x="0" y="0"/>
@@ -11749,8 +12191,8 @@
         </p:nvSpPr>
         <p:spPr>
           <a:xfrm>
-            <a:off x="5582521" y="4012105"/>
-            <a:ext cx="870305" cy="2306307"/>
+            <a:off x="2684407" y="5012955"/>
+            <a:ext cx="3220127" cy="1192317"/>
           </a:xfrm>
           <a:custGeom>
             <a:avLst/>
@@ -11759,18 +12201,18 @@
             <a:cxnLst/>
             <a:rect l="l" t="t" r="r" b="b"/>
             <a:pathLst>
-              <a:path w="1270000" h="3365500">
+              <a:path w="4699000" h="1739900">
                 <a:moveTo>
                   <a:pt x="0" y="0"/>
                 </a:moveTo>
                 <a:lnTo>
-                  <a:pt x="1270000" y="0"/>
-                </a:lnTo>
-                <a:lnTo>
-                  <a:pt x="1270000" y="3365500"/>
-                </a:lnTo>
-                <a:lnTo>
-                  <a:pt x="0" y="3365500"/>
+                  <a:pt x="4699000" y="0"/>
+                </a:lnTo>
+                <a:lnTo>
+                  <a:pt x="4699000" y="1739900"/>
+                </a:lnTo>
+                <a:lnTo>
+                  <a:pt x="0" y="1739900"/>
                 </a:lnTo>
                 <a:lnTo>
                   <a:pt x="0" y="0"/>
@@ -11801,7 +12243,7 @@
         </p:nvSpPr>
         <p:spPr>
           <a:xfrm>
-            <a:off x="5913236" y="6022508"/>
+            <a:off x="4190033" y="5909368"/>
             <a:ext cx="200170" cy="200170"/>
           </a:xfrm>
           <a:prstGeom prst="rect">
@@ -11830,7 +12272,7 @@
         </p:nvSpPr>
         <p:spPr>
           <a:xfrm>
-            <a:off x="5934037" y="5956900"/>
+            <a:off x="4210835" y="5843761"/>
             <a:ext cx="167534" cy="316369"/>
           </a:xfrm>
           <a:prstGeom prst="rect">
@@ -11866,8 +12308,8 @@
         </p:nvSpPr>
         <p:spPr>
           <a:xfrm>
-            <a:off x="6757432" y="2375931"/>
-            <a:ext cx="870305" cy="3942480"/>
+            <a:off x="6287468" y="3455110"/>
+            <a:ext cx="3220127" cy="2767569"/>
           </a:xfrm>
           <a:custGeom>
             <a:avLst/>
@@ -11876,18 +12318,18 @@
             <a:cxnLst/>
             <a:rect l="l" t="t" r="r" b="b"/>
             <a:pathLst>
-              <a:path w="1270000" h="5753100">
+              <a:path w="4699000" h="4038600">
                 <a:moveTo>
                   <a:pt x="0" y="0"/>
                 </a:moveTo>
                 <a:lnTo>
-                  <a:pt x="1270000" y="0"/>
-                </a:lnTo>
-                <a:lnTo>
-                  <a:pt x="1270000" y="5753100"/>
-                </a:lnTo>
-                <a:lnTo>
-                  <a:pt x="0" y="5753100"/>
+                  <a:pt x="4699000" y="0"/>
+                </a:lnTo>
+                <a:lnTo>
+                  <a:pt x="4699000" y="4038600"/>
+                </a:lnTo>
+                <a:lnTo>
+                  <a:pt x="0" y="4038600"/>
                 </a:lnTo>
                 <a:lnTo>
                   <a:pt x="0" y="0"/>
@@ -11916,8 +12358,8 @@
         </p:nvSpPr>
         <p:spPr>
           <a:xfrm>
-            <a:off x="6757432" y="2375931"/>
-            <a:ext cx="870305" cy="3942480"/>
+            <a:off x="6287468" y="3455110"/>
+            <a:ext cx="3220127" cy="2767569"/>
           </a:xfrm>
           <a:custGeom>
             <a:avLst/>
@@ -11926,18 +12368,18 @@
             <a:cxnLst/>
             <a:rect l="l" t="t" r="r" b="b"/>
             <a:pathLst>
-              <a:path w="1270000" h="5753100">
+              <a:path w="4699000" h="4038600">
                 <a:moveTo>
                   <a:pt x="0" y="0"/>
                 </a:moveTo>
                 <a:lnTo>
-                  <a:pt x="1270000" y="0"/>
-                </a:lnTo>
-                <a:lnTo>
-                  <a:pt x="1270000" y="5753100"/>
-                </a:lnTo>
-                <a:lnTo>
-                  <a:pt x="0" y="5753100"/>
+                  <a:pt x="4699000" y="0"/>
+                </a:lnTo>
+                <a:lnTo>
+                  <a:pt x="4699000" y="4038600"/>
+                </a:lnTo>
+                <a:lnTo>
+                  <a:pt x="0" y="4038600"/>
                 </a:lnTo>
                 <a:lnTo>
                   <a:pt x="0" y="0"/>
@@ -11968,7 +12410,7 @@
         </p:nvSpPr>
         <p:spPr>
           <a:xfrm>
-            <a:off x="7096851" y="5970290"/>
+            <a:off x="7801798" y="5874556"/>
             <a:ext cx="191467" cy="252388"/>
           </a:xfrm>
           <a:prstGeom prst="rect">
@@ -11997,7 +12439,7 @@
         </p:nvSpPr>
         <p:spPr>
           <a:xfrm>
-            <a:off x="7104119" y="5956900"/>
+            <a:off x="7809066" y="5861167"/>
             <a:ext cx="177107" cy="316369"/>
           </a:xfrm>
           <a:prstGeom prst="rect">
@@ -12033,8 +12475,8 @@
         </p:nvSpPr>
         <p:spPr>
           <a:xfrm>
-            <a:off x="2057788" y="3446407"/>
-            <a:ext cx="870305" cy="2872005"/>
+            <a:off x="2684407" y="852899"/>
+            <a:ext cx="3220127" cy="452558"/>
           </a:xfrm>
           <a:custGeom>
             <a:avLst/>
@@ -12043,18 +12485,18 @@
             <a:cxnLst/>
             <a:rect l="l" t="t" r="r" b="b"/>
             <a:pathLst>
-              <a:path w="1270000" h="4191000">
+              <a:path w="4699000" h="660400">
                 <a:moveTo>
                   <a:pt x="0" y="0"/>
                 </a:moveTo>
                 <a:lnTo>
-                  <a:pt x="1270000" y="0"/>
-                </a:lnTo>
-                <a:lnTo>
-                  <a:pt x="1270000" y="4191000"/>
-                </a:lnTo>
-                <a:lnTo>
-                  <a:pt x="0" y="4191000"/>
+                  <a:pt x="4699000" y="0"/>
+                </a:lnTo>
+                <a:lnTo>
+                  <a:pt x="4699000" y="660400"/>
+                </a:lnTo>
+                <a:lnTo>
+                  <a:pt x="0" y="660400"/>
                 </a:lnTo>
                 <a:lnTo>
                   <a:pt x="0" y="0"/>
@@ -12085,8 +12527,8 @@
         </p:nvSpPr>
         <p:spPr>
           <a:xfrm>
-            <a:off x="4407610" y="5126095"/>
-            <a:ext cx="870305" cy="1192317"/>
+            <a:off x="6287468" y="2262793"/>
+            <a:ext cx="3220127" cy="1192317"/>
           </a:xfrm>
           <a:custGeom>
             <a:avLst/>
@@ -12095,15 +12537,65 @@
             <a:cxnLst/>
             <a:rect l="l" t="t" r="r" b="b"/>
             <a:pathLst>
-              <a:path w="1270000" h="1739900">
+              <a:path w="4699000" h="1739900">
                 <a:moveTo>
                   <a:pt x="0" y="0"/>
                 </a:moveTo>
                 <a:lnTo>
-                  <a:pt x="1270000" y="0"/>
-                </a:lnTo>
-                <a:lnTo>
-                  <a:pt x="1270000" y="1739900"/>
+                  <a:pt x="4699000" y="0"/>
+                </a:lnTo>
+                <a:lnTo>
+                  <a:pt x="4699000" y="1739900"/>
+                </a:lnTo>
+                <a:lnTo>
+                  <a:pt x="0" y="1739900"/>
+                </a:lnTo>
+                <a:lnTo>
+                  <a:pt x="0" y="0"/>
+                </a:lnTo>
+                <a:close/>
+              </a:path>
+            </a:pathLst>
+          </a:custGeom>
+          <a:solidFill>
+            <a:srgbClr val="FFFFFF"/>
+          </a:solidFill>
+        </p:spPr>
+        <p:txBody>
+          <a:bodyPr wrap="square" lIns="0" tIns="0" rIns="0" bIns="0" rtlCol="0"/>
+          <a:lstStyle/>
+          <a:p>
+            <a:endParaRPr sz="1234"/>
+          </a:p>
+        </p:txBody>
+      </p:sp>
+      <p:sp>
+        <p:nvSpPr>
+          <p:cNvPr id="12" name="object 12"/>
+          <p:cNvSpPr/>
+          <p:nvPr/>
+        </p:nvSpPr>
+        <p:spPr>
+          <a:xfrm>
+            <a:off x="6287468" y="2262793"/>
+            <a:ext cx="3220127" cy="1192317"/>
+          </a:xfrm>
+          <a:custGeom>
+            <a:avLst/>
+            <a:gdLst/>
+            <a:ahLst/>
+            <a:cxnLst/>
+            <a:rect l="l" t="t" r="r" b="b"/>
+            <a:pathLst>
+              <a:path w="4699000" h="1739900">
+                <a:moveTo>
+                  <a:pt x="0" y="0"/>
+                </a:moveTo>
+                <a:lnTo>
+                  <a:pt x="4699000" y="0"/>
+                </a:lnTo>
+                <a:lnTo>
+                  <a:pt x="4699000" y="1739900"/>
                 </a:lnTo>
                 <a:lnTo>
                   <a:pt x="0" y="1739900"/>
@@ -12131,14 +12623,14 @@
       </p:sp>
       <p:sp>
         <p:nvSpPr>
-          <p:cNvPr id="12" name="object 12"/>
+          <p:cNvPr id="13" name="object 13"/>
           <p:cNvSpPr/>
           <p:nvPr/>
         </p:nvSpPr>
         <p:spPr>
           <a:xfrm>
-            <a:off x="3232699" y="2375931"/>
-            <a:ext cx="870305" cy="3942480"/>
+            <a:off x="2684407" y="2497775"/>
+            <a:ext cx="3220127" cy="2506477"/>
           </a:xfrm>
           <a:custGeom>
             <a:avLst/>
@@ -12147,18 +12639,68 @@
             <a:cxnLst/>
             <a:rect l="l" t="t" r="r" b="b"/>
             <a:pathLst>
-              <a:path w="1270000" h="5753100">
+              <a:path w="4699000" h="3657600">
                 <a:moveTo>
                   <a:pt x="0" y="0"/>
                 </a:moveTo>
                 <a:lnTo>
-                  <a:pt x="1270000" y="0"/>
-                </a:lnTo>
-                <a:lnTo>
-                  <a:pt x="1270000" y="5753100"/>
-                </a:lnTo>
-                <a:lnTo>
-                  <a:pt x="0" y="5753100"/>
+                  <a:pt x="4699000" y="0"/>
+                </a:lnTo>
+                <a:lnTo>
+                  <a:pt x="4699000" y="3657600"/>
+                </a:lnTo>
+                <a:lnTo>
+                  <a:pt x="0" y="3657600"/>
+                </a:lnTo>
+                <a:lnTo>
+                  <a:pt x="0" y="0"/>
+                </a:lnTo>
+                <a:close/>
+              </a:path>
+            </a:pathLst>
+          </a:custGeom>
+          <a:solidFill>
+            <a:srgbClr val="FFFFFF"/>
+          </a:solidFill>
+        </p:spPr>
+        <p:txBody>
+          <a:bodyPr wrap="square" lIns="0" tIns="0" rIns="0" bIns="0" rtlCol="0"/>
+          <a:lstStyle/>
+          <a:p>
+            <a:endParaRPr sz="1234"/>
+          </a:p>
+        </p:txBody>
+      </p:sp>
+      <p:sp>
+        <p:nvSpPr>
+          <p:cNvPr id="14" name="object 14"/>
+          <p:cNvSpPr/>
+          <p:nvPr/>
+        </p:nvSpPr>
+        <p:spPr>
+          <a:xfrm>
+            <a:off x="2684407" y="2497775"/>
+            <a:ext cx="3220127" cy="2506477"/>
+          </a:xfrm>
+          <a:custGeom>
+            <a:avLst/>
+            <a:gdLst/>
+            <a:ahLst/>
+            <a:cxnLst/>
+            <a:rect l="l" t="t" r="r" b="b"/>
+            <a:pathLst>
+              <a:path w="4699000" h="3657600">
+                <a:moveTo>
+                  <a:pt x="0" y="0"/>
+                </a:moveTo>
+                <a:lnTo>
+                  <a:pt x="4699000" y="0"/>
+                </a:lnTo>
+                <a:lnTo>
+                  <a:pt x="4699000" y="3657600"/>
+                </a:lnTo>
+                <a:lnTo>
+                  <a:pt x="0" y="3657600"/>
                 </a:lnTo>
                 <a:lnTo>
                   <a:pt x="0" y="0"/>
@@ -12183,14 +12725,14 @@
       </p:sp>
       <p:sp>
         <p:nvSpPr>
-          <p:cNvPr id="13" name="object 13"/>
+          <p:cNvPr id="15" name="object 15"/>
           <p:cNvSpPr/>
           <p:nvPr/>
         </p:nvSpPr>
         <p:spPr>
           <a:xfrm>
-            <a:off x="7932343" y="974741"/>
-            <a:ext cx="870305" cy="5343670"/>
+            <a:off x="6287468" y="1348972"/>
+            <a:ext cx="3220127" cy="913820"/>
           </a:xfrm>
           <a:custGeom>
             <a:avLst/>
@@ -12199,18 +12741,68 @@
             <a:cxnLst/>
             <a:rect l="l" t="t" r="r" b="b"/>
             <a:pathLst>
-              <a:path w="1270000" h="7797800">
+              <a:path w="4699000" h="1333500">
                 <a:moveTo>
                   <a:pt x="0" y="0"/>
                 </a:moveTo>
                 <a:lnTo>
-                  <a:pt x="1270000" y="0"/>
-                </a:lnTo>
-                <a:lnTo>
-                  <a:pt x="1270000" y="7797800"/>
-                </a:lnTo>
-                <a:lnTo>
-                  <a:pt x="0" y="7797800"/>
+                  <a:pt x="4699000" y="0"/>
+                </a:lnTo>
+                <a:lnTo>
+                  <a:pt x="4699000" y="1333500"/>
+                </a:lnTo>
+                <a:lnTo>
+                  <a:pt x="0" y="1333500"/>
+                </a:lnTo>
+                <a:lnTo>
+                  <a:pt x="0" y="0"/>
+                </a:lnTo>
+                <a:close/>
+              </a:path>
+            </a:pathLst>
+          </a:custGeom>
+          <a:solidFill>
+            <a:srgbClr val="FFFFFF"/>
+          </a:solidFill>
+        </p:spPr>
+        <p:txBody>
+          <a:bodyPr wrap="square" lIns="0" tIns="0" rIns="0" bIns="0" rtlCol="0"/>
+          <a:lstStyle/>
+          <a:p>
+            <a:endParaRPr sz="1234"/>
+          </a:p>
+        </p:txBody>
+      </p:sp>
+      <p:sp>
+        <p:nvSpPr>
+          <p:cNvPr id="16" name="object 16"/>
+          <p:cNvSpPr/>
+          <p:nvPr/>
+        </p:nvSpPr>
+        <p:spPr>
+          <a:xfrm>
+            <a:off x="6287468" y="1348972"/>
+            <a:ext cx="3220127" cy="913820"/>
+          </a:xfrm>
+          <a:custGeom>
+            <a:avLst/>
+            <a:gdLst/>
+            <a:ahLst/>
+            <a:cxnLst/>
+            <a:rect l="l" t="t" r="r" b="b"/>
+            <a:pathLst>
+              <a:path w="4699000" h="1333500">
+                <a:moveTo>
+                  <a:pt x="0" y="0"/>
+                </a:moveTo>
+                <a:lnTo>
+                  <a:pt x="4699000" y="0"/>
+                </a:lnTo>
+                <a:lnTo>
+                  <a:pt x="4699000" y="1333500"/>
+                </a:lnTo>
+                <a:lnTo>
+                  <a:pt x="0" y="1333500"/>
                 </a:lnTo>
                 <a:lnTo>
                   <a:pt x="0" y="0"/>
@@ -12235,14 +12827,14 @@
       </p:sp>
       <p:sp>
         <p:nvSpPr>
-          <p:cNvPr id="14" name="object 14"/>
+          <p:cNvPr id="17" name="object 17"/>
           <p:cNvSpPr/>
           <p:nvPr/>
         </p:nvSpPr>
         <p:spPr>
           <a:xfrm>
-            <a:off x="9107255" y="1566549"/>
-            <a:ext cx="870305" cy="4751863"/>
+            <a:off x="2684407" y="1305458"/>
+            <a:ext cx="3220127" cy="1192317"/>
           </a:xfrm>
           <a:custGeom>
             <a:avLst/>
@@ -12251,18 +12843,68 @@
             <a:cxnLst/>
             <a:rect l="l" t="t" r="r" b="b"/>
             <a:pathLst>
-              <a:path w="1270000" h="6934200">
+              <a:path w="4699000" h="1739900">
                 <a:moveTo>
                   <a:pt x="0" y="0"/>
                 </a:moveTo>
                 <a:lnTo>
-                  <a:pt x="1270000" y="0"/>
-                </a:lnTo>
-                <a:lnTo>
-                  <a:pt x="1270000" y="6934200"/>
-                </a:lnTo>
-                <a:lnTo>
-                  <a:pt x="0" y="6934200"/>
+                  <a:pt x="4699000" y="0"/>
+                </a:lnTo>
+                <a:lnTo>
+                  <a:pt x="4699000" y="1739900"/>
+                </a:lnTo>
+                <a:lnTo>
+                  <a:pt x="0" y="1739900"/>
+                </a:lnTo>
+                <a:lnTo>
+                  <a:pt x="0" y="0"/>
+                </a:lnTo>
+                <a:close/>
+              </a:path>
+            </a:pathLst>
+          </a:custGeom>
+          <a:solidFill>
+            <a:srgbClr val="FFFFFF"/>
+          </a:solidFill>
+        </p:spPr>
+        <p:txBody>
+          <a:bodyPr wrap="square" lIns="0" tIns="0" rIns="0" bIns="0" rtlCol="0"/>
+          <a:lstStyle/>
+          <a:p>
+            <a:endParaRPr sz="1234"/>
+          </a:p>
+        </p:txBody>
+      </p:sp>
+      <p:sp>
+        <p:nvSpPr>
+          <p:cNvPr id="18" name="object 18"/>
+          <p:cNvSpPr/>
+          <p:nvPr/>
+        </p:nvSpPr>
+        <p:spPr>
+          <a:xfrm>
+            <a:off x="2684407" y="1305458"/>
+            <a:ext cx="3220127" cy="1192317"/>
+          </a:xfrm>
+          <a:custGeom>
+            <a:avLst/>
+            <a:gdLst/>
+            <a:ahLst/>
+            <a:cxnLst/>
+            <a:rect l="l" t="t" r="r" b="b"/>
+            <a:pathLst>
+              <a:path w="4699000" h="1739900">
+                <a:moveTo>
+                  <a:pt x="0" y="0"/>
+                </a:moveTo>
+                <a:lnTo>
+                  <a:pt x="4699000" y="0"/>
+                </a:lnTo>
+                <a:lnTo>
+                  <a:pt x="4699000" y="1739900"/>
+                </a:lnTo>
+                <a:lnTo>
+                  <a:pt x="0" y="1739900"/>
                 </a:lnTo>
                 <a:lnTo>
                   <a:pt x="0" y="0"/>
@@ -12287,14 +12929,14 @@
       </p:sp>
       <p:sp>
         <p:nvSpPr>
-          <p:cNvPr id="16" name="object 16"/>
+          <p:cNvPr id="21" name="object 16"/>
           <p:cNvSpPr txBox="1"/>
           <p:nvPr/>
         </p:nvSpPr>
         <p:spPr>
           <a:xfrm>
-            <a:off x="978408" y="280832"/>
-            <a:ext cx="6015311" cy="743793"/>
+            <a:off x="1821500" y="280832"/>
+            <a:ext cx="5172219" cy="371897"/>
           </a:xfrm>
           <a:prstGeom prst="rect">
             <a:avLst/>
@@ -12328,14 +12970,7 @@
                 <a:latin typeface="Arial"/>
                 <a:cs typeface="Arial"/>
               </a:rPr>
-              <a:t>Back to Cleveland and McGill…what is </a:t>
-            </a:r>
-            <a:r>
-              <a:rPr lang="en-US" sz="2467" spc="10" dirty="0" smtClean="0">
-                <a:latin typeface="Arial"/>
-                <a:cs typeface="Arial"/>
-              </a:rPr>
-              <a:t>the size of Quantity A relative to Quantity B?</a:t>
+              <a:t>What about now?</a:t>
             </a:r>
             <a:endParaRPr sz="2467" dirty="0">
               <a:latin typeface="Arial"/>
@@ -12346,7 +12981,7 @@
       </p:sp>
       <p:sp>
         <p:nvSpPr>
-          <p:cNvPr id="17" name="TextBox 16"/>
+          <p:cNvPr id="20" name="TextBox 19"/>
           <p:cNvSpPr txBox="1"/>
           <p:nvPr/>
         </p:nvSpPr>
@@ -12383,7 +13018,7 @@
     </p:spTree>
     <p:extLst>
       <p:ext uri="{BB962C8B-B14F-4D97-AF65-F5344CB8AC3E}">
-        <p14:creationId xmlns:p14="http://schemas.microsoft.com/office/powerpoint/2010/main" val="774304730"/>
+        <p14:creationId xmlns:p14="http://schemas.microsoft.com/office/powerpoint/2010/main" val="3668210208"/>
       </p:ext>
     </p:extLst>
   </p:cSld>
@@ -12425,8 +13060,8 @@
         </p:nvSpPr>
         <p:spPr>
           <a:xfrm>
-            <a:off x="2684407" y="5012955"/>
-            <a:ext cx="3220127" cy="1192317"/>
+            <a:off x="2057788" y="4012105"/>
+            <a:ext cx="870305" cy="2306307"/>
           </a:xfrm>
           <a:custGeom>
             <a:avLst/>
@@ -12435,18 +13070,18 @@
             <a:cxnLst/>
             <a:rect l="l" t="t" r="r" b="b"/>
             <a:pathLst>
-              <a:path w="4699000" h="1739900">
+              <a:path w="1270000" h="3365500">
                 <a:moveTo>
                   <a:pt x="0" y="0"/>
                 </a:moveTo>
                 <a:lnTo>
-                  <a:pt x="4699000" y="0"/>
-                </a:lnTo>
-                <a:lnTo>
-                  <a:pt x="4699000" y="1739900"/>
-                </a:lnTo>
-                <a:lnTo>
-                  <a:pt x="0" y="1739900"/>
+                  <a:pt x="1270000" y="0"/>
+                </a:lnTo>
+                <a:lnTo>
+                  <a:pt x="1270000" y="3365500"/>
+                </a:lnTo>
+                <a:lnTo>
+                  <a:pt x="0" y="3365500"/>
                 </a:lnTo>
                 <a:lnTo>
                   <a:pt x="0" y="0"/>
@@ -12475,8 +13110,8 @@
         </p:nvSpPr>
         <p:spPr>
           <a:xfrm>
-            <a:off x="2684407" y="5012955"/>
-            <a:ext cx="3220127" cy="1192317"/>
+            <a:off x="2057788" y="4012105"/>
+            <a:ext cx="870305" cy="2306307"/>
           </a:xfrm>
           <a:custGeom>
             <a:avLst/>
@@ -12485,18 +13120,18 @@
             <a:cxnLst/>
             <a:rect l="l" t="t" r="r" b="b"/>
             <a:pathLst>
-              <a:path w="4699000" h="1739900">
+              <a:path w="1270000" h="3365500">
                 <a:moveTo>
                   <a:pt x="0" y="0"/>
                 </a:moveTo>
                 <a:lnTo>
-                  <a:pt x="4699000" y="0"/>
-                </a:lnTo>
-                <a:lnTo>
-                  <a:pt x="4699000" y="1739900"/>
-                </a:lnTo>
-                <a:lnTo>
-                  <a:pt x="0" y="1739900"/>
+                  <a:pt x="1270000" y="0"/>
+                </a:lnTo>
+                <a:lnTo>
+                  <a:pt x="1270000" y="3365500"/>
+                </a:lnTo>
+                <a:lnTo>
+                  <a:pt x="0" y="3365500"/>
                 </a:lnTo>
                 <a:lnTo>
                   <a:pt x="0" y="0"/>
@@ -12527,7 +13162,7 @@
         </p:nvSpPr>
         <p:spPr>
           <a:xfrm>
-            <a:off x="4190033" y="5909368"/>
+            <a:off x="2388503" y="6022508"/>
             <a:ext cx="200170" cy="200170"/>
           </a:xfrm>
           <a:prstGeom prst="rect">
@@ -12556,7 +13191,7 @@
         </p:nvSpPr>
         <p:spPr>
           <a:xfrm>
-            <a:off x="4210835" y="5843761"/>
+            <a:off x="2409304" y="5956900"/>
             <a:ext cx="167534" cy="316369"/>
           </a:xfrm>
           <a:prstGeom prst="rect">
@@ -12592,8 +13227,8 @@
         </p:nvSpPr>
         <p:spPr>
           <a:xfrm>
-            <a:off x="6287468" y="3455110"/>
-            <a:ext cx="3220127" cy="2767569"/>
+            <a:off x="6757432" y="2375931"/>
+            <a:ext cx="870305" cy="3942480"/>
           </a:xfrm>
           <a:custGeom>
             <a:avLst/>
@@ -12602,18 +13237,18 @@
             <a:cxnLst/>
             <a:rect l="l" t="t" r="r" b="b"/>
             <a:pathLst>
-              <a:path w="4699000" h="4038600">
+              <a:path w="1270000" h="5753100">
                 <a:moveTo>
                   <a:pt x="0" y="0"/>
                 </a:moveTo>
                 <a:lnTo>
-                  <a:pt x="4699000" y="0"/>
-                </a:lnTo>
-                <a:lnTo>
-                  <a:pt x="4699000" y="4038600"/>
-                </a:lnTo>
-                <a:lnTo>
-                  <a:pt x="0" y="4038600"/>
+                  <a:pt x="1270000" y="0"/>
+                </a:lnTo>
+                <a:lnTo>
+                  <a:pt x="1270000" y="5753100"/>
+                </a:lnTo>
+                <a:lnTo>
+                  <a:pt x="0" y="5753100"/>
                 </a:lnTo>
                 <a:lnTo>
                   <a:pt x="0" y="0"/>
@@ -12642,8 +13277,8 @@
         </p:nvSpPr>
         <p:spPr>
           <a:xfrm>
-            <a:off x="6287468" y="3455110"/>
-            <a:ext cx="3220127" cy="2767569"/>
+            <a:off x="6757432" y="2375931"/>
+            <a:ext cx="870305" cy="3942480"/>
           </a:xfrm>
           <a:custGeom>
             <a:avLst/>
@@ -12652,18 +13287,18 @@
             <a:cxnLst/>
             <a:rect l="l" t="t" r="r" b="b"/>
             <a:pathLst>
-              <a:path w="4699000" h="4038600">
+              <a:path w="1270000" h="5753100">
                 <a:moveTo>
                   <a:pt x="0" y="0"/>
                 </a:moveTo>
                 <a:lnTo>
-                  <a:pt x="4699000" y="0"/>
-                </a:lnTo>
-                <a:lnTo>
-                  <a:pt x="4699000" y="4038600"/>
-                </a:lnTo>
-                <a:lnTo>
-                  <a:pt x="0" y="4038600"/>
+                  <a:pt x="1270000" y="0"/>
+                </a:lnTo>
+                <a:lnTo>
+                  <a:pt x="1270000" y="5753100"/>
+                </a:lnTo>
+                <a:lnTo>
+                  <a:pt x="0" y="5753100"/>
                 </a:lnTo>
                 <a:lnTo>
                   <a:pt x="0" y="0"/>
@@ -12694,7 +13329,7 @@
         </p:nvSpPr>
         <p:spPr>
           <a:xfrm>
-            <a:off x="7801798" y="5874556"/>
+            <a:off x="7096851" y="5970290"/>
             <a:ext cx="191467" cy="252388"/>
           </a:xfrm>
           <a:prstGeom prst="rect">
@@ -12723,7 +13358,7 @@
         </p:nvSpPr>
         <p:spPr>
           <a:xfrm>
-            <a:off x="7809066" y="5861167"/>
+            <a:off x="7104119" y="5956900"/>
             <a:ext cx="177107" cy="316369"/>
           </a:xfrm>
           <a:prstGeom prst="rect">
@@ -12759,8 +13394,8 @@
         </p:nvSpPr>
         <p:spPr>
           <a:xfrm>
-            <a:off x="2684407" y="852899"/>
-            <a:ext cx="3220127" cy="452558"/>
+            <a:off x="5582521" y="3446407"/>
+            <a:ext cx="870305" cy="2872005"/>
           </a:xfrm>
           <a:custGeom>
             <a:avLst/>
@@ -12769,18 +13404,18 @@
             <a:cxnLst/>
             <a:rect l="l" t="t" r="r" b="b"/>
             <a:pathLst>
-              <a:path w="4699000" h="660400">
+              <a:path w="1270000" h="4191000">
                 <a:moveTo>
                   <a:pt x="0" y="0"/>
                 </a:moveTo>
                 <a:lnTo>
-                  <a:pt x="4699000" y="0"/>
-                </a:lnTo>
-                <a:lnTo>
-                  <a:pt x="4699000" y="660400"/>
-                </a:lnTo>
-                <a:lnTo>
-                  <a:pt x="0" y="660400"/>
+                  <a:pt x="1270000" y="0"/>
+                </a:lnTo>
+                <a:lnTo>
+                  <a:pt x="1270000" y="4191000"/>
+                </a:lnTo>
+                <a:lnTo>
+                  <a:pt x="0" y="4191000"/>
                 </a:lnTo>
                 <a:lnTo>
                   <a:pt x="0" y="0"/>
@@ -12811,8 +13446,8 @@
         </p:nvSpPr>
         <p:spPr>
           <a:xfrm>
-            <a:off x="6287468" y="2262793"/>
-            <a:ext cx="3220127" cy="1192317"/>
+            <a:off x="4407610" y="5126095"/>
+            <a:ext cx="870305" cy="1192317"/>
           </a:xfrm>
           <a:custGeom>
             <a:avLst/>
@@ -12821,65 +13456,15 @@
             <a:cxnLst/>
             <a:rect l="l" t="t" r="r" b="b"/>
             <a:pathLst>
-              <a:path w="4699000" h="1739900">
+              <a:path w="1270000" h="1739900">
                 <a:moveTo>
                   <a:pt x="0" y="0"/>
                 </a:moveTo>
                 <a:lnTo>
-                  <a:pt x="4699000" y="0"/>
-                </a:lnTo>
-                <a:lnTo>
-                  <a:pt x="4699000" y="1739900"/>
-                </a:lnTo>
-                <a:lnTo>
-                  <a:pt x="0" y="1739900"/>
-                </a:lnTo>
-                <a:lnTo>
-                  <a:pt x="0" y="0"/>
-                </a:lnTo>
-                <a:close/>
-              </a:path>
-            </a:pathLst>
-          </a:custGeom>
-          <a:solidFill>
-            <a:srgbClr val="FFFFFF"/>
-          </a:solidFill>
-        </p:spPr>
-        <p:txBody>
-          <a:bodyPr wrap="square" lIns="0" tIns="0" rIns="0" bIns="0" rtlCol="0"/>
-          <a:lstStyle/>
-          <a:p>
-            <a:endParaRPr sz="1234"/>
-          </a:p>
-        </p:txBody>
-      </p:sp>
-      <p:sp>
-        <p:nvSpPr>
-          <p:cNvPr id="12" name="object 12"/>
-          <p:cNvSpPr/>
-          <p:nvPr/>
-        </p:nvSpPr>
-        <p:spPr>
-          <a:xfrm>
-            <a:off x="6287468" y="2262793"/>
-            <a:ext cx="3220127" cy="1192317"/>
-          </a:xfrm>
-          <a:custGeom>
-            <a:avLst/>
-            <a:gdLst/>
-            <a:ahLst/>
-            <a:cxnLst/>
-            <a:rect l="l" t="t" r="r" b="b"/>
-            <a:pathLst>
-              <a:path w="4699000" h="1739900">
-                <a:moveTo>
-                  <a:pt x="0" y="0"/>
-                </a:moveTo>
-                <a:lnTo>
-                  <a:pt x="4699000" y="0"/>
-                </a:lnTo>
-                <a:lnTo>
-                  <a:pt x="4699000" y="1739900"/>
+                  <a:pt x="1270000" y="0"/>
+                </a:lnTo>
+                <a:lnTo>
+                  <a:pt x="1270000" y="1739900"/>
                 </a:lnTo>
                 <a:lnTo>
                   <a:pt x="0" y="1739900"/>
@@ -12907,14 +13492,14 @@
       </p:sp>
       <p:sp>
         <p:nvSpPr>
-          <p:cNvPr id="13" name="object 13"/>
+          <p:cNvPr id="12" name="object 12"/>
           <p:cNvSpPr/>
           <p:nvPr/>
         </p:nvSpPr>
         <p:spPr>
           <a:xfrm>
-            <a:off x="2684407" y="2497775"/>
-            <a:ext cx="3220127" cy="2506477"/>
+            <a:off x="3232699" y="2375931"/>
+            <a:ext cx="870305" cy="3942480"/>
           </a:xfrm>
           <a:custGeom>
             <a:avLst/>
@@ -12923,68 +13508,18 @@
             <a:cxnLst/>
             <a:rect l="l" t="t" r="r" b="b"/>
             <a:pathLst>
-              <a:path w="4699000" h="3657600">
+              <a:path w="1270000" h="5753100">
                 <a:moveTo>
                   <a:pt x="0" y="0"/>
                 </a:moveTo>
                 <a:lnTo>
-                  <a:pt x="4699000" y="0"/>
-                </a:lnTo>
-                <a:lnTo>
-                  <a:pt x="4699000" y="3657600"/>
-                </a:lnTo>
-                <a:lnTo>
-                  <a:pt x="0" y="3657600"/>
-                </a:lnTo>
-                <a:lnTo>
-                  <a:pt x="0" y="0"/>
-                </a:lnTo>
-                <a:close/>
-              </a:path>
-            </a:pathLst>
-          </a:custGeom>
-          <a:solidFill>
-            <a:srgbClr val="FFFFFF"/>
-          </a:solidFill>
-        </p:spPr>
-        <p:txBody>
-          <a:bodyPr wrap="square" lIns="0" tIns="0" rIns="0" bIns="0" rtlCol="0"/>
-          <a:lstStyle/>
-          <a:p>
-            <a:endParaRPr sz="1234"/>
-          </a:p>
-        </p:txBody>
-      </p:sp>
-      <p:sp>
-        <p:nvSpPr>
-          <p:cNvPr id="14" name="object 14"/>
-          <p:cNvSpPr/>
-          <p:nvPr/>
-        </p:nvSpPr>
-        <p:spPr>
-          <a:xfrm>
-            <a:off x="2684407" y="2497775"/>
-            <a:ext cx="3220127" cy="2506477"/>
-          </a:xfrm>
-          <a:custGeom>
-            <a:avLst/>
-            <a:gdLst/>
-            <a:ahLst/>
-            <a:cxnLst/>
-            <a:rect l="l" t="t" r="r" b="b"/>
-            <a:pathLst>
-              <a:path w="4699000" h="3657600">
-                <a:moveTo>
-                  <a:pt x="0" y="0"/>
-                </a:moveTo>
-                <a:lnTo>
-                  <a:pt x="4699000" y="0"/>
-                </a:lnTo>
-                <a:lnTo>
-                  <a:pt x="4699000" y="3657600"/>
-                </a:lnTo>
-                <a:lnTo>
-                  <a:pt x="0" y="3657600"/>
+                  <a:pt x="1270000" y="0"/>
+                </a:lnTo>
+                <a:lnTo>
+                  <a:pt x="1270000" y="5753100"/>
+                </a:lnTo>
+                <a:lnTo>
+                  <a:pt x="0" y="5753100"/>
                 </a:lnTo>
                 <a:lnTo>
                   <a:pt x="0" y="0"/>
@@ -13009,14 +13544,14 @@
       </p:sp>
       <p:sp>
         <p:nvSpPr>
-          <p:cNvPr id="15" name="object 15"/>
+          <p:cNvPr id="13" name="object 13"/>
           <p:cNvSpPr/>
           <p:nvPr/>
         </p:nvSpPr>
         <p:spPr>
           <a:xfrm>
-            <a:off x="6287468" y="1348972"/>
-            <a:ext cx="3220127" cy="913820"/>
+            <a:off x="7932343" y="974741"/>
+            <a:ext cx="870305" cy="5343670"/>
           </a:xfrm>
           <a:custGeom>
             <a:avLst/>
@@ -13025,68 +13560,18 @@
             <a:cxnLst/>
             <a:rect l="l" t="t" r="r" b="b"/>
             <a:pathLst>
-              <a:path w="4699000" h="1333500">
+              <a:path w="1270000" h="7797800">
                 <a:moveTo>
                   <a:pt x="0" y="0"/>
                 </a:moveTo>
                 <a:lnTo>
-                  <a:pt x="4699000" y="0"/>
-                </a:lnTo>
-                <a:lnTo>
-                  <a:pt x="4699000" y="1333500"/>
-                </a:lnTo>
-                <a:lnTo>
-                  <a:pt x="0" y="1333500"/>
-                </a:lnTo>
-                <a:lnTo>
-                  <a:pt x="0" y="0"/>
-                </a:lnTo>
-                <a:close/>
-              </a:path>
-            </a:pathLst>
-          </a:custGeom>
-          <a:solidFill>
-            <a:srgbClr val="FFFFFF"/>
-          </a:solidFill>
-        </p:spPr>
-        <p:txBody>
-          <a:bodyPr wrap="square" lIns="0" tIns="0" rIns="0" bIns="0" rtlCol="0"/>
-          <a:lstStyle/>
-          <a:p>
-            <a:endParaRPr sz="1234"/>
-          </a:p>
-        </p:txBody>
-      </p:sp>
-      <p:sp>
-        <p:nvSpPr>
-          <p:cNvPr id="16" name="object 16"/>
-          <p:cNvSpPr/>
-          <p:nvPr/>
-        </p:nvSpPr>
-        <p:spPr>
-          <a:xfrm>
-            <a:off x="6287468" y="1348972"/>
-            <a:ext cx="3220127" cy="913820"/>
-          </a:xfrm>
-          <a:custGeom>
-            <a:avLst/>
-            <a:gdLst/>
-            <a:ahLst/>
-            <a:cxnLst/>
-            <a:rect l="l" t="t" r="r" b="b"/>
-            <a:pathLst>
-              <a:path w="4699000" h="1333500">
-                <a:moveTo>
-                  <a:pt x="0" y="0"/>
-                </a:moveTo>
-                <a:lnTo>
-                  <a:pt x="4699000" y="0"/>
-                </a:lnTo>
-                <a:lnTo>
-                  <a:pt x="4699000" y="1333500"/>
-                </a:lnTo>
-                <a:lnTo>
-                  <a:pt x="0" y="1333500"/>
+                  <a:pt x="1270000" y="0"/>
+                </a:lnTo>
+                <a:lnTo>
+                  <a:pt x="1270000" y="7797800"/>
+                </a:lnTo>
+                <a:lnTo>
+                  <a:pt x="0" y="7797800"/>
                 </a:lnTo>
                 <a:lnTo>
                   <a:pt x="0" y="0"/>
@@ -13111,14 +13596,14 @@
       </p:sp>
       <p:sp>
         <p:nvSpPr>
-          <p:cNvPr id="17" name="object 17"/>
+          <p:cNvPr id="14" name="object 14"/>
           <p:cNvSpPr/>
           <p:nvPr/>
         </p:nvSpPr>
         <p:spPr>
           <a:xfrm>
-            <a:off x="2684407" y="1305458"/>
-            <a:ext cx="3220127" cy="1192317"/>
+            <a:off x="9107255" y="1566549"/>
+            <a:ext cx="870305" cy="4751863"/>
           </a:xfrm>
           <a:custGeom>
             <a:avLst/>
@@ -13127,68 +13612,18 @@
             <a:cxnLst/>
             <a:rect l="l" t="t" r="r" b="b"/>
             <a:pathLst>
-              <a:path w="4699000" h="1739900">
+              <a:path w="1270000" h="6934200">
                 <a:moveTo>
                   <a:pt x="0" y="0"/>
                 </a:moveTo>
                 <a:lnTo>
-                  <a:pt x="4699000" y="0"/>
-                </a:lnTo>
-                <a:lnTo>
-                  <a:pt x="4699000" y="1739900"/>
-                </a:lnTo>
-                <a:lnTo>
-                  <a:pt x="0" y="1739900"/>
-                </a:lnTo>
-                <a:lnTo>
-                  <a:pt x="0" y="0"/>
-                </a:lnTo>
-                <a:close/>
-              </a:path>
-            </a:pathLst>
-          </a:custGeom>
-          <a:solidFill>
-            <a:srgbClr val="FFFFFF"/>
-          </a:solidFill>
-        </p:spPr>
-        <p:txBody>
-          <a:bodyPr wrap="square" lIns="0" tIns="0" rIns="0" bIns="0" rtlCol="0"/>
-          <a:lstStyle/>
-          <a:p>
-            <a:endParaRPr sz="1234"/>
-          </a:p>
-        </p:txBody>
-      </p:sp>
-      <p:sp>
-        <p:nvSpPr>
-          <p:cNvPr id="18" name="object 18"/>
-          <p:cNvSpPr/>
-          <p:nvPr/>
-        </p:nvSpPr>
-        <p:spPr>
-          <a:xfrm>
-            <a:off x="2684407" y="1305458"/>
-            <a:ext cx="3220127" cy="1192317"/>
-          </a:xfrm>
-          <a:custGeom>
-            <a:avLst/>
-            <a:gdLst/>
-            <a:ahLst/>
-            <a:cxnLst/>
-            <a:rect l="l" t="t" r="r" b="b"/>
-            <a:pathLst>
-              <a:path w="4699000" h="1739900">
-                <a:moveTo>
-                  <a:pt x="0" y="0"/>
-                </a:moveTo>
-                <a:lnTo>
-                  <a:pt x="4699000" y="0"/>
-                </a:lnTo>
-                <a:lnTo>
-                  <a:pt x="4699000" y="1739900"/>
-                </a:lnTo>
-                <a:lnTo>
-                  <a:pt x="0" y="1739900"/>
+                  <a:pt x="1270000" y="0"/>
+                </a:lnTo>
+                <a:lnTo>
+                  <a:pt x="1270000" y="6934200"/>
+                </a:lnTo>
+                <a:lnTo>
+                  <a:pt x="0" y="6934200"/>
                 </a:lnTo>
                 <a:lnTo>
                   <a:pt x="0" y="0"/>
@@ -13213,7 +13648,7 @@
       </p:sp>
       <p:sp>
         <p:nvSpPr>
-          <p:cNvPr id="21" name="object 16"/>
+          <p:cNvPr id="17" name="object 16"/>
           <p:cNvSpPr txBox="1"/>
           <p:nvPr/>
         </p:nvSpPr>
@@ -13265,7 +13700,7 @@
       </p:sp>
       <p:sp>
         <p:nvSpPr>
-          <p:cNvPr id="20" name="TextBox 19"/>
+          <p:cNvPr id="16" name="TextBox 15"/>
           <p:cNvSpPr txBox="1"/>
           <p:nvPr/>
         </p:nvSpPr>
@@ -13302,7 +13737,7 @@
     </p:spTree>
     <p:extLst>
       <p:ext uri="{BB962C8B-B14F-4D97-AF65-F5344CB8AC3E}">
-        <p14:creationId xmlns:p14="http://schemas.microsoft.com/office/powerpoint/2010/main" val="3668210208"/>
+        <p14:creationId xmlns:p14="http://schemas.microsoft.com/office/powerpoint/2010/main" val="1852419816"/>
       </p:ext>
     </p:extLst>
   </p:cSld>
@@ -13344,8 +13779,8 @@
         </p:nvSpPr>
         <p:spPr>
           <a:xfrm>
-            <a:off x="2057788" y="4012105"/>
-            <a:ext cx="870305" cy="2306307"/>
+            <a:off x="2684407" y="5012955"/>
+            <a:ext cx="3220127" cy="1192317"/>
           </a:xfrm>
           <a:custGeom>
             <a:avLst/>
@@ -13354,18 +13789,18 @@
             <a:cxnLst/>
             <a:rect l="l" t="t" r="r" b="b"/>
             <a:pathLst>
-              <a:path w="1270000" h="3365500">
+              <a:path w="4699000" h="1739900">
                 <a:moveTo>
                   <a:pt x="0" y="0"/>
                 </a:moveTo>
                 <a:lnTo>
-                  <a:pt x="1270000" y="0"/>
-                </a:lnTo>
-                <a:lnTo>
-                  <a:pt x="1270000" y="3365500"/>
-                </a:lnTo>
-                <a:lnTo>
-                  <a:pt x="0" y="3365500"/>
+                  <a:pt x="4699000" y="0"/>
+                </a:lnTo>
+                <a:lnTo>
+                  <a:pt x="4699000" y="1739900"/>
+                </a:lnTo>
+                <a:lnTo>
+                  <a:pt x="0" y="1739900"/>
                 </a:lnTo>
                 <a:lnTo>
                   <a:pt x="0" y="0"/>
@@ -13394,8 +13829,8 @@
         </p:nvSpPr>
         <p:spPr>
           <a:xfrm>
-            <a:off x="2057788" y="4012105"/>
-            <a:ext cx="870305" cy="2306307"/>
+            <a:off x="2684407" y="5012955"/>
+            <a:ext cx="3220127" cy="1192317"/>
           </a:xfrm>
           <a:custGeom>
             <a:avLst/>
@@ -13404,18 +13839,18 @@
             <a:cxnLst/>
             <a:rect l="l" t="t" r="r" b="b"/>
             <a:pathLst>
-              <a:path w="1270000" h="3365500">
+              <a:path w="4699000" h="1739900">
                 <a:moveTo>
                   <a:pt x="0" y="0"/>
                 </a:moveTo>
                 <a:lnTo>
-                  <a:pt x="1270000" y="0"/>
-                </a:lnTo>
-                <a:lnTo>
-                  <a:pt x="1270000" y="3365500"/>
-                </a:lnTo>
-                <a:lnTo>
-                  <a:pt x="0" y="3365500"/>
+                  <a:pt x="4699000" y="0"/>
+                </a:lnTo>
+                <a:lnTo>
+                  <a:pt x="4699000" y="1739900"/>
+                </a:lnTo>
+                <a:lnTo>
+                  <a:pt x="0" y="1739900"/>
                 </a:lnTo>
                 <a:lnTo>
                   <a:pt x="0" y="0"/>
@@ -13446,7 +13881,7 @@
         </p:nvSpPr>
         <p:spPr>
           <a:xfrm>
-            <a:off x="2388503" y="6022508"/>
+            <a:off x="4190033" y="5909368"/>
             <a:ext cx="200170" cy="200170"/>
           </a:xfrm>
           <a:prstGeom prst="rect">
@@ -13475,7 +13910,7 @@
         </p:nvSpPr>
         <p:spPr>
           <a:xfrm>
-            <a:off x="2409304" y="5956900"/>
+            <a:off x="4210835" y="5843761"/>
             <a:ext cx="167534" cy="316369"/>
           </a:xfrm>
           <a:prstGeom prst="rect">
@@ -13511,8 +13946,8 @@
         </p:nvSpPr>
         <p:spPr>
           <a:xfrm>
-            <a:off x="6757432" y="2375931"/>
-            <a:ext cx="870305" cy="3942480"/>
+            <a:off x="6287468" y="1340270"/>
+            <a:ext cx="3220127" cy="2767569"/>
           </a:xfrm>
           <a:custGeom>
             <a:avLst/>
@@ -13521,18 +13956,18 @@
             <a:cxnLst/>
             <a:rect l="l" t="t" r="r" b="b"/>
             <a:pathLst>
-              <a:path w="1270000" h="5753100">
+              <a:path w="4699000" h="4038600">
                 <a:moveTo>
                   <a:pt x="0" y="0"/>
                 </a:moveTo>
                 <a:lnTo>
-                  <a:pt x="1270000" y="0"/>
-                </a:lnTo>
-                <a:lnTo>
-                  <a:pt x="1270000" y="5753100"/>
-                </a:lnTo>
-                <a:lnTo>
-                  <a:pt x="0" y="5753100"/>
+                  <a:pt x="4699000" y="0"/>
+                </a:lnTo>
+                <a:lnTo>
+                  <a:pt x="4699000" y="4038600"/>
+                </a:lnTo>
+                <a:lnTo>
+                  <a:pt x="0" y="4038600"/>
                 </a:lnTo>
                 <a:lnTo>
                   <a:pt x="0" y="0"/>
@@ -13561,8 +13996,8 @@
         </p:nvSpPr>
         <p:spPr>
           <a:xfrm>
-            <a:off x="6757432" y="2375931"/>
-            <a:ext cx="870305" cy="3942480"/>
+            <a:off x="6287468" y="1340270"/>
+            <a:ext cx="3220127" cy="2767569"/>
           </a:xfrm>
           <a:custGeom>
             <a:avLst/>
@@ -13571,18 +14006,18 @@
             <a:cxnLst/>
             <a:rect l="l" t="t" r="r" b="b"/>
             <a:pathLst>
-              <a:path w="1270000" h="5753100">
+              <a:path w="4699000" h="4038600">
                 <a:moveTo>
                   <a:pt x="0" y="0"/>
                 </a:moveTo>
                 <a:lnTo>
-                  <a:pt x="1270000" y="0"/>
-                </a:lnTo>
-                <a:lnTo>
-                  <a:pt x="1270000" y="5753100"/>
-                </a:lnTo>
-                <a:lnTo>
-                  <a:pt x="0" y="5753100"/>
+                  <a:pt x="4699000" y="0"/>
+                </a:lnTo>
+                <a:lnTo>
+                  <a:pt x="4699000" y="4038600"/>
+                </a:lnTo>
+                <a:lnTo>
+                  <a:pt x="0" y="4038600"/>
                 </a:lnTo>
                 <a:lnTo>
                   <a:pt x="0" y="0"/>
@@ -13613,7 +14048,7 @@
         </p:nvSpPr>
         <p:spPr>
           <a:xfrm>
-            <a:off x="7096851" y="5970290"/>
+            <a:off x="7801798" y="3759716"/>
             <a:ext cx="191467" cy="252388"/>
           </a:xfrm>
           <a:prstGeom prst="rect">
@@ -13642,7 +14077,7 @@
         </p:nvSpPr>
         <p:spPr>
           <a:xfrm>
-            <a:off x="7104119" y="5956900"/>
+            <a:off x="7809066" y="3746326"/>
             <a:ext cx="177107" cy="316369"/>
           </a:xfrm>
           <a:prstGeom prst="rect">
@@ -13678,8 +14113,8 @@
         </p:nvSpPr>
         <p:spPr>
           <a:xfrm>
-            <a:off x="5582521" y="3446407"/>
-            <a:ext cx="870305" cy="2872005"/>
+            <a:off x="2684407" y="852899"/>
+            <a:ext cx="3220127" cy="452558"/>
           </a:xfrm>
           <a:custGeom>
             <a:avLst/>
@@ -13688,18 +14123,18 @@
             <a:cxnLst/>
             <a:rect l="l" t="t" r="r" b="b"/>
             <a:pathLst>
-              <a:path w="1270000" h="4191000">
+              <a:path w="4699000" h="660400">
                 <a:moveTo>
                   <a:pt x="0" y="0"/>
                 </a:moveTo>
                 <a:lnTo>
-                  <a:pt x="1270000" y="0"/>
-                </a:lnTo>
-                <a:lnTo>
-                  <a:pt x="1270000" y="4191000"/>
-                </a:lnTo>
-                <a:lnTo>
-                  <a:pt x="0" y="4191000"/>
+                  <a:pt x="4699000" y="0"/>
+                </a:lnTo>
+                <a:lnTo>
+                  <a:pt x="4699000" y="660400"/>
+                </a:lnTo>
+                <a:lnTo>
+                  <a:pt x="0" y="660400"/>
                 </a:lnTo>
                 <a:lnTo>
                   <a:pt x="0" y="0"/>
@@ -13730,8 +14165,8 @@
         </p:nvSpPr>
         <p:spPr>
           <a:xfrm>
-            <a:off x="4407610" y="5126095"/>
-            <a:ext cx="870305" cy="1192317"/>
+            <a:off x="6287468" y="5012955"/>
+            <a:ext cx="3220127" cy="1192317"/>
           </a:xfrm>
           <a:custGeom>
             <a:avLst/>
@@ -13740,15 +14175,15 @@
             <a:cxnLst/>
             <a:rect l="l" t="t" r="r" b="b"/>
             <a:pathLst>
-              <a:path w="1270000" h="1739900">
+              <a:path w="4699000" h="1739900">
                 <a:moveTo>
                   <a:pt x="0" y="0"/>
                 </a:moveTo>
                 <a:lnTo>
-                  <a:pt x="1270000" y="0"/>
-                </a:lnTo>
-                <a:lnTo>
-                  <a:pt x="1270000" y="1739900"/>
+                  <a:pt x="4699000" y="0"/>
+                </a:lnTo>
+                <a:lnTo>
+                  <a:pt x="4699000" y="1739900"/>
                 </a:lnTo>
                 <a:lnTo>
                   <a:pt x="0" y="1739900"/>
@@ -13782,8 +14217,8 @@
         </p:nvSpPr>
         <p:spPr>
           <a:xfrm>
-            <a:off x="3232699" y="2375931"/>
-            <a:ext cx="870305" cy="3942480"/>
+            <a:off x="2684407" y="2497775"/>
+            <a:ext cx="3220127" cy="2506477"/>
           </a:xfrm>
           <a:custGeom>
             <a:avLst/>
@@ -13792,18 +14227,68 @@
             <a:cxnLst/>
             <a:rect l="l" t="t" r="r" b="b"/>
             <a:pathLst>
-              <a:path w="1270000" h="5753100">
+              <a:path w="4699000" h="3657600">
                 <a:moveTo>
                   <a:pt x="0" y="0"/>
                 </a:moveTo>
                 <a:lnTo>
-                  <a:pt x="1270000" y="0"/>
-                </a:lnTo>
-                <a:lnTo>
-                  <a:pt x="1270000" y="5753100"/>
-                </a:lnTo>
-                <a:lnTo>
-                  <a:pt x="0" y="5753100"/>
+                  <a:pt x="4699000" y="0"/>
+                </a:lnTo>
+                <a:lnTo>
+                  <a:pt x="4699000" y="3657600"/>
+                </a:lnTo>
+                <a:lnTo>
+                  <a:pt x="0" y="3657600"/>
+                </a:lnTo>
+                <a:lnTo>
+                  <a:pt x="0" y="0"/>
+                </a:lnTo>
+                <a:close/>
+              </a:path>
+            </a:pathLst>
+          </a:custGeom>
+          <a:solidFill>
+            <a:srgbClr val="FFFFFF"/>
+          </a:solidFill>
+        </p:spPr>
+        <p:txBody>
+          <a:bodyPr wrap="square" lIns="0" tIns="0" rIns="0" bIns="0" rtlCol="0"/>
+          <a:lstStyle/>
+          <a:p>
+            <a:endParaRPr sz="1234"/>
+          </a:p>
+        </p:txBody>
+      </p:sp>
+      <p:sp>
+        <p:nvSpPr>
+          <p:cNvPr id="13" name="object 13"/>
+          <p:cNvSpPr/>
+          <p:nvPr/>
+        </p:nvSpPr>
+        <p:spPr>
+          <a:xfrm>
+            <a:off x="2684407" y="2497775"/>
+            <a:ext cx="3220127" cy="2506477"/>
+          </a:xfrm>
+          <a:custGeom>
+            <a:avLst/>
+            <a:gdLst/>
+            <a:ahLst/>
+            <a:cxnLst/>
+            <a:rect l="l" t="t" r="r" b="b"/>
+            <a:pathLst>
+              <a:path w="4699000" h="3657600">
+                <a:moveTo>
+                  <a:pt x="0" y="0"/>
+                </a:moveTo>
+                <a:lnTo>
+                  <a:pt x="4699000" y="0"/>
+                </a:lnTo>
+                <a:lnTo>
+                  <a:pt x="4699000" y="3657600"/>
+                </a:lnTo>
+                <a:lnTo>
+                  <a:pt x="0" y="3657600"/>
                 </a:lnTo>
                 <a:lnTo>
                   <a:pt x="0" y="0"/>
@@ -13828,14 +14313,14 @@
       </p:sp>
       <p:sp>
         <p:nvSpPr>
-          <p:cNvPr id="13" name="object 13"/>
+          <p:cNvPr id="14" name="object 14"/>
           <p:cNvSpPr/>
           <p:nvPr/>
         </p:nvSpPr>
         <p:spPr>
           <a:xfrm>
-            <a:off x="7932343" y="974741"/>
-            <a:ext cx="870305" cy="5343670"/>
+            <a:off x="6287468" y="4099134"/>
+            <a:ext cx="3220127" cy="913820"/>
           </a:xfrm>
           <a:custGeom>
             <a:avLst/>
@@ -13844,18 +14329,68 @@
             <a:cxnLst/>
             <a:rect l="l" t="t" r="r" b="b"/>
             <a:pathLst>
-              <a:path w="1270000" h="7797800">
+              <a:path w="4699000" h="1333500">
                 <a:moveTo>
                   <a:pt x="0" y="0"/>
                 </a:moveTo>
                 <a:lnTo>
-                  <a:pt x="1270000" y="0"/>
-                </a:lnTo>
-                <a:lnTo>
-                  <a:pt x="1270000" y="7797800"/>
-                </a:lnTo>
-                <a:lnTo>
-                  <a:pt x="0" y="7797800"/>
+                  <a:pt x="4699000" y="0"/>
+                </a:lnTo>
+                <a:lnTo>
+                  <a:pt x="4699000" y="1333500"/>
+                </a:lnTo>
+                <a:lnTo>
+                  <a:pt x="0" y="1333500"/>
+                </a:lnTo>
+                <a:lnTo>
+                  <a:pt x="0" y="0"/>
+                </a:lnTo>
+                <a:close/>
+              </a:path>
+            </a:pathLst>
+          </a:custGeom>
+          <a:solidFill>
+            <a:srgbClr val="FFFFFF"/>
+          </a:solidFill>
+        </p:spPr>
+        <p:txBody>
+          <a:bodyPr wrap="square" lIns="0" tIns="0" rIns="0" bIns="0" rtlCol="0"/>
+          <a:lstStyle/>
+          <a:p>
+            <a:endParaRPr sz="1234"/>
+          </a:p>
+        </p:txBody>
+      </p:sp>
+      <p:sp>
+        <p:nvSpPr>
+          <p:cNvPr id="15" name="object 15"/>
+          <p:cNvSpPr/>
+          <p:nvPr/>
+        </p:nvSpPr>
+        <p:spPr>
+          <a:xfrm>
+            <a:off x="6287468" y="4099134"/>
+            <a:ext cx="3220127" cy="913820"/>
+          </a:xfrm>
+          <a:custGeom>
+            <a:avLst/>
+            <a:gdLst/>
+            <a:ahLst/>
+            <a:cxnLst/>
+            <a:rect l="l" t="t" r="r" b="b"/>
+            <a:pathLst>
+              <a:path w="4699000" h="1333500">
+                <a:moveTo>
+                  <a:pt x="0" y="0"/>
+                </a:moveTo>
+                <a:lnTo>
+                  <a:pt x="4699000" y="0"/>
+                </a:lnTo>
+                <a:lnTo>
+                  <a:pt x="4699000" y="1333500"/>
+                </a:lnTo>
+                <a:lnTo>
+                  <a:pt x="0" y="1333500"/>
                 </a:lnTo>
                 <a:lnTo>
                   <a:pt x="0" y="0"/>
@@ -13880,14 +14415,14 @@
       </p:sp>
       <p:sp>
         <p:nvSpPr>
-          <p:cNvPr id="14" name="object 14"/>
+          <p:cNvPr id="16" name="object 16"/>
           <p:cNvSpPr/>
           <p:nvPr/>
         </p:nvSpPr>
         <p:spPr>
           <a:xfrm>
-            <a:off x="9107255" y="1566549"/>
-            <a:ext cx="870305" cy="4751863"/>
+            <a:off x="2684407" y="1305458"/>
+            <a:ext cx="3220127" cy="1192317"/>
           </a:xfrm>
           <a:custGeom>
             <a:avLst/>
@@ -13896,18 +14431,68 @@
             <a:cxnLst/>
             <a:rect l="l" t="t" r="r" b="b"/>
             <a:pathLst>
-              <a:path w="1270000" h="6934200">
+              <a:path w="4699000" h="1739900">
                 <a:moveTo>
                   <a:pt x="0" y="0"/>
                 </a:moveTo>
                 <a:lnTo>
-                  <a:pt x="1270000" y="0"/>
-                </a:lnTo>
-                <a:lnTo>
-                  <a:pt x="1270000" y="6934200"/>
-                </a:lnTo>
-                <a:lnTo>
-                  <a:pt x="0" y="6934200"/>
+                  <a:pt x="4699000" y="0"/>
+                </a:lnTo>
+                <a:lnTo>
+                  <a:pt x="4699000" y="1739900"/>
+                </a:lnTo>
+                <a:lnTo>
+                  <a:pt x="0" y="1739900"/>
+                </a:lnTo>
+                <a:lnTo>
+                  <a:pt x="0" y="0"/>
+                </a:lnTo>
+                <a:close/>
+              </a:path>
+            </a:pathLst>
+          </a:custGeom>
+          <a:solidFill>
+            <a:srgbClr val="FFFFFF"/>
+          </a:solidFill>
+        </p:spPr>
+        <p:txBody>
+          <a:bodyPr wrap="square" lIns="0" tIns="0" rIns="0" bIns="0" rtlCol="0"/>
+          <a:lstStyle/>
+          <a:p>
+            <a:endParaRPr sz="1234"/>
+          </a:p>
+        </p:txBody>
+      </p:sp>
+      <p:sp>
+        <p:nvSpPr>
+          <p:cNvPr id="17" name="object 17"/>
+          <p:cNvSpPr/>
+          <p:nvPr/>
+        </p:nvSpPr>
+        <p:spPr>
+          <a:xfrm>
+            <a:off x="2684407" y="1305458"/>
+            <a:ext cx="3220127" cy="1192317"/>
+          </a:xfrm>
+          <a:custGeom>
+            <a:avLst/>
+            <a:gdLst/>
+            <a:ahLst/>
+            <a:cxnLst/>
+            <a:rect l="l" t="t" r="r" b="b"/>
+            <a:pathLst>
+              <a:path w="4699000" h="1739900">
+                <a:moveTo>
+                  <a:pt x="0" y="0"/>
+                </a:moveTo>
+                <a:lnTo>
+                  <a:pt x="4699000" y="0"/>
+                </a:lnTo>
+                <a:lnTo>
+                  <a:pt x="4699000" y="1739900"/>
+                </a:lnTo>
+                <a:lnTo>
+                  <a:pt x="0" y="1739900"/>
                 </a:lnTo>
                 <a:lnTo>
                   <a:pt x="0" y="0"/>
@@ -13932,7 +14517,7 @@
       </p:sp>
       <p:sp>
         <p:nvSpPr>
-          <p:cNvPr id="17" name="object 16"/>
+          <p:cNvPr id="20" name="object 16"/>
           <p:cNvSpPr txBox="1"/>
           <p:nvPr/>
         </p:nvSpPr>
@@ -13984,7 +14569,7 @@
       </p:sp>
       <p:sp>
         <p:nvSpPr>
-          <p:cNvPr id="16" name="TextBox 15"/>
+          <p:cNvPr id="19" name="TextBox 18"/>
           <p:cNvSpPr txBox="1"/>
           <p:nvPr/>
         </p:nvSpPr>
@@ -14021,7 +14606,7 @@
     </p:spTree>
     <p:extLst>
       <p:ext uri="{BB962C8B-B14F-4D97-AF65-F5344CB8AC3E}">
-        <p14:creationId xmlns:p14="http://schemas.microsoft.com/office/powerpoint/2010/main" val="1852419816"/>
+        <p14:creationId xmlns:p14="http://schemas.microsoft.com/office/powerpoint/2010/main" val="1339222129"/>
       </p:ext>
     </p:extLst>
   </p:cSld>
@@ -14230,7 +14815,57 @@
         </p:nvSpPr>
         <p:spPr>
           <a:xfrm>
-            <a:off x="6287468" y="1340270"/>
+            <a:off x="2684407" y="2288902"/>
+            <a:ext cx="3220127" cy="2724053"/>
+          </a:xfrm>
+          <a:custGeom>
+            <a:avLst/>
+            <a:gdLst/>
+            <a:ahLst/>
+            <a:cxnLst/>
+            <a:rect l="l" t="t" r="r" b="b"/>
+            <a:pathLst>
+              <a:path w="4699000" h="3975100">
+                <a:moveTo>
+                  <a:pt x="0" y="3975100"/>
+                </a:moveTo>
+                <a:lnTo>
+                  <a:pt x="4699000" y="3975100"/>
+                </a:lnTo>
+                <a:lnTo>
+                  <a:pt x="4699000" y="0"/>
+                </a:lnTo>
+                <a:lnTo>
+                  <a:pt x="0" y="0"/>
+                </a:lnTo>
+                <a:lnTo>
+                  <a:pt x="0" y="3975100"/>
+                </a:lnTo>
+                <a:close/>
+              </a:path>
+            </a:pathLst>
+          </a:custGeom>
+          <a:solidFill>
+            <a:srgbClr val="EBEBEB"/>
+          </a:solidFill>
+        </p:spPr>
+        <p:txBody>
+          <a:bodyPr wrap="square" lIns="0" tIns="0" rIns="0" bIns="0" rtlCol="0"/>
+          <a:lstStyle/>
+          <a:p>
+            <a:endParaRPr sz="1234"/>
+          </a:p>
+        </p:txBody>
+      </p:sp>
+      <p:sp>
+        <p:nvSpPr>
+          <p:cNvPr id="7" name="object 7"/>
+          <p:cNvSpPr/>
+          <p:nvPr/>
+        </p:nvSpPr>
+        <p:spPr>
+          <a:xfrm>
+            <a:off x="2684407" y="2245387"/>
             <a:ext cx="3220127" cy="2767569"/>
           </a:xfrm>
           <a:custGeom>
@@ -14260,9 +14895,11 @@
               </a:path>
             </a:pathLst>
           </a:custGeom>
-          <a:solidFill>
-            <a:srgbClr val="EBEBEB"/>
-          </a:solidFill>
+          <a:ln w="50800">
+            <a:solidFill>
+              <a:srgbClr val="000000"/>
+            </a:solidFill>
+          </a:ln>
         </p:spPr>
         <p:txBody>
           <a:bodyPr wrap="square" lIns="0" tIns="0" rIns="0" bIns="0" rtlCol="0"/>
@@ -14274,14 +14911,79 @@
       </p:sp>
       <p:sp>
         <p:nvSpPr>
-          <p:cNvPr id="7" name="object 7"/>
+          <p:cNvPr id="8" name="object 8"/>
           <p:cNvSpPr/>
           <p:nvPr/>
         </p:nvSpPr>
         <p:spPr>
           <a:xfrm>
-            <a:off x="6287468" y="1340270"/>
-            <a:ext cx="3220127" cy="2767569"/>
+            <a:off x="4198737" y="4664833"/>
+            <a:ext cx="191467" cy="252388"/>
+          </a:xfrm>
+          <a:prstGeom prst="rect">
+            <a:avLst/>
+          </a:prstGeom>
+          <a:blipFill>
+            <a:blip r:embed="rId4" cstate="print"/>
+            <a:stretch>
+              <a:fillRect/>
+            </a:stretch>
+          </a:blipFill>
+        </p:spPr>
+        <p:txBody>
+          <a:bodyPr wrap="square" lIns="0" tIns="0" rIns="0" bIns="0" rtlCol="0"/>
+          <a:lstStyle/>
+          <a:p>
+            <a:endParaRPr sz="1234"/>
+          </a:p>
+        </p:txBody>
+      </p:sp>
+      <p:sp>
+        <p:nvSpPr>
+          <p:cNvPr id="9" name="object 9"/>
+          <p:cNvSpPr txBox="1"/>
+          <p:nvPr/>
+        </p:nvSpPr>
+        <p:spPr>
+          <a:xfrm>
+            <a:off x="4206005" y="4651444"/>
+            <a:ext cx="177107" cy="316369"/>
+          </a:xfrm>
+          <a:prstGeom prst="rect">
+            <a:avLst/>
+          </a:prstGeom>
+        </p:spPr>
+        <p:txBody>
+          <a:bodyPr vert="horz" wrap="square" lIns="0" tIns="0" rIns="0" bIns="0" rtlCol="0">
+            <a:spAutoFit/>
+          </a:bodyPr>
+          <a:lstStyle/>
+          <a:p>
+            <a:pPr marL="8703"/>
+            <a:r>
+              <a:rPr sz="2056" b="1" dirty="0">
+                <a:latin typeface="Arial"/>
+                <a:cs typeface="Arial"/>
+              </a:rPr>
+              <a:t>b</a:t>
+            </a:r>
+            <a:endParaRPr sz="2056">
+              <a:latin typeface="Arial"/>
+              <a:cs typeface="Arial"/>
+            </a:endParaRPr>
+          </a:p>
+        </p:txBody>
+      </p:sp>
+      <p:sp>
+        <p:nvSpPr>
+          <p:cNvPr id="10" name="object 10"/>
+          <p:cNvSpPr/>
+          <p:nvPr/>
+        </p:nvSpPr>
+        <p:spPr>
+          <a:xfrm>
+            <a:off x="6287468" y="2445556"/>
+            <a:ext cx="3220127" cy="452558"/>
           </a:xfrm>
           <a:custGeom>
             <a:avLst/>
@@ -14290,7 +14992,7 @@
             <a:cxnLst/>
             <a:rect l="l" t="t" r="r" b="b"/>
             <a:pathLst>
-              <a:path w="4699000" h="4038600">
+              <a:path w="4699000" h="660400">
                 <a:moveTo>
                   <a:pt x="0" y="0"/>
                 </a:moveTo>
@@ -14298,10 +15000,10 @@
                   <a:pt x="4699000" y="0"/>
                 </a:lnTo>
                 <a:lnTo>
-                  <a:pt x="4699000" y="4038600"/>
-                </a:lnTo>
-                <a:lnTo>
-                  <a:pt x="0" y="4038600"/>
+                  <a:pt x="4699000" y="660400"/>
+                </a:lnTo>
+                <a:lnTo>
+                  <a:pt x="0" y="660400"/>
                 </a:lnTo>
                 <a:lnTo>
                   <a:pt x="0" y="0"/>
@@ -14326,79 +15028,14 @@
       </p:sp>
       <p:sp>
         <p:nvSpPr>
-          <p:cNvPr id="8" name="object 8"/>
+          <p:cNvPr id="11" name="object 11"/>
           <p:cNvSpPr/>
           <p:nvPr/>
         </p:nvSpPr>
         <p:spPr>
           <a:xfrm>
-            <a:off x="7801798" y="3759716"/>
-            <a:ext cx="191467" cy="252388"/>
-          </a:xfrm>
-          <a:prstGeom prst="rect">
-            <a:avLst/>
-          </a:prstGeom>
-          <a:blipFill>
-            <a:blip r:embed="rId4" cstate="print"/>
-            <a:stretch>
-              <a:fillRect/>
-            </a:stretch>
-          </a:blipFill>
-        </p:spPr>
-        <p:txBody>
-          <a:bodyPr wrap="square" lIns="0" tIns="0" rIns="0" bIns="0" rtlCol="0"/>
-          <a:lstStyle/>
-          <a:p>
-            <a:endParaRPr sz="1234"/>
-          </a:p>
-        </p:txBody>
-      </p:sp>
-      <p:sp>
-        <p:nvSpPr>
-          <p:cNvPr id="9" name="object 9"/>
-          <p:cNvSpPr txBox="1"/>
-          <p:nvPr/>
-        </p:nvSpPr>
-        <p:spPr>
-          <a:xfrm>
-            <a:off x="7809066" y="3746326"/>
-            <a:ext cx="177107" cy="316369"/>
-          </a:xfrm>
-          <a:prstGeom prst="rect">
-            <a:avLst/>
-          </a:prstGeom>
-        </p:spPr>
-        <p:txBody>
-          <a:bodyPr vert="horz" wrap="square" lIns="0" tIns="0" rIns="0" bIns="0" rtlCol="0">
-            <a:spAutoFit/>
-          </a:bodyPr>
-          <a:lstStyle/>
-          <a:p>
-            <a:pPr marL="8703"/>
-            <a:r>
-              <a:rPr sz="2056" b="1" dirty="0">
-                <a:latin typeface="Arial"/>
-                <a:cs typeface="Arial"/>
-              </a:rPr>
-              <a:t>b</a:t>
-            </a:r>
-            <a:endParaRPr sz="2056">
-              <a:latin typeface="Arial"/>
-              <a:cs typeface="Arial"/>
-            </a:endParaRPr>
-          </a:p>
-        </p:txBody>
-      </p:sp>
-      <p:sp>
-        <p:nvSpPr>
-          <p:cNvPr id="10" name="object 10"/>
-          <p:cNvSpPr/>
-          <p:nvPr/>
-        </p:nvSpPr>
-        <p:spPr>
-          <a:xfrm>
-            <a:off x="2684407" y="852899"/>
-            <a:ext cx="3220127" cy="452558"/>
+            <a:off x="6287468" y="313310"/>
+            <a:ext cx="3220127" cy="2219277"/>
           </a:xfrm>
           <a:custGeom>
             <a:avLst/>
@@ -14407,7 +15044,7 @@
             <a:cxnLst/>
             <a:rect l="l" t="t" r="r" b="b"/>
             <a:pathLst>
-              <a:path w="4699000" h="660400">
+              <a:path w="4699000" h="3238500">
                 <a:moveTo>
                   <a:pt x="0" y="0"/>
                 </a:moveTo>
@@ -14415,10 +15052,60 @@
                   <a:pt x="4699000" y="0"/>
                 </a:lnTo>
                 <a:lnTo>
-                  <a:pt x="4699000" y="660400"/>
-                </a:lnTo>
-                <a:lnTo>
-                  <a:pt x="0" y="660400"/>
+                  <a:pt x="4699000" y="3238500"/>
+                </a:lnTo>
+                <a:lnTo>
+                  <a:pt x="0" y="3238500"/>
+                </a:lnTo>
+                <a:lnTo>
+                  <a:pt x="0" y="0"/>
+                </a:lnTo>
+                <a:close/>
+              </a:path>
+            </a:pathLst>
+          </a:custGeom>
+          <a:solidFill>
+            <a:srgbClr val="FFFFFF"/>
+          </a:solidFill>
+        </p:spPr>
+        <p:txBody>
+          <a:bodyPr wrap="square" lIns="0" tIns="0" rIns="0" bIns="0" rtlCol="0"/>
+          <a:lstStyle/>
+          <a:p>
+            <a:endParaRPr sz="1234"/>
+          </a:p>
+        </p:txBody>
+      </p:sp>
+      <p:sp>
+        <p:nvSpPr>
+          <p:cNvPr id="12" name="object 12"/>
+          <p:cNvSpPr/>
+          <p:nvPr/>
+        </p:nvSpPr>
+        <p:spPr>
+          <a:xfrm>
+            <a:off x="6287468" y="313310"/>
+            <a:ext cx="3220127" cy="2219277"/>
+          </a:xfrm>
+          <a:custGeom>
+            <a:avLst/>
+            <a:gdLst/>
+            <a:ahLst/>
+            <a:cxnLst/>
+            <a:rect l="l" t="t" r="r" b="b"/>
+            <a:pathLst>
+              <a:path w="4699000" h="3238500">
+                <a:moveTo>
+                  <a:pt x="0" y="0"/>
+                </a:moveTo>
+                <a:lnTo>
+                  <a:pt x="4699000" y="0"/>
+                </a:lnTo>
+                <a:lnTo>
+                  <a:pt x="4699000" y="3238500"/>
+                </a:lnTo>
+                <a:lnTo>
+                  <a:pt x="0" y="3238500"/>
                 </a:lnTo>
                 <a:lnTo>
                   <a:pt x="0" y="0"/>
@@ -14443,13 +15130,167 @@
       </p:sp>
       <p:sp>
         <p:nvSpPr>
-          <p:cNvPr id="11" name="object 11"/>
+          <p:cNvPr id="13" name="object 13"/>
           <p:cNvSpPr/>
           <p:nvPr/>
         </p:nvSpPr>
         <p:spPr>
           <a:xfrm>
-            <a:off x="6287468" y="5012955"/>
+            <a:off x="6287468" y="3698795"/>
+            <a:ext cx="3220127" cy="2506477"/>
+          </a:xfrm>
+          <a:custGeom>
+            <a:avLst/>
+            <a:gdLst/>
+            <a:ahLst/>
+            <a:cxnLst/>
+            <a:rect l="l" t="t" r="r" b="b"/>
+            <a:pathLst>
+              <a:path w="4699000" h="3657600">
+                <a:moveTo>
+                  <a:pt x="0" y="0"/>
+                </a:moveTo>
+                <a:lnTo>
+                  <a:pt x="4699000" y="0"/>
+                </a:lnTo>
+                <a:lnTo>
+                  <a:pt x="4699000" y="3657600"/>
+                </a:lnTo>
+                <a:lnTo>
+                  <a:pt x="0" y="3657600"/>
+                </a:lnTo>
+                <a:lnTo>
+                  <a:pt x="0" y="0"/>
+                </a:lnTo>
+                <a:close/>
+              </a:path>
+            </a:pathLst>
+          </a:custGeom>
+          <a:ln w="50800">
+            <a:solidFill>
+              <a:srgbClr val="000000"/>
+            </a:solidFill>
+          </a:ln>
+        </p:spPr>
+        <p:txBody>
+          <a:bodyPr wrap="square" lIns="0" tIns="0" rIns="0" bIns="0" rtlCol="0"/>
+          <a:lstStyle/>
+          <a:p>
+            <a:endParaRPr sz="1234"/>
+          </a:p>
+        </p:txBody>
+      </p:sp>
+      <p:sp>
+        <p:nvSpPr>
+          <p:cNvPr id="14" name="object 14"/>
+          <p:cNvSpPr/>
+          <p:nvPr/>
+        </p:nvSpPr>
+        <p:spPr>
+          <a:xfrm>
+            <a:off x="6287468" y="2828490"/>
+            <a:ext cx="3220127" cy="913820"/>
+          </a:xfrm>
+          <a:custGeom>
+            <a:avLst/>
+            <a:gdLst/>
+            <a:ahLst/>
+            <a:cxnLst/>
+            <a:rect l="l" t="t" r="r" b="b"/>
+            <a:pathLst>
+              <a:path w="4699000" h="1333500">
+                <a:moveTo>
+                  <a:pt x="0" y="0"/>
+                </a:moveTo>
+                <a:lnTo>
+                  <a:pt x="4699000" y="0"/>
+                </a:lnTo>
+                <a:lnTo>
+                  <a:pt x="4699000" y="1333500"/>
+                </a:lnTo>
+                <a:lnTo>
+                  <a:pt x="0" y="1333500"/>
+                </a:lnTo>
+                <a:lnTo>
+                  <a:pt x="0" y="0"/>
+                </a:lnTo>
+                <a:close/>
+              </a:path>
+            </a:pathLst>
+          </a:custGeom>
+          <a:solidFill>
+            <a:srgbClr val="FFFFFF"/>
+          </a:solidFill>
+        </p:spPr>
+        <p:txBody>
+          <a:bodyPr wrap="square" lIns="0" tIns="0" rIns="0" bIns="0" rtlCol="0"/>
+          <a:lstStyle/>
+          <a:p>
+            <a:endParaRPr sz="1234"/>
+          </a:p>
+        </p:txBody>
+      </p:sp>
+      <p:sp>
+        <p:nvSpPr>
+          <p:cNvPr id="15" name="object 15"/>
+          <p:cNvSpPr/>
+          <p:nvPr/>
+        </p:nvSpPr>
+        <p:spPr>
+          <a:xfrm>
+            <a:off x="6287468" y="2828490"/>
+            <a:ext cx="3220127" cy="913820"/>
+          </a:xfrm>
+          <a:custGeom>
+            <a:avLst/>
+            <a:gdLst/>
+            <a:ahLst/>
+            <a:cxnLst/>
+            <a:rect l="l" t="t" r="r" b="b"/>
+            <a:pathLst>
+              <a:path w="4699000" h="1333500">
+                <a:moveTo>
+                  <a:pt x="0" y="0"/>
+                </a:moveTo>
+                <a:lnTo>
+                  <a:pt x="4699000" y="0"/>
+                </a:lnTo>
+                <a:lnTo>
+                  <a:pt x="4699000" y="1333500"/>
+                </a:lnTo>
+                <a:lnTo>
+                  <a:pt x="0" y="1333500"/>
+                </a:lnTo>
+                <a:lnTo>
+                  <a:pt x="0" y="0"/>
+                </a:lnTo>
+                <a:close/>
+              </a:path>
+            </a:pathLst>
+          </a:custGeom>
+          <a:ln w="50800">
+            <a:solidFill>
+              <a:srgbClr val="000000"/>
+            </a:solidFill>
+          </a:ln>
+        </p:spPr>
+        <p:txBody>
+          <a:bodyPr wrap="square" lIns="0" tIns="0" rIns="0" bIns="0" rtlCol="0"/>
+          <a:lstStyle/>
+          <a:p>
+            <a:endParaRPr sz="1234"/>
+          </a:p>
+        </p:txBody>
+      </p:sp>
+      <p:sp>
+        <p:nvSpPr>
+          <p:cNvPr id="16" name="object 16"/>
+          <p:cNvSpPr/>
+          <p:nvPr/>
+        </p:nvSpPr>
+        <p:spPr>
+          <a:xfrm>
+            <a:off x="2684407" y="1096585"/>
             <a:ext cx="3220127" cy="1192317"/>
           </a:xfrm>
           <a:custGeom>
@@ -14479,58 +15320,6 @@
               </a:path>
             </a:pathLst>
           </a:custGeom>
-          <a:ln w="50800">
-            <a:solidFill>
-              <a:srgbClr val="000000"/>
-            </a:solidFill>
-          </a:ln>
-        </p:spPr>
-        <p:txBody>
-          <a:bodyPr wrap="square" lIns="0" tIns="0" rIns="0" bIns="0" rtlCol="0"/>
-          <a:lstStyle/>
-          <a:p>
-            <a:endParaRPr sz="1234"/>
-          </a:p>
-        </p:txBody>
-      </p:sp>
-      <p:sp>
-        <p:nvSpPr>
-          <p:cNvPr id="12" name="object 12"/>
-          <p:cNvSpPr/>
-          <p:nvPr/>
-        </p:nvSpPr>
-        <p:spPr>
-          <a:xfrm>
-            <a:off x="2684407" y="2497775"/>
-            <a:ext cx="3220127" cy="2506477"/>
-          </a:xfrm>
-          <a:custGeom>
-            <a:avLst/>
-            <a:gdLst/>
-            <a:ahLst/>
-            <a:cxnLst/>
-            <a:rect l="l" t="t" r="r" b="b"/>
-            <a:pathLst>
-              <a:path w="4699000" h="3657600">
-                <a:moveTo>
-                  <a:pt x="0" y="0"/>
-                </a:moveTo>
-                <a:lnTo>
-                  <a:pt x="4699000" y="0"/>
-                </a:lnTo>
-                <a:lnTo>
-                  <a:pt x="4699000" y="3657600"/>
-                </a:lnTo>
-                <a:lnTo>
-                  <a:pt x="0" y="3657600"/>
-                </a:lnTo>
-                <a:lnTo>
-                  <a:pt x="0" y="0"/>
-                </a:lnTo>
-                <a:close/>
-              </a:path>
-            </a:pathLst>
-          </a:custGeom>
           <a:solidFill>
             <a:srgbClr val="FFFFFF"/>
           </a:solidFill>
@@ -14545,217 +15334,13 @@
       </p:sp>
       <p:sp>
         <p:nvSpPr>
-          <p:cNvPr id="13" name="object 13"/>
-          <p:cNvSpPr/>
-          <p:nvPr/>
-        </p:nvSpPr>
-        <p:spPr>
-          <a:xfrm>
-            <a:off x="2684407" y="2497775"/>
-            <a:ext cx="3220127" cy="2506477"/>
-          </a:xfrm>
-          <a:custGeom>
-            <a:avLst/>
-            <a:gdLst/>
-            <a:ahLst/>
-            <a:cxnLst/>
-            <a:rect l="l" t="t" r="r" b="b"/>
-            <a:pathLst>
-              <a:path w="4699000" h="3657600">
-                <a:moveTo>
-                  <a:pt x="0" y="0"/>
-                </a:moveTo>
-                <a:lnTo>
-                  <a:pt x="4699000" y="0"/>
-                </a:lnTo>
-                <a:lnTo>
-                  <a:pt x="4699000" y="3657600"/>
-                </a:lnTo>
-                <a:lnTo>
-                  <a:pt x="0" y="3657600"/>
-                </a:lnTo>
-                <a:lnTo>
-                  <a:pt x="0" y="0"/>
-                </a:lnTo>
-                <a:close/>
-              </a:path>
-            </a:pathLst>
-          </a:custGeom>
-          <a:ln w="50800">
-            <a:solidFill>
-              <a:srgbClr val="000000"/>
-            </a:solidFill>
-          </a:ln>
-        </p:spPr>
-        <p:txBody>
-          <a:bodyPr wrap="square" lIns="0" tIns="0" rIns="0" bIns="0" rtlCol="0"/>
-          <a:lstStyle/>
-          <a:p>
-            <a:endParaRPr sz="1234"/>
-          </a:p>
-        </p:txBody>
-      </p:sp>
-      <p:sp>
-        <p:nvSpPr>
-          <p:cNvPr id="14" name="object 14"/>
-          <p:cNvSpPr/>
-          <p:nvPr/>
-        </p:nvSpPr>
-        <p:spPr>
-          <a:xfrm>
-            <a:off x="6287468" y="4099134"/>
-            <a:ext cx="3220127" cy="913820"/>
-          </a:xfrm>
-          <a:custGeom>
-            <a:avLst/>
-            <a:gdLst/>
-            <a:ahLst/>
-            <a:cxnLst/>
-            <a:rect l="l" t="t" r="r" b="b"/>
-            <a:pathLst>
-              <a:path w="4699000" h="1333500">
-                <a:moveTo>
-                  <a:pt x="0" y="0"/>
-                </a:moveTo>
-                <a:lnTo>
-                  <a:pt x="4699000" y="0"/>
-                </a:lnTo>
-                <a:lnTo>
-                  <a:pt x="4699000" y="1333500"/>
-                </a:lnTo>
-                <a:lnTo>
-                  <a:pt x="0" y="1333500"/>
-                </a:lnTo>
-                <a:lnTo>
-                  <a:pt x="0" y="0"/>
-                </a:lnTo>
-                <a:close/>
-              </a:path>
-            </a:pathLst>
-          </a:custGeom>
-          <a:solidFill>
-            <a:srgbClr val="FFFFFF"/>
-          </a:solidFill>
-        </p:spPr>
-        <p:txBody>
-          <a:bodyPr wrap="square" lIns="0" tIns="0" rIns="0" bIns="0" rtlCol="0"/>
-          <a:lstStyle/>
-          <a:p>
-            <a:endParaRPr sz="1234"/>
-          </a:p>
-        </p:txBody>
-      </p:sp>
-      <p:sp>
-        <p:nvSpPr>
-          <p:cNvPr id="15" name="object 15"/>
-          <p:cNvSpPr/>
-          <p:nvPr/>
-        </p:nvSpPr>
-        <p:spPr>
-          <a:xfrm>
-            <a:off x="6287468" y="4099134"/>
-            <a:ext cx="3220127" cy="913820"/>
-          </a:xfrm>
-          <a:custGeom>
-            <a:avLst/>
-            <a:gdLst/>
-            <a:ahLst/>
-            <a:cxnLst/>
-            <a:rect l="l" t="t" r="r" b="b"/>
-            <a:pathLst>
-              <a:path w="4699000" h="1333500">
-                <a:moveTo>
-                  <a:pt x="0" y="0"/>
-                </a:moveTo>
-                <a:lnTo>
-                  <a:pt x="4699000" y="0"/>
-                </a:lnTo>
-                <a:lnTo>
-                  <a:pt x="4699000" y="1333500"/>
-                </a:lnTo>
-                <a:lnTo>
-                  <a:pt x="0" y="1333500"/>
-                </a:lnTo>
-                <a:lnTo>
-                  <a:pt x="0" y="0"/>
-                </a:lnTo>
-                <a:close/>
-              </a:path>
-            </a:pathLst>
-          </a:custGeom>
-          <a:ln w="50800">
-            <a:solidFill>
-              <a:srgbClr val="000000"/>
-            </a:solidFill>
-          </a:ln>
-        </p:spPr>
-        <p:txBody>
-          <a:bodyPr wrap="square" lIns="0" tIns="0" rIns="0" bIns="0" rtlCol="0"/>
-          <a:lstStyle/>
-          <a:p>
-            <a:endParaRPr sz="1234"/>
-          </a:p>
-        </p:txBody>
-      </p:sp>
-      <p:sp>
-        <p:nvSpPr>
-          <p:cNvPr id="16" name="object 16"/>
-          <p:cNvSpPr/>
-          <p:nvPr/>
-        </p:nvSpPr>
-        <p:spPr>
-          <a:xfrm>
-            <a:off x="2684407" y="1305458"/>
-            <a:ext cx="3220127" cy="1192317"/>
-          </a:xfrm>
-          <a:custGeom>
-            <a:avLst/>
-            <a:gdLst/>
-            <a:ahLst/>
-            <a:cxnLst/>
-            <a:rect l="l" t="t" r="r" b="b"/>
-            <a:pathLst>
-              <a:path w="4699000" h="1739900">
-                <a:moveTo>
-                  <a:pt x="0" y="0"/>
-                </a:moveTo>
-                <a:lnTo>
-                  <a:pt x="4699000" y="0"/>
-                </a:lnTo>
-                <a:lnTo>
-                  <a:pt x="4699000" y="1739900"/>
-                </a:lnTo>
-                <a:lnTo>
-                  <a:pt x="0" y="1739900"/>
-                </a:lnTo>
-                <a:lnTo>
-                  <a:pt x="0" y="0"/>
-                </a:lnTo>
-                <a:close/>
-              </a:path>
-            </a:pathLst>
-          </a:custGeom>
-          <a:solidFill>
-            <a:srgbClr val="FFFFFF"/>
-          </a:solidFill>
-        </p:spPr>
-        <p:txBody>
-          <a:bodyPr wrap="square" lIns="0" tIns="0" rIns="0" bIns="0" rtlCol="0"/>
-          <a:lstStyle/>
-          <a:p>
-            <a:endParaRPr sz="1234"/>
-          </a:p>
-        </p:txBody>
-      </p:sp>
-      <p:sp>
-        <p:nvSpPr>
           <p:cNvPr id="17" name="object 17"/>
           <p:cNvSpPr/>
           <p:nvPr/>
         </p:nvSpPr>
         <p:spPr>
           <a:xfrm>
-            <a:off x="2684407" y="1305458"/>
+            <a:off x="2684407" y="1096585"/>
             <a:ext cx="3220127" cy="1192317"/>
           </a:xfrm>
           <a:custGeom>
@@ -14890,7 +15475,7 @@
     </p:spTree>
     <p:extLst>
       <p:ext uri="{BB962C8B-B14F-4D97-AF65-F5344CB8AC3E}">
-        <p14:creationId xmlns:p14="http://schemas.microsoft.com/office/powerpoint/2010/main" val="1339222129"/>
+        <p14:creationId xmlns:p14="http://schemas.microsoft.com/office/powerpoint/2010/main" val="2390526588"/>
       </p:ext>
     </p:extLst>
   </p:cSld>
@@ -14934,97 +15519,105 @@
             <p:ph type="title"/>
           </p:nvPr>
         </p:nvSpPr>
-        <p:spPr/>
+        <p:spPr>
+          <a:xfrm>
+            <a:off x="838200" y="365125"/>
+            <a:ext cx="10515600" cy="622427"/>
+          </a:xfrm>
+        </p:spPr>
         <p:txBody>
           <a:bodyPr>
-            <a:normAutofit/>
+            <a:normAutofit fontScale="90000"/>
           </a:bodyPr>
           <a:lstStyle/>
           <a:p>
             <a:r>
-              <a:rPr lang="en-US" u="none" dirty="0" err="1" smtClean="0"/>
-              <a:t>Anscombe’s</a:t>
-            </a:r>
-            <a:r>
-              <a:rPr lang="en-US" u="none" dirty="0" smtClean="0"/>
-              <a:t> Quartet</a:t>
-            </a:r>
-            <a:endParaRPr lang="en-US" u="none" dirty="0"/>
-          </a:p>
-        </p:txBody>
-      </p:sp>
-      <p:sp>
-        <p:nvSpPr>
-          <p:cNvPr id="4" name="Slide Number Placeholder 3"/>
+              <a:rPr lang="en-US" dirty="0" err="1" smtClean="0"/>
+              <a:t>Datasaurus</a:t>
+            </a:r>
+            <a:r>
+              <a:rPr lang="en-US" dirty="0" smtClean="0"/>
+              <a:t> dozen</a:t>
+            </a:r>
+            <a:endParaRPr lang="en-US" dirty="0"/>
+          </a:p>
+        </p:txBody>
+      </p:sp>
+      <p:sp>
+        <p:nvSpPr>
+          <p:cNvPr id="3" name="Content Placeholder 2"/>
           <p:cNvSpPr>
             <a:spLocks noGrp="1"/>
           </p:cNvSpPr>
           <p:nvPr>
-            <p:ph type="sldNum" sz="quarter" idx="12"/>
+            <p:ph idx="1"/>
           </p:nvPr>
         </p:nvSpPr>
-        <p:spPr/>
-        <p:txBody>
-          <a:bodyPr/>
-          <a:lstStyle/>
-          <a:p>
-            <a:fld id="{D4010A75-1353-4FD1-9402-18D25FE6440E}" type="slidenum">
-              <a:rPr lang="en-US" smtClean="0"/>
-              <a:t>4</a:t>
-            </a:fld>
-            <a:endParaRPr lang="en-US"/>
+        <p:spPr>
+          <a:xfrm>
+            <a:off x="838200" y="987552"/>
+            <a:ext cx="10515600" cy="5189411"/>
+          </a:xfrm>
+        </p:spPr>
+        <p:txBody>
+          <a:bodyPr>
+            <a:normAutofit/>
+          </a:bodyPr>
+          <a:lstStyle/>
+          <a:p>
+            <a:pPr marL="0" indent="0">
+              <a:buNone/>
+            </a:pPr>
+            <a:r>
+              <a:rPr lang="en-US" sz="2400" dirty="0" smtClean="0"/>
+              <a:t>E(X) = 54.26; E(Y) = 47.83; SD(X) = 16.76; SD(Y) = 26.93; </a:t>
+            </a:r>
+            <a:r>
+              <a:rPr lang="en-US" sz="2400" dirty="0" err="1" smtClean="0"/>
+              <a:t>Cor</a:t>
+            </a:r>
+            <a:r>
+              <a:rPr lang="en-US" sz="2400" dirty="0" smtClean="0"/>
+              <a:t>(X,Y) = -0.06</a:t>
+            </a:r>
+            <a:endParaRPr lang="en-US" sz="2400" dirty="0"/>
           </a:p>
         </p:txBody>
       </p:sp>
       <p:pic>
         <p:nvPicPr>
-          <p:cNvPr id="2050" name="Picture 2" descr="http://strajk.me/notes/2012/the-visual-display-of-quantitative-information-by-edward-r-tufte/assets/001.png"/>
+          <p:cNvPr id="4" name="Picture 3"/>
           <p:cNvPicPr>
-            <a:picLocks noChangeAspect="1" noChangeArrowheads="1"/>
+            <a:picLocks noChangeAspect="1"/>
           </p:cNvPicPr>
           <p:nvPr/>
         </p:nvPicPr>
-        <p:blipFill rotWithShape="1">
-          <a:blip r:embed="rId2">
-            <a:extLst>
-              <a:ext uri="{28A0092B-C50C-407E-A947-70E740481C1C}">
-                <a14:useLocalDpi xmlns:a14="http://schemas.microsoft.com/office/drawing/2010/main" val="0"/>
-              </a:ext>
-            </a:extLst>
-          </a:blip>
-          <a:srcRect l="1451" t="14683" r="59487" b="23049"/>
-          <a:stretch/>
+        <p:blipFill>
+          <a:blip r:embed="rId2"/>
+          <a:stretch>
+            <a:fillRect/>
+          </a:stretch>
         </p:blipFill>
-        <p:spPr bwMode="auto">
-          <a:xfrm>
-            <a:off x="3124200" y="1524000"/>
-            <a:ext cx="5184300" cy="3276600"/>
+        <p:spPr>
+          <a:xfrm>
+            <a:off x="535876" y="2637258"/>
+            <a:ext cx="2676525" cy="1952625"/>
           </a:xfrm>
           <a:prstGeom prst="rect">
             <a:avLst/>
           </a:prstGeom>
-          <a:noFill/>
-          <a:extLst>
-            <a:ext uri="{909E8E84-426E-40DD-AFC4-6F175D3DCCD1}">
-              <a14:hiddenFill xmlns:a14="http://schemas.microsoft.com/office/drawing/2010/main">
-                <a:solidFill>
-                  <a:srgbClr val="FFFFFF"/>
-                </a:solidFill>
-              </a14:hiddenFill>
-            </a:ext>
-          </a:extLst>
         </p:spPr>
       </p:pic>
       <p:sp>
         <p:nvSpPr>
-          <p:cNvPr id="5" name="TextBox 4"/>
+          <p:cNvPr id="7" name="TextBox 6"/>
           <p:cNvSpPr txBox="1"/>
           <p:nvPr/>
         </p:nvSpPr>
         <p:spPr>
           <a:xfrm>
-            <a:off x="4789415" y="4775442"/>
-            <a:ext cx="2204450" cy="1754326"/>
+            <a:off x="1060704" y="6071616"/>
+            <a:ext cx="9374939" cy="369332"/>
           </a:xfrm>
           <a:prstGeom prst="rect">
             <a:avLst/>
@@ -15037,84 +15630,60 @@
           </a:bodyPr>
           <a:lstStyle/>
           <a:p>
-            <a:pPr marL="285750" indent="-285750">
-              <a:buFont typeface="Arial" panose="020B0604020202020204" pitchFamily="34" charset="0"/>
-              <a:buChar char="•"/>
-            </a:pPr>
             <a:r>
               <a:rPr lang="en-US" dirty="0" smtClean="0"/>
-              <a:t>N </a:t>
-            </a:r>
-            <a:r>
-              <a:rPr lang="en-US" dirty="0"/>
-              <a:t>= 11</a:t>
-            </a:r>
-          </a:p>
-          <a:p>
-            <a:pPr marL="285750" indent="-285750">
-              <a:buFont typeface="Arial" panose="020B0604020202020204" pitchFamily="34" charset="0"/>
-              <a:buChar char="•"/>
-            </a:pPr>
-            <a:r>
-              <a:rPr lang="en-US" dirty="0"/>
-              <a:t>Mean of X = 9</a:t>
-            </a:r>
-          </a:p>
-          <a:p>
-            <a:pPr marL="285750" indent="-285750">
-              <a:buFont typeface="Arial" panose="020B0604020202020204" pitchFamily="34" charset="0"/>
-              <a:buChar char="•"/>
-            </a:pPr>
-            <a:r>
-              <a:rPr lang="en-US" dirty="0"/>
-              <a:t>Mean of Y = 7.5</a:t>
-            </a:r>
-          </a:p>
-          <a:p>
-            <a:pPr marL="285750" indent="-285750">
-              <a:buFont typeface="Arial" panose="020B0604020202020204" pitchFamily="34" charset="0"/>
-              <a:buChar char="•"/>
-            </a:pPr>
-            <a:r>
-              <a:rPr lang="en-US" dirty="0"/>
-              <a:t>Variance of X = 11</a:t>
-            </a:r>
-          </a:p>
-          <a:p>
-            <a:pPr marL="285750" indent="-285750">
-              <a:buFont typeface="Arial" panose="020B0604020202020204" pitchFamily="34" charset="0"/>
-              <a:buChar char="•"/>
-            </a:pPr>
-            <a:r>
-              <a:rPr lang="en-US" dirty="0"/>
-              <a:t>Variance of Y = </a:t>
+              <a:t>Justin </a:t>
+            </a:r>
+            <a:r>
+              <a:rPr lang="en-US" dirty="0" err="1" smtClean="0"/>
+              <a:t>Matejka</a:t>
             </a:r>
             <a:r>
               <a:rPr lang="en-US" dirty="0" smtClean="0"/>
-              <a:t>4.1</a:t>
-            </a:r>
-          </a:p>
-          <a:p>
-            <a:pPr marL="285750" indent="-285750">
-              <a:buFont typeface="Arial" panose="020B0604020202020204" pitchFamily="34" charset="0"/>
-              <a:buChar char="•"/>
-            </a:pPr>
-            <a:r>
-              <a:rPr lang="en-US" dirty="0" err="1" smtClean="0"/>
-              <a:t>Cor</a:t>
+              <a:t> &amp; George Fitzmaurice: </a:t>
+            </a:r>
+            <a:r>
+              <a:rPr lang="en-US" dirty="0" smtClean="0">
+                <a:hlinkClick r:id="rId3"/>
+              </a:rPr>
+              <a:t>https://www.autodeskresearch.com/publications/samestats</a:t>
             </a:r>
             <a:r>
               <a:rPr lang="en-US" dirty="0" smtClean="0"/>
-              <a:t>(X,Y) = 0.816</a:t>
+              <a:t> </a:t>
             </a:r>
             <a:endParaRPr lang="en-US" dirty="0"/>
           </a:p>
         </p:txBody>
       </p:sp>
+      <p:pic>
+        <p:nvPicPr>
+          <p:cNvPr id="8" name="Picture 7"/>
+          <p:cNvPicPr>
+            <a:picLocks noChangeAspect="1"/>
+          </p:cNvPicPr>
+          <p:nvPr/>
+        </p:nvPicPr>
+        <p:blipFill>
+          <a:blip r:embed="rId4"/>
+          <a:stretch>
+            <a:fillRect/>
+          </a:stretch>
+        </p:blipFill>
+        <p:spPr>
+          <a:xfrm>
+            <a:off x="4094673" y="1609979"/>
+            <a:ext cx="7463971" cy="4197652"/>
+          </a:xfrm>
+          <a:prstGeom prst="rect">
+            <a:avLst/>
+          </a:prstGeom>
+        </p:spPr>
+      </p:pic>
     </p:spTree>
     <p:extLst>
       <p:ext uri="{BB962C8B-B14F-4D97-AF65-F5344CB8AC3E}">
-        <p14:creationId xmlns:p14="http://schemas.microsoft.com/office/powerpoint/2010/main" val="3242671755"/>
+        <p14:creationId xmlns:p14="http://schemas.microsoft.com/office/powerpoint/2010/main" val="3501484350"/>
       </p:ext>
     </p:extLst>
   </p:cSld>
@@ -15150,145 +15719,61 @@
       </p:grpSpPr>
       <p:sp>
         <p:nvSpPr>
-          <p:cNvPr id="2" name="object 2"/>
-          <p:cNvSpPr/>
-          <p:nvPr/>
-        </p:nvSpPr>
-        <p:spPr>
-          <a:xfrm>
-            <a:off x="2684407" y="5012955"/>
-            <a:ext cx="3220127" cy="1192317"/>
-          </a:xfrm>
-          <a:custGeom>
-            <a:avLst/>
-            <a:gdLst/>
-            <a:ahLst/>
-            <a:cxnLst/>
-            <a:rect l="l" t="t" r="r" b="b"/>
-            <a:pathLst>
-              <a:path w="4699000" h="1739900">
-                <a:moveTo>
-                  <a:pt x="0" y="0"/>
-                </a:moveTo>
-                <a:lnTo>
-                  <a:pt x="4699000" y="0"/>
-                </a:lnTo>
-                <a:lnTo>
-                  <a:pt x="4699000" y="1739900"/>
-                </a:lnTo>
-                <a:lnTo>
-                  <a:pt x="0" y="1739900"/>
-                </a:lnTo>
-                <a:lnTo>
-                  <a:pt x="0" y="0"/>
-                </a:lnTo>
-                <a:close/>
-              </a:path>
-            </a:pathLst>
-          </a:custGeom>
-          <a:solidFill>
-            <a:srgbClr val="EBEBEB"/>
-          </a:solidFill>
-        </p:spPr>
-        <p:txBody>
-          <a:bodyPr wrap="square" lIns="0" tIns="0" rIns="0" bIns="0" rtlCol="0"/>
-          <a:lstStyle/>
-          <a:p>
-            <a:endParaRPr sz="1234"/>
-          </a:p>
-        </p:txBody>
-      </p:sp>
-      <p:sp>
-        <p:nvSpPr>
-          <p:cNvPr id="3" name="object 3"/>
-          <p:cNvSpPr/>
-          <p:nvPr/>
-        </p:nvSpPr>
-        <p:spPr>
-          <a:xfrm>
-            <a:off x="2684407" y="5012955"/>
-            <a:ext cx="3220127" cy="1192317"/>
-          </a:xfrm>
-          <a:custGeom>
-            <a:avLst/>
-            <a:gdLst/>
-            <a:ahLst/>
-            <a:cxnLst/>
-            <a:rect l="l" t="t" r="r" b="b"/>
-            <a:pathLst>
-              <a:path w="4699000" h="1739900">
-                <a:moveTo>
-                  <a:pt x="0" y="0"/>
-                </a:moveTo>
-                <a:lnTo>
-                  <a:pt x="4699000" y="0"/>
-                </a:lnTo>
-                <a:lnTo>
-                  <a:pt x="4699000" y="1739900"/>
-                </a:lnTo>
-                <a:lnTo>
-                  <a:pt x="0" y="1739900"/>
-                </a:lnTo>
-                <a:lnTo>
-                  <a:pt x="0" y="0"/>
-                </a:lnTo>
-                <a:close/>
-              </a:path>
-            </a:pathLst>
-          </a:custGeom>
-          <a:ln w="50800">
-            <a:solidFill>
-              <a:srgbClr val="000000"/>
-            </a:solidFill>
-          </a:ln>
-        </p:spPr>
-        <p:txBody>
-          <a:bodyPr wrap="square" lIns="0" tIns="0" rIns="0" bIns="0" rtlCol="0"/>
-          <a:lstStyle/>
-          <a:p>
-            <a:endParaRPr sz="1234"/>
-          </a:p>
-        </p:txBody>
-      </p:sp>
-      <p:sp>
-        <p:nvSpPr>
-          <p:cNvPr id="4" name="object 4"/>
-          <p:cNvSpPr/>
-          <p:nvPr/>
-        </p:nvSpPr>
-        <p:spPr>
-          <a:xfrm>
-            <a:off x="4190033" y="5909368"/>
-            <a:ext cx="200170" cy="200170"/>
+          <p:cNvPr id="4" name="Slide Number Placeholder 3"/>
+          <p:cNvSpPr>
+            <a:spLocks noGrp="1"/>
+          </p:cNvSpPr>
+          <p:nvPr>
+            <p:ph type="sldNum" sz="quarter" idx="12"/>
+          </p:nvPr>
+        </p:nvSpPr>
+        <p:spPr/>
+        <p:txBody>
+          <a:bodyPr/>
+          <a:lstStyle/>
+          <a:p>
+            <a:fld id="{D4010A75-1353-4FD1-9402-18D25FE6440E}" type="slidenum">
+              <a:rPr lang="en-US" smtClean="0"/>
+              <a:t>40</a:t>
+            </a:fld>
+            <a:endParaRPr lang="en-US"/>
+          </a:p>
+        </p:txBody>
+      </p:sp>
+      <p:pic>
+        <p:nvPicPr>
+          <p:cNvPr id="6" name="Picture 5"/>
+          <p:cNvPicPr>
+            <a:picLocks noChangeAspect="1"/>
+          </p:cNvPicPr>
+          <p:nvPr/>
+        </p:nvPicPr>
+        <p:blipFill>
+          <a:blip r:embed="rId2"/>
+          <a:stretch>
+            <a:fillRect/>
+          </a:stretch>
+        </p:blipFill>
+        <p:spPr>
+          <a:xfrm>
+            <a:off x="1981200" y="112940"/>
+            <a:ext cx="6629400" cy="6734175"/>
           </a:xfrm>
           <a:prstGeom prst="rect">
             <a:avLst/>
           </a:prstGeom>
-          <a:blipFill>
-            <a:blip r:embed="rId3" cstate="print"/>
-            <a:stretch>
-              <a:fillRect/>
-            </a:stretch>
-          </a:blipFill>
-        </p:spPr>
-        <p:txBody>
-          <a:bodyPr wrap="square" lIns="0" tIns="0" rIns="0" bIns="0" rtlCol="0"/>
-          <a:lstStyle/>
-          <a:p>
-            <a:endParaRPr sz="1234"/>
-          </a:p>
-        </p:txBody>
-      </p:sp>
-      <p:sp>
-        <p:nvSpPr>
-          <p:cNvPr id="5" name="object 5"/>
+        </p:spPr>
+      </p:pic>
+      <p:sp>
+        <p:nvSpPr>
+          <p:cNvPr id="7" name="object 188"/>
           <p:cNvSpPr txBox="1"/>
           <p:nvPr/>
         </p:nvSpPr>
         <p:spPr>
           <a:xfrm>
-            <a:off x="4210835" y="5843761"/>
-            <a:ext cx="167534" cy="316369"/>
+            <a:off x="7631748" y="3480026"/>
+            <a:ext cx="3024505" cy="2154436"/>
           </a:xfrm>
           <a:prstGeom prst="rect">
             <a:avLst/>
@@ -15300,690 +15785,245 @@
           </a:bodyPr>
           <a:lstStyle/>
           <a:p>
-            <a:pPr marL="8703"/>
-            <a:r>
-              <a:rPr sz="2056" b="1" spc="34" dirty="0">
+            <a:pPr marR="6350" algn="r"/>
+            <a:r>
+              <a:rPr sz="2000" spc="15" dirty="0">
                 <a:latin typeface="Arial"/>
                 <a:cs typeface="Arial"/>
               </a:rPr>
-              <a:t>a</a:t>
-            </a:r>
-            <a:endParaRPr sz="2056">
+              <a:t>J. </a:t>
+            </a:r>
+            <a:r>
+              <a:rPr sz="2000" spc="-30" dirty="0">
+                <a:latin typeface="Arial"/>
+                <a:cs typeface="Arial"/>
+              </a:rPr>
+              <a:t>Heer </a:t>
+            </a:r>
+            <a:r>
+              <a:rPr sz="2000" spc="10" dirty="0">
+                <a:latin typeface="Arial"/>
+                <a:cs typeface="Arial"/>
+              </a:rPr>
+              <a:t>and</a:t>
+            </a:r>
+            <a:endParaRPr sz="2000" dirty="0">
               <a:latin typeface="Arial"/>
               <a:cs typeface="Arial"/>
             </a:endParaRPr>
           </a:p>
-        </p:txBody>
-      </p:sp>
-      <p:sp>
-        <p:nvSpPr>
-          <p:cNvPr id="6" name="object 6"/>
-          <p:cNvSpPr/>
-          <p:nvPr/>
-        </p:nvSpPr>
-        <p:spPr>
-          <a:xfrm>
-            <a:off x="2684407" y="2288902"/>
-            <a:ext cx="3220127" cy="2724053"/>
-          </a:xfrm>
-          <a:custGeom>
-            <a:avLst/>
-            <a:gdLst/>
-            <a:ahLst/>
-            <a:cxnLst/>
-            <a:rect l="l" t="t" r="r" b="b"/>
-            <a:pathLst>
-              <a:path w="4699000" h="3975100">
-                <a:moveTo>
-                  <a:pt x="0" y="3975100"/>
-                </a:moveTo>
-                <a:lnTo>
-                  <a:pt x="4699000" y="3975100"/>
-                </a:lnTo>
-                <a:lnTo>
-                  <a:pt x="4699000" y="0"/>
-                </a:lnTo>
-                <a:lnTo>
-                  <a:pt x="0" y="0"/>
-                </a:lnTo>
-                <a:lnTo>
-                  <a:pt x="0" y="3975100"/>
-                </a:lnTo>
-                <a:close/>
-              </a:path>
-            </a:pathLst>
-          </a:custGeom>
-          <a:solidFill>
-            <a:srgbClr val="EBEBEB"/>
-          </a:solidFill>
-        </p:spPr>
-        <p:txBody>
-          <a:bodyPr wrap="square" lIns="0" tIns="0" rIns="0" bIns="0" rtlCol="0"/>
-          <a:lstStyle/>
-          <a:p>
-            <a:endParaRPr sz="1234"/>
-          </a:p>
-        </p:txBody>
-      </p:sp>
-      <p:sp>
-        <p:nvSpPr>
-          <p:cNvPr id="7" name="object 7"/>
-          <p:cNvSpPr/>
-          <p:nvPr/>
-        </p:nvSpPr>
-        <p:spPr>
-          <a:xfrm>
-            <a:off x="2684407" y="2245387"/>
-            <a:ext cx="3220127" cy="2767569"/>
-          </a:xfrm>
-          <a:custGeom>
-            <a:avLst/>
-            <a:gdLst/>
-            <a:ahLst/>
-            <a:cxnLst/>
-            <a:rect l="l" t="t" r="r" b="b"/>
-            <a:pathLst>
-              <a:path w="4699000" h="4038600">
-                <a:moveTo>
-                  <a:pt x="0" y="0"/>
-                </a:moveTo>
-                <a:lnTo>
-                  <a:pt x="4699000" y="0"/>
-                </a:lnTo>
-                <a:lnTo>
-                  <a:pt x="4699000" y="4038600"/>
-                </a:lnTo>
-                <a:lnTo>
-                  <a:pt x="0" y="4038600"/>
-                </a:lnTo>
-                <a:lnTo>
-                  <a:pt x="0" y="0"/>
-                </a:lnTo>
-                <a:close/>
-              </a:path>
-            </a:pathLst>
-          </a:custGeom>
-          <a:ln w="50800">
-            <a:solidFill>
-              <a:srgbClr val="000000"/>
-            </a:solidFill>
-          </a:ln>
-        </p:spPr>
-        <p:txBody>
-          <a:bodyPr wrap="square" lIns="0" tIns="0" rIns="0" bIns="0" rtlCol="0"/>
-          <a:lstStyle/>
-          <a:p>
-            <a:endParaRPr sz="1234"/>
-          </a:p>
-        </p:txBody>
-      </p:sp>
-      <p:sp>
-        <p:nvSpPr>
-          <p:cNvPr id="8" name="object 8"/>
-          <p:cNvSpPr/>
-          <p:nvPr/>
-        </p:nvSpPr>
-        <p:spPr>
-          <a:xfrm>
-            <a:off x="4198737" y="4664833"/>
-            <a:ext cx="191467" cy="252388"/>
-          </a:xfrm>
-          <a:prstGeom prst="rect">
-            <a:avLst/>
-          </a:prstGeom>
-          <a:blipFill>
-            <a:blip r:embed="rId4" cstate="print"/>
-            <a:stretch>
-              <a:fillRect/>
-            </a:stretch>
-          </a:blipFill>
-        </p:spPr>
-        <p:txBody>
-          <a:bodyPr wrap="square" lIns="0" tIns="0" rIns="0" bIns="0" rtlCol="0"/>
-          <a:lstStyle/>
-          <a:p>
-            <a:endParaRPr sz="1234"/>
-          </a:p>
-        </p:txBody>
-      </p:sp>
-      <p:sp>
-        <p:nvSpPr>
-          <p:cNvPr id="9" name="object 9"/>
-          <p:cNvSpPr txBox="1"/>
-          <p:nvPr/>
-        </p:nvSpPr>
-        <p:spPr>
-          <a:xfrm>
-            <a:off x="4206005" y="4651444"/>
-            <a:ext cx="177107" cy="316369"/>
-          </a:xfrm>
-          <a:prstGeom prst="rect">
-            <a:avLst/>
-          </a:prstGeom>
-        </p:spPr>
-        <p:txBody>
-          <a:bodyPr vert="horz" wrap="square" lIns="0" tIns="0" rIns="0" bIns="0" rtlCol="0">
-            <a:spAutoFit/>
-          </a:bodyPr>
-          <a:lstStyle/>
-          <a:p>
-            <a:pPr marL="8703"/>
-            <a:r>
-              <a:rPr sz="2056" b="1" dirty="0">
+          <a:p>
+            <a:pPr marL="12700" marR="5080" indent="1279525" algn="r"/>
+            <a:r>
+              <a:rPr sz="2000" spc="40" dirty="0">
                 <a:latin typeface="Arial"/>
                 <a:cs typeface="Arial"/>
               </a:rPr>
-              <a:t>b</a:t>
-            </a:r>
-            <a:endParaRPr sz="2056">
-              <a:latin typeface="Arial"/>
-              <a:cs typeface="Arial"/>
-            </a:endParaRPr>
-          </a:p>
-        </p:txBody>
-      </p:sp>
-      <p:sp>
-        <p:nvSpPr>
-          <p:cNvPr id="10" name="object 10"/>
-          <p:cNvSpPr/>
-          <p:nvPr/>
-        </p:nvSpPr>
-        <p:spPr>
-          <a:xfrm>
-            <a:off x="6287468" y="2445556"/>
-            <a:ext cx="3220127" cy="452558"/>
-          </a:xfrm>
-          <a:custGeom>
-            <a:avLst/>
-            <a:gdLst/>
-            <a:ahLst/>
-            <a:cxnLst/>
-            <a:rect l="l" t="t" r="r" b="b"/>
-            <a:pathLst>
-              <a:path w="4699000" h="660400">
-                <a:moveTo>
-                  <a:pt x="0" y="0"/>
-                </a:moveTo>
-                <a:lnTo>
-                  <a:pt x="4699000" y="0"/>
-                </a:lnTo>
-                <a:lnTo>
-                  <a:pt x="4699000" y="660400"/>
-                </a:lnTo>
-                <a:lnTo>
-                  <a:pt x="0" y="660400"/>
-                </a:lnTo>
-                <a:lnTo>
-                  <a:pt x="0" y="0"/>
-                </a:lnTo>
-                <a:close/>
-              </a:path>
-            </a:pathLst>
-          </a:custGeom>
-          <a:ln w="50800">
-            <a:solidFill>
-              <a:srgbClr val="000000"/>
-            </a:solidFill>
-          </a:ln>
-        </p:spPr>
-        <p:txBody>
-          <a:bodyPr wrap="square" lIns="0" tIns="0" rIns="0" bIns="0" rtlCol="0"/>
-          <a:lstStyle/>
-          <a:p>
-            <a:endParaRPr sz="1234"/>
-          </a:p>
-        </p:txBody>
-      </p:sp>
-      <p:sp>
-        <p:nvSpPr>
-          <p:cNvPr id="11" name="object 11"/>
-          <p:cNvSpPr/>
-          <p:nvPr/>
-        </p:nvSpPr>
-        <p:spPr>
-          <a:xfrm>
-            <a:off x="6287468" y="313310"/>
-            <a:ext cx="3220127" cy="2219277"/>
-          </a:xfrm>
-          <a:custGeom>
-            <a:avLst/>
-            <a:gdLst/>
-            <a:ahLst/>
-            <a:cxnLst/>
-            <a:rect l="l" t="t" r="r" b="b"/>
-            <a:pathLst>
-              <a:path w="4699000" h="3238500">
-                <a:moveTo>
-                  <a:pt x="0" y="0"/>
-                </a:moveTo>
-                <a:lnTo>
-                  <a:pt x="4699000" y="0"/>
-                </a:lnTo>
-                <a:lnTo>
-                  <a:pt x="4699000" y="3238500"/>
-                </a:lnTo>
-                <a:lnTo>
-                  <a:pt x="0" y="3238500"/>
-                </a:lnTo>
-                <a:lnTo>
-                  <a:pt x="0" y="0"/>
-                </a:lnTo>
-                <a:close/>
-              </a:path>
-            </a:pathLst>
-          </a:custGeom>
-          <a:solidFill>
-            <a:srgbClr val="FFFFFF"/>
-          </a:solidFill>
-        </p:spPr>
-        <p:txBody>
-          <a:bodyPr wrap="square" lIns="0" tIns="0" rIns="0" bIns="0" rtlCol="0"/>
-          <a:lstStyle/>
-          <a:p>
-            <a:endParaRPr sz="1234"/>
-          </a:p>
-        </p:txBody>
-      </p:sp>
-      <p:sp>
-        <p:nvSpPr>
-          <p:cNvPr id="12" name="object 12"/>
-          <p:cNvSpPr/>
-          <p:nvPr/>
-        </p:nvSpPr>
-        <p:spPr>
-          <a:xfrm>
-            <a:off x="6287468" y="313310"/>
-            <a:ext cx="3220127" cy="2219277"/>
-          </a:xfrm>
-          <a:custGeom>
-            <a:avLst/>
-            <a:gdLst/>
-            <a:ahLst/>
-            <a:cxnLst/>
-            <a:rect l="l" t="t" r="r" b="b"/>
-            <a:pathLst>
-              <a:path w="4699000" h="3238500">
-                <a:moveTo>
-                  <a:pt x="0" y="0"/>
-                </a:moveTo>
-                <a:lnTo>
-                  <a:pt x="4699000" y="0"/>
-                </a:lnTo>
-                <a:lnTo>
-                  <a:pt x="4699000" y="3238500"/>
-                </a:lnTo>
-                <a:lnTo>
-                  <a:pt x="0" y="3238500"/>
-                </a:lnTo>
-                <a:lnTo>
-                  <a:pt x="0" y="0"/>
-                </a:lnTo>
-                <a:close/>
-              </a:path>
-            </a:pathLst>
-          </a:custGeom>
-          <a:ln w="50800">
-            <a:solidFill>
-              <a:srgbClr val="000000"/>
-            </a:solidFill>
-          </a:ln>
-        </p:spPr>
-        <p:txBody>
-          <a:bodyPr wrap="square" lIns="0" tIns="0" rIns="0" bIns="0" rtlCol="0"/>
-          <a:lstStyle/>
-          <a:p>
-            <a:endParaRPr sz="1234"/>
-          </a:p>
-        </p:txBody>
-      </p:sp>
-      <p:sp>
-        <p:nvSpPr>
-          <p:cNvPr id="13" name="object 13"/>
-          <p:cNvSpPr/>
-          <p:nvPr/>
-        </p:nvSpPr>
-        <p:spPr>
-          <a:xfrm>
-            <a:off x="6287468" y="3698795"/>
-            <a:ext cx="3220127" cy="2506477"/>
-          </a:xfrm>
-          <a:custGeom>
-            <a:avLst/>
-            <a:gdLst/>
-            <a:ahLst/>
-            <a:cxnLst/>
-            <a:rect l="l" t="t" r="r" b="b"/>
-            <a:pathLst>
-              <a:path w="4699000" h="3657600">
-                <a:moveTo>
-                  <a:pt x="0" y="0"/>
-                </a:moveTo>
-                <a:lnTo>
-                  <a:pt x="4699000" y="0"/>
-                </a:lnTo>
-                <a:lnTo>
-                  <a:pt x="4699000" y="3657600"/>
-                </a:lnTo>
-                <a:lnTo>
-                  <a:pt x="0" y="3657600"/>
-                </a:lnTo>
-                <a:lnTo>
-                  <a:pt x="0" y="0"/>
-                </a:lnTo>
-                <a:close/>
-              </a:path>
-            </a:pathLst>
-          </a:custGeom>
-          <a:ln w="50800">
-            <a:solidFill>
-              <a:srgbClr val="000000"/>
-            </a:solidFill>
-          </a:ln>
-        </p:spPr>
-        <p:txBody>
-          <a:bodyPr wrap="square" lIns="0" tIns="0" rIns="0" bIns="0" rtlCol="0"/>
-          <a:lstStyle/>
-          <a:p>
-            <a:endParaRPr sz="1234"/>
-          </a:p>
-        </p:txBody>
-      </p:sp>
-      <p:sp>
-        <p:nvSpPr>
-          <p:cNvPr id="14" name="object 14"/>
-          <p:cNvSpPr/>
-          <p:nvPr/>
-        </p:nvSpPr>
-        <p:spPr>
-          <a:xfrm>
-            <a:off x="6287468" y="2828490"/>
-            <a:ext cx="3220127" cy="913820"/>
-          </a:xfrm>
-          <a:custGeom>
-            <a:avLst/>
-            <a:gdLst/>
-            <a:ahLst/>
-            <a:cxnLst/>
-            <a:rect l="l" t="t" r="r" b="b"/>
-            <a:pathLst>
-              <a:path w="4699000" h="1333500">
-                <a:moveTo>
-                  <a:pt x="0" y="0"/>
-                </a:moveTo>
-                <a:lnTo>
-                  <a:pt x="4699000" y="0"/>
-                </a:lnTo>
-                <a:lnTo>
-                  <a:pt x="4699000" y="1333500"/>
-                </a:lnTo>
-                <a:lnTo>
-                  <a:pt x="0" y="1333500"/>
-                </a:lnTo>
-                <a:lnTo>
-                  <a:pt x="0" y="0"/>
-                </a:lnTo>
-                <a:close/>
-              </a:path>
-            </a:pathLst>
-          </a:custGeom>
-          <a:solidFill>
-            <a:srgbClr val="FFFFFF"/>
-          </a:solidFill>
-        </p:spPr>
-        <p:txBody>
-          <a:bodyPr wrap="square" lIns="0" tIns="0" rIns="0" bIns="0" rtlCol="0"/>
-          <a:lstStyle/>
-          <a:p>
-            <a:endParaRPr sz="1234"/>
-          </a:p>
-        </p:txBody>
-      </p:sp>
-      <p:sp>
-        <p:nvSpPr>
-          <p:cNvPr id="15" name="object 15"/>
-          <p:cNvSpPr/>
-          <p:nvPr/>
-        </p:nvSpPr>
-        <p:spPr>
-          <a:xfrm>
-            <a:off x="6287468" y="2828490"/>
-            <a:ext cx="3220127" cy="913820"/>
-          </a:xfrm>
-          <a:custGeom>
-            <a:avLst/>
-            <a:gdLst/>
-            <a:ahLst/>
-            <a:cxnLst/>
-            <a:rect l="l" t="t" r="r" b="b"/>
-            <a:pathLst>
-              <a:path w="4699000" h="1333500">
-                <a:moveTo>
-                  <a:pt x="0" y="0"/>
-                </a:moveTo>
-                <a:lnTo>
-                  <a:pt x="4699000" y="0"/>
-                </a:lnTo>
-                <a:lnTo>
-                  <a:pt x="4699000" y="1333500"/>
-                </a:lnTo>
-                <a:lnTo>
-                  <a:pt x="0" y="1333500"/>
-                </a:lnTo>
-                <a:lnTo>
-                  <a:pt x="0" y="0"/>
-                </a:lnTo>
-                <a:close/>
-              </a:path>
-            </a:pathLst>
-          </a:custGeom>
-          <a:ln w="50800">
-            <a:solidFill>
-              <a:srgbClr val="000000"/>
-            </a:solidFill>
-          </a:ln>
-        </p:spPr>
-        <p:txBody>
-          <a:bodyPr wrap="square" lIns="0" tIns="0" rIns="0" bIns="0" rtlCol="0"/>
-          <a:lstStyle/>
-          <a:p>
-            <a:endParaRPr sz="1234"/>
-          </a:p>
-        </p:txBody>
-      </p:sp>
-      <p:sp>
-        <p:nvSpPr>
-          <p:cNvPr id="16" name="object 16"/>
-          <p:cNvSpPr/>
-          <p:nvPr/>
-        </p:nvSpPr>
-        <p:spPr>
-          <a:xfrm>
-            <a:off x="2684407" y="1096585"/>
-            <a:ext cx="3220127" cy="1192317"/>
-          </a:xfrm>
-          <a:custGeom>
-            <a:avLst/>
-            <a:gdLst/>
-            <a:ahLst/>
-            <a:cxnLst/>
-            <a:rect l="l" t="t" r="r" b="b"/>
-            <a:pathLst>
-              <a:path w="4699000" h="1739900">
-                <a:moveTo>
-                  <a:pt x="0" y="0"/>
-                </a:moveTo>
-                <a:lnTo>
-                  <a:pt x="4699000" y="0"/>
-                </a:lnTo>
-                <a:lnTo>
-                  <a:pt x="4699000" y="1739900"/>
-                </a:lnTo>
-                <a:lnTo>
-                  <a:pt x="0" y="1739900"/>
-                </a:lnTo>
-                <a:lnTo>
-                  <a:pt x="0" y="0"/>
-                </a:lnTo>
-                <a:close/>
-              </a:path>
-            </a:pathLst>
-          </a:custGeom>
-          <a:solidFill>
-            <a:srgbClr val="FFFFFF"/>
-          </a:solidFill>
-        </p:spPr>
-        <p:txBody>
-          <a:bodyPr wrap="square" lIns="0" tIns="0" rIns="0" bIns="0" rtlCol="0"/>
-          <a:lstStyle/>
-          <a:p>
-            <a:endParaRPr sz="1234"/>
-          </a:p>
-        </p:txBody>
-      </p:sp>
-      <p:sp>
-        <p:nvSpPr>
-          <p:cNvPr id="17" name="object 17"/>
-          <p:cNvSpPr/>
-          <p:nvPr/>
-        </p:nvSpPr>
-        <p:spPr>
-          <a:xfrm>
-            <a:off x="2684407" y="1096585"/>
-            <a:ext cx="3220127" cy="1192317"/>
-          </a:xfrm>
-          <a:custGeom>
-            <a:avLst/>
-            <a:gdLst/>
-            <a:ahLst/>
-            <a:cxnLst/>
-            <a:rect l="l" t="t" r="r" b="b"/>
-            <a:pathLst>
-              <a:path w="4699000" h="1739900">
-                <a:moveTo>
-                  <a:pt x="0" y="0"/>
-                </a:moveTo>
-                <a:lnTo>
-                  <a:pt x="4699000" y="0"/>
-                </a:lnTo>
-                <a:lnTo>
-                  <a:pt x="4699000" y="1739900"/>
-                </a:lnTo>
-                <a:lnTo>
-                  <a:pt x="0" y="1739900"/>
-                </a:lnTo>
-                <a:lnTo>
-                  <a:pt x="0" y="0"/>
-                </a:lnTo>
-                <a:close/>
-              </a:path>
-            </a:pathLst>
-          </a:custGeom>
-          <a:ln w="50800">
-            <a:solidFill>
-              <a:srgbClr val="000000"/>
-            </a:solidFill>
-          </a:ln>
-        </p:spPr>
-        <p:txBody>
-          <a:bodyPr wrap="square" lIns="0" tIns="0" rIns="0" bIns="0" rtlCol="0"/>
-          <a:lstStyle/>
-          <a:p>
-            <a:endParaRPr sz="1234"/>
-          </a:p>
-        </p:txBody>
-      </p:sp>
-      <p:sp>
-        <p:nvSpPr>
-          <p:cNvPr id="20" name="object 16"/>
-          <p:cNvSpPr txBox="1"/>
-          <p:nvPr/>
-        </p:nvSpPr>
-        <p:spPr>
-          <a:xfrm>
-            <a:off x="1821500" y="280832"/>
-            <a:ext cx="5172219" cy="371897"/>
-          </a:xfrm>
-          <a:prstGeom prst="rect">
-            <a:avLst/>
-          </a:prstGeom>
-        </p:spPr>
-        <p:txBody>
-          <a:bodyPr vert="horz" wrap="square" lIns="0" tIns="0" rIns="0" bIns="0" rtlCol="0">
-            <a:spAutoFit/>
-          </a:bodyPr>
-          <a:lstStyle/>
-          <a:p>
-            <a:pPr marL="8703" marR="3481">
-              <a:lnSpc>
-                <a:spcPts val="2947"/>
-              </a:lnSpc>
-              <a:tabLst>
-                <a:tab pos="1128384" algn="l"/>
-                <a:tab pos="1488266" algn="l"/>
-                <a:tab pos="1795493" algn="l"/>
-                <a:tab pos="1918210" algn="l"/>
-                <a:tab pos="2016557" algn="l"/>
-                <a:tab pos="2231094" algn="l"/>
-                <a:tab pos="2277656" algn="l"/>
-                <a:tab pos="3426928" algn="l"/>
-                <a:tab pos="3652779" algn="l"/>
-                <a:tab pos="4379070" algn="l"/>
-              </a:tabLst>
-            </a:pPr>
-            <a:r>
-              <a:rPr lang="en-US" sz="2467" spc="10" dirty="0">
+              <a:t>M. </a:t>
+            </a:r>
+            <a:r>
+              <a:rPr sz="2000" spc="35" dirty="0">
                 <a:latin typeface="Arial"/>
                 <a:cs typeface="Arial"/>
               </a:rPr>
-              <a:t>What about now?</a:t>
-            </a:r>
-            <a:endParaRPr sz="2467" dirty="0">
-              <a:latin typeface="Arial"/>
-              <a:cs typeface="Arial"/>
-            </a:endParaRPr>
-          </a:p>
-        </p:txBody>
-      </p:sp>
-      <p:sp>
-        <p:nvSpPr>
-          <p:cNvPr id="19" name="TextBox 18"/>
-          <p:cNvSpPr txBox="1"/>
-          <p:nvPr/>
-        </p:nvSpPr>
-        <p:spPr>
-          <a:xfrm>
-            <a:off x="1640041" y="6314607"/>
-            <a:ext cx="3493072" cy="369332"/>
-          </a:xfrm>
-          <a:prstGeom prst="rect">
-            <a:avLst/>
-          </a:prstGeom>
-          <a:noFill/>
-        </p:spPr>
-        <p:txBody>
-          <a:bodyPr wrap="none" rtlCol="0">
-            <a:spAutoFit/>
-          </a:bodyPr>
-          <a:lstStyle/>
-          <a:p>
-            <a:r>
-              <a:rPr lang="en-US" dirty="0"/>
-              <a:t>Figures revised by </a:t>
-            </a:r>
-            <a:r>
-              <a:rPr lang="en-US" dirty="0">
-                <a:hlinkClick r:id="rId5"/>
+              <a:t>Bostock.</a:t>
+            </a:r>
+            <a:r>
+              <a:rPr sz="2000" spc="20" dirty="0">
+                <a:latin typeface="Arial"/>
+                <a:cs typeface="Arial"/>
               </a:rPr>
-              <a:t>Hadley Wickham</a:t>
-            </a:r>
-            <a:endParaRPr lang="en-US" dirty="0"/>
+              <a:t> C</a:t>
+            </a:r>
+            <a:r>
+              <a:rPr sz="2000" spc="-45" dirty="0">
+                <a:latin typeface="Arial"/>
+                <a:cs typeface="Arial"/>
+              </a:rPr>
+              <a:t>r</a:t>
+            </a:r>
+            <a:r>
+              <a:rPr sz="2000" spc="25" dirty="0">
+                <a:latin typeface="Arial"/>
+                <a:cs typeface="Arial"/>
+              </a:rPr>
+              <a:t>owdsou</a:t>
+            </a:r>
+            <a:r>
+              <a:rPr sz="2000" spc="-30" dirty="0">
+                <a:latin typeface="Arial"/>
+                <a:cs typeface="Arial"/>
+              </a:rPr>
+              <a:t>r</a:t>
+            </a:r>
+            <a:r>
+              <a:rPr sz="2000" spc="20" dirty="0">
+                <a:latin typeface="Arial"/>
+                <a:cs typeface="Arial"/>
+              </a:rPr>
+              <a:t>cing</a:t>
+            </a:r>
+            <a:r>
+              <a:rPr sz="2000" spc="10" dirty="0">
+                <a:latin typeface="Arial"/>
+                <a:cs typeface="Arial"/>
+              </a:rPr>
+              <a:t> graphical</a:t>
+            </a:r>
+            <a:r>
+              <a:rPr sz="2000" dirty="0">
+                <a:latin typeface="Arial"/>
+                <a:cs typeface="Arial"/>
+              </a:rPr>
+              <a:t> </a:t>
+            </a:r>
+            <a:r>
+              <a:rPr sz="2000" spc="10" dirty="0">
+                <a:latin typeface="Arial"/>
+                <a:cs typeface="Arial"/>
+              </a:rPr>
+              <a:t>pe</a:t>
+            </a:r>
+            <a:r>
+              <a:rPr sz="2000" spc="-40" dirty="0">
+                <a:latin typeface="Arial"/>
+                <a:cs typeface="Arial"/>
+              </a:rPr>
+              <a:t>r</a:t>
+            </a:r>
+            <a:r>
+              <a:rPr sz="2000" spc="30" dirty="0">
+                <a:latin typeface="Arial"/>
+                <a:cs typeface="Arial"/>
+              </a:rPr>
+              <a:t>ception:</a:t>
+            </a:r>
+            <a:r>
+              <a:rPr sz="2000" spc="20" dirty="0">
+                <a:latin typeface="Arial"/>
+                <a:cs typeface="Arial"/>
+              </a:rPr>
+              <a:t> </a:t>
+            </a:r>
+            <a:r>
+              <a:rPr sz="2000" dirty="0">
+                <a:latin typeface="Arial"/>
+                <a:cs typeface="Arial"/>
+              </a:rPr>
+              <a:t>Using mechanical </a:t>
+            </a:r>
+            <a:r>
+              <a:rPr sz="2000" spc="30" dirty="0">
+                <a:latin typeface="Arial"/>
+                <a:cs typeface="Arial"/>
+              </a:rPr>
+              <a:t>turk</a:t>
+            </a:r>
+            <a:r>
+              <a:rPr sz="2000" dirty="0">
+                <a:latin typeface="Arial"/>
+                <a:cs typeface="Arial"/>
+              </a:rPr>
+              <a:t> </a:t>
+            </a:r>
+            <a:r>
+              <a:rPr sz="2000" spc="60" dirty="0">
+                <a:latin typeface="Arial"/>
+                <a:cs typeface="Arial"/>
+              </a:rPr>
+              <a:t>to</a:t>
+            </a:r>
+            <a:r>
+              <a:rPr sz="2000" dirty="0">
+                <a:latin typeface="Arial"/>
+                <a:cs typeface="Arial"/>
+              </a:rPr>
+              <a:t> </a:t>
+            </a:r>
+            <a:r>
+              <a:rPr sz="2000" spc="-30" dirty="0">
+                <a:latin typeface="Arial"/>
+                <a:cs typeface="Arial"/>
+              </a:rPr>
+              <a:t>assess</a:t>
+            </a:r>
+            <a:r>
+              <a:rPr sz="2000" spc="-15" dirty="0">
+                <a:latin typeface="Arial"/>
+                <a:cs typeface="Arial"/>
+              </a:rPr>
+              <a:t> visualization</a:t>
+            </a:r>
+            <a:r>
+              <a:rPr sz="2000" dirty="0">
+                <a:latin typeface="Arial"/>
+                <a:cs typeface="Arial"/>
+              </a:rPr>
+              <a:t> </a:t>
+            </a:r>
+            <a:r>
+              <a:rPr sz="2000" spc="10" dirty="0">
+                <a:latin typeface="Arial"/>
+                <a:cs typeface="Arial"/>
+              </a:rPr>
+              <a:t>design.</a:t>
+            </a:r>
+            <a:r>
+              <a:rPr sz="2000" spc="5" dirty="0">
+                <a:latin typeface="Arial"/>
+                <a:cs typeface="Arial"/>
+              </a:rPr>
+              <a:t> </a:t>
+            </a:r>
+            <a:r>
+              <a:rPr sz="2000" spc="-35" dirty="0">
+                <a:latin typeface="Arial"/>
+                <a:cs typeface="Arial"/>
+              </a:rPr>
+              <a:t>In</a:t>
+            </a:r>
+            <a:r>
+              <a:rPr sz="2000" dirty="0">
+                <a:latin typeface="Arial"/>
+                <a:cs typeface="Arial"/>
+              </a:rPr>
+              <a:t> </a:t>
+            </a:r>
+            <a:r>
+              <a:rPr sz="2000" i="1" spc="-30" dirty="0">
+                <a:latin typeface="Arial"/>
+                <a:cs typeface="Arial"/>
+              </a:rPr>
+              <a:t>CHI</a:t>
+            </a:r>
+            <a:r>
+              <a:rPr sz="2000" i="1" dirty="0">
+                <a:latin typeface="Arial"/>
+                <a:cs typeface="Arial"/>
+              </a:rPr>
+              <a:t> 201</a:t>
+            </a:r>
+            <a:r>
+              <a:rPr sz="2000" i="1" spc="-5" dirty="0">
+                <a:latin typeface="Arial"/>
+                <a:cs typeface="Arial"/>
+              </a:rPr>
+              <a:t>0</a:t>
+            </a:r>
+            <a:r>
+              <a:rPr sz="2000" dirty="0">
+                <a:latin typeface="Arial"/>
+                <a:cs typeface="Arial"/>
+              </a:rPr>
+              <a:t>, 2010.</a:t>
+            </a:r>
           </a:p>
         </p:txBody>
       </p:sp>
     </p:spTree>
     <p:extLst>
       <p:ext uri="{BB962C8B-B14F-4D97-AF65-F5344CB8AC3E}">
-        <p14:creationId xmlns:p14="http://schemas.microsoft.com/office/powerpoint/2010/main" val="2390526588"/>
+        <p14:creationId xmlns:p14="http://schemas.microsoft.com/office/powerpoint/2010/main" val="3418331744"/>
       </p:ext>
     </p:extLst>
   </p:cSld>
@@ -16040,9 +16080,46 @@
           </a:p>
         </p:txBody>
       </p:sp>
+      <p:sp>
+        <p:nvSpPr>
+          <p:cNvPr id="6" name="TextBox 5"/>
+          <p:cNvSpPr txBox="1"/>
+          <p:nvPr/>
+        </p:nvSpPr>
+        <p:spPr>
+          <a:xfrm>
+            <a:off x="1676400" y="6411220"/>
+            <a:ext cx="4879028" cy="369332"/>
+          </a:xfrm>
+          <a:prstGeom prst="rect">
+            <a:avLst/>
+          </a:prstGeom>
+          <a:noFill/>
+        </p:spPr>
+        <p:txBody>
+          <a:bodyPr wrap="none" rtlCol="0">
+            <a:spAutoFit/>
+          </a:bodyPr>
+          <a:lstStyle/>
+          <a:p>
+            <a:r>
+              <a:rPr lang="en-US" dirty="0"/>
+              <a:t>From Ben Jones, </a:t>
+            </a:r>
+            <a:r>
+              <a:rPr lang="en-US" i="1" dirty="0"/>
+              <a:t>Visualizing Data with Tableau</a:t>
+            </a:r>
+            <a:r>
+              <a:rPr lang="en-US" dirty="0"/>
+              <a:t>, p9</a:t>
+            </a:r>
+          </a:p>
+        </p:txBody>
+      </p:sp>
       <p:pic>
         <p:nvPicPr>
-          <p:cNvPr id="6" name="Picture 5"/>
+          <p:cNvPr id="3" name="Picture 2"/>
           <p:cNvPicPr>
             <a:picLocks noChangeAspect="1"/>
           </p:cNvPicPr>
@@ -16056,274 +16133,200 @@
         </p:blipFill>
         <p:spPr>
           <a:xfrm>
-            <a:off x="1981200" y="112940"/>
-            <a:ext cx="6629400" cy="6734175"/>
+            <a:off x="2934011" y="797982"/>
+            <a:ext cx="6090649" cy="3387808"/>
           </a:xfrm>
           <a:prstGeom prst="rect">
             <a:avLst/>
           </a:prstGeom>
         </p:spPr>
       </p:pic>
-      <p:sp>
-        <p:nvSpPr>
-          <p:cNvPr id="7" name="object 188"/>
+      <p:pic>
+        <p:nvPicPr>
+          <p:cNvPr id="7" name="Picture 2" descr="https://upload.wikimedia.org/wikipedia/commons/thumb/0/0d/HSV_color_solid_cylinder_alpha_lowgamma.png/1280px-HSV_color_solid_cylinder_alpha_lowgamma.png"/>
+          <p:cNvPicPr>
+            <a:picLocks noChangeAspect="1" noChangeArrowheads="1"/>
+          </p:cNvPicPr>
+          <p:nvPr/>
+        </p:nvPicPr>
+        <p:blipFill>
+          <a:blip r:embed="rId3" cstate="print">
+            <a:extLst>
+              <a:ext uri="{28A0092B-C50C-407E-A947-70E740481C1C}">
+                <a14:useLocalDpi xmlns:a14="http://schemas.microsoft.com/office/drawing/2010/main" val="0"/>
+              </a:ext>
+            </a:extLst>
+          </a:blip>
+          <a:srcRect/>
+          <a:stretch>
+            <a:fillRect/>
+          </a:stretch>
+        </p:blipFill>
+        <p:spPr bwMode="auto">
+          <a:xfrm>
+            <a:off x="4935869" y="4343400"/>
+            <a:ext cx="2331866" cy="1752600"/>
+          </a:xfrm>
+          <a:prstGeom prst="rect">
+            <a:avLst/>
+          </a:prstGeom>
+          <a:noFill/>
+          <a:extLst>
+            <a:ext uri="{909E8E84-426E-40DD-AFC4-6F175D3DCCD1}">
+              <a14:hiddenFill xmlns:a14="http://schemas.microsoft.com/office/drawing/2010/main">
+                <a:solidFill>
+                  <a:srgbClr val="FFFFFF"/>
+                </a:solidFill>
+              </a14:hiddenFill>
+            </a:ext>
+          </a:extLst>
+        </p:spPr>
+      </p:pic>
+      <p:sp>
+        <p:nvSpPr>
+          <p:cNvPr id="8" name="TextBox 7"/>
           <p:cNvSpPr txBox="1"/>
           <p:nvPr/>
         </p:nvSpPr>
         <p:spPr>
           <a:xfrm>
-            <a:off x="7631748" y="3480026"/>
-            <a:ext cx="3024505" cy="2154436"/>
+            <a:off x="1491254" y="2851897"/>
+            <a:ext cx="1155124" cy="923330"/>
           </a:xfrm>
           <a:prstGeom prst="rect">
             <a:avLst/>
           </a:prstGeom>
-        </p:spPr>
-        <p:txBody>
-          <a:bodyPr vert="horz" wrap="square" lIns="0" tIns="0" rIns="0" bIns="0" rtlCol="0">
+          <a:noFill/>
+        </p:spPr>
+        <p:txBody>
+          <a:bodyPr wrap="none" rtlCol="0">
             <a:spAutoFit/>
           </a:bodyPr>
           <a:lstStyle/>
           <a:p>
-            <a:pPr marR="6350" algn="r"/>
-            <a:r>
-              <a:rPr sz="2000" spc="15" dirty="0">
-                <a:latin typeface="Arial"/>
-                <a:cs typeface="Arial"/>
-              </a:rPr>
-              <a:t>J. </a:t>
-            </a:r>
-            <a:r>
-              <a:rPr sz="2000" spc="-30" dirty="0">
-                <a:latin typeface="Arial"/>
-                <a:cs typeface="Arial"/>
-              </a:rPr>
-              <a:t>Heer </a:t>
-            </a:r>
-            <a:r>
-              <a:rPr sz="2000" spc="10" dirty="0">
-                <a:latin typeface="Arial"/>
-                <a:cs typeface="Arial"/>
-              </a:rPr>
-              <a:t>and</a:t>
-            </a:r>
-            <a:endParaRPr sz="2000" dirty="0">
-              <a:latin typeface="Arial"/>
-              <a:cs typeface="Arial"/>
-            </a:endParaRPr>
-          </a:p>
-          <a:p>
-            <a:pPr marL="12700" marR="5080" indent="1279525" algn="r"/>
-            <a:r>
-              <a:rPr sz="2000" spc="40" dirty="0">
-                <a:latin typeface="Arial"/>
-                <a:cs typeface="Arial"/>
-              </a:rPr>
-              <a:t>M. </a:t>
-            </a:r>
-            <a:r>
-              <a:rPr sz="2000" spc="35" dirty="0">
-                <a:latin typeface="Arial"/>
-                <a:cs typeface="Arial"/>
-              </a:rPr>
-              <a:t>Bostock.</a:t>
-            </a:r>
-            <a:r>
-              <a:rPr sz="2000" spc="20" dirty="0">
-                <a:latin typeface="Arial"/>
-                <a:cs typeface="Arial"/>
-              </a:rPr>
-              <a:t> C</a:t>
-            </a:r>
-            <a:r>
-              <a:rPr sz="2000" spc="-45" dirty="0">
-                <a:latin typeface="Arial"/>
-                <a:cs typeface="Arial"/>
-              </a:rPr>
-              <a:t>r</a:t>
-            </a:r>
-            <a:r>
-              <a:rPr sz="2000" spc="25" dirty="0">
-                <a:latin typeface="Arial"/>
-                <a:cs typeface="Arial"/>
-              </a:rPr>
-              <a:t>owdsou</a:t>
-            </a:r>
-            <a:r>
-              <a:rPr sz="2000" spc="-30" dirty="0">
-                <a:latin typeface="Arial"/>
-                <a:cs typeface="Arial"/>
-              </a:rPr>
-              <a:t>r</a:t>
-            </a:r>
-            <a:r>
-              <a:rPr sz="2000" spc="20" dirty="0">
-                <a:latin typeface="Arial"/>
-                <a:cs typeface="Arial"/>
-              </a:rPr>
-              <a:t>cing</a:t>
-            </a:r>
-            <a:r>
-              <a:rPr sz="2000" spc="10" dirty="0">
-                <a:latin typeface="Arial"/>
-                <a:cs typeface="Arial"/>
-              </a:rPr>
-              <a:t> graphical</a:t>
-            </a:r>
-            <a:r>
-              <a:rPr sz="2000" dirty="0">
-                <a:latin typeface="Arial"/>
-                <a:cs typeface="Arial"/>
-              </a:rPr>
-              <a:t> </a:t>
-            </a:r>
-            <a:r>
-              <a:rPr sz="2000" spc="10" dirty="0">
-                <a:latin typeface="Arial"/>
-                <a:cs typeface="Arial"/>
-              </a:rPr>
-              <a:t>pe</a:t>
-            </a:r>
-            <a:r>
-              <a:rPr sz="2000" spc="-40" dirty="0">
-                <a:latin typeface="Arial"/>
-                <a:cs typeface="Arial"/>
-              </a:rPr>
-              <a:t>r</a:t>
-            </a:r>
-            <a:r>
-              <a:rPr sz="2000" spc="30" dirty="0">
-                <a:latin typeface="Arial"/>
-                <a:cs typeface="Arial"/>
-              </a:rPr>
-              <a:t>ception:</a:t>
-            </a:r>
-            <a:r>
-              <a:rPr sz="2000" spc="20" dirty="0">
-                <a:latin typeface="Arial"/>
-                <a:cs typeface="Arial"/>
-              </a:rPr>
-              <a:t> </a:t>
-            </a:r>
-            <a:r>
-              <a:rPr sz="2000" dirty="0">
-                <a:latin typeface="Arial"/>
-                <a:cs typeface="Arial"/>
-              </a:rPr>
-              <a:t>Using mechanical </a:t>
-            </a:r>
-            <a:r>
-              <a:rPr sz="2000" spc="30" dirty="0">
-                <a:latin typeface="Arial"/>
-                <a:cs typeface="Arial"/>
-              </a:rPr>
-              <a:t>turk</a:t>
-            </a:r>
-            <a:r>
-              <a:rPr sz="2000" dirty="0">
-                <a:latin typeface="Arial"/>
-                <a:cs typeface="Arial"/>
-              </a:rPr>
-              <a:t> </a:t>
-            </a:r>
-            <a:r>
-              <a:rPr sz="2000" spc="60" dirty="0">
-                <a:latin typeface="Arial"/>
-                <a:cs typeface="Arial"/>
-              </a:rPr>
-              <a:t>to</a:t>
-            </a:r>
-            <a:r>
-              <a:rPr sz="2000" dirty="0">
-                <a:latin typeface="Arial"/>
-                <a:cs typeface="Arial"/>
-              </a:rPr>
-              <a:t> </a:t>
-            </a:r>
-            <a:r>
-              <a:rPr sz="2000" spc="-30" dirty="0">
-                <a:latin typeface="Arial"/>
-                <a:cs typeface="Arial"/>
-              </a:rPr>
-              <a:t>assess</a:t>
-            </a:r>
-            <a:r>
-              <a:rPr sz="2000" spc="-15" dirty="0">
-                <a:latin typeface="Arial"/>
-                <a:cs typeface="Arial"/>
-              </a:rPr>
-              <a:t> visualization</a:t>
-            </a:r>
-            <a:r>
-              <a:rPr sz="2000" dirty="0">
-                <a:latin typeface="Arial"/>
-                <a:cs typeface="Arial"/>
-              </a:rPr>
-              <a:t> </a:t>
-            </a:r>
-            <a:r>
-              <a:rPr sz="2000" spc="10" dirty="0">
-                <a:latin typeface="Arial"/>
-                <a:cs typeface="Arial"/>
-              </a:rPr>
-              <a:t>design.</a:t>
-            </a:r>
-            <a:r>
-              <a:rPr sz="2000" spc="5" dirty="0">
-                <a:latin typeface="Arial"/>
-                <a:cs typeface="Arial"/>
-              </a:rPr>
-              <a:t> </a:t>
-            </a:r>
-            <a:r>
-              <a:rPr sz="2000" spc="-35" dirty="0">
-                <a:latin typeface="Arial"/>
-                <a:cs typeface="Arial"/>
-              </a:rPr>
-              <a:t>In</a:t>
-            </a:r>
-            <a:r>
-              <a:rPr sz="2000" dirty="0">
-                <a:latin typeface="Arial"/>
-                <a:cs typeface="Arial"/>
-              </a:rPr>
-              <a:t> </a:t>
-            </a:r>
-            <a:r>
-              <a:rPr sz="2000" i="1" spc="-30" dirty="0">
-                <a:latin typeface="Arial"/>
-                <a:cs typeface="Arial"/>
-              </a:rPr>
-              <a:t>CHI</a:t>
-            </a:r>
-            <a:r>
-              <a:rPr sz="2000" i="1" dirty="0">
-                <a:latin typeface="Arial"/>
-                <a:cs typeface="Arial"/>
-              </a:rPr>
-              <a:t> 201</a:t>
-            </a:r>
-            <a:r>
-              <a:rPr sz="2000" i="1" spc="-5" dirty="0">
-                <a:latin typeface="Arial"/>
-                <a:cs typeface="Arial"/>
-              </a:rPr>
-              <a:t>0</a:t>
-            </a:r>
-            <a:r>
-              <a:rPr sz="2000" dirty="0">
-                <a:latin typeface="Arial"/>
-                <a:cs typeface="Arial"/>
-              </a:rPr>
-              <a:t>, 2010.</a:t>
-            </a:r>
-          </a:p>
-        </p:txBody>
-      </p:sp>
+            <a:r>
+              <a:rPr lang="en-US" dirty="0"/>
+              <a:t>Value</a:t>
+            </a:r>
+          </a:p>
+          <a:p>
+            <a:r>
+              <a:rPr lang="en-US" dirty="0"/>
+              <a:t>Saturation</a:t>
+            </a:r>
+          </a:p>
+          <a:p>
+            <a:r>
+              <a:rPr lang="en-US" dirty="0" smtClean="0"/>
+              <a:t>Hue</a:t>
+            </a:r>
+            <a:endParaRPr lang="en-US" dirty="0"/>
+          </a:p>
+        </p:txBody>
+      </p:sp>
+      <p:cxnSp>
+        <p:nvCxnSpPr>
+          <p:cNvPr id="10" name="Straight Arrow Connector 9"/>
+          <p:cNvCxnSpPr/>
+          <p:nvPr/>
+        </p:nvCxnSpPr>
+        <p:spPr>
+          <a:xfrm flipV="1">
+            <a:off x="2191699" y="2851897"/>
+            <a:ext cx="954228" cy="202059"/>
+          </a:xfrm>
+          <a:prstGeom prst="straightConnector1">
+            <a:avLst/>
+          </a:prstGeom>
+          <a:ln>
+            <a:tailEnd type="triangle"/>
+          </a:ln>
+        </p:spPr>
+        <p:style>
+          <a:lnRef idx="1">
+            <a:schemeClr val="accent1"/>
+          </a:lnRef>
+          <a:fillRef idx="0">
+            <a:schemeClr val="accent1"/>
+          </a:fillRef>
+          <a:effectRef idx="0">
+            <a:schemeClr val="accent1"/>
+          </a:effectRef>
+          <a:fontRef idx="minor">
+            <a:schemeClr val="tx1"/>
+          </a:fontRef>
+        </p:style>
+      </p:cxnSp>
+      <p:cxnSp>
+        <p:nvCxnSpPr>
+          <p:cNvPr id="13" name="Straight Arrow Connector 12"/>
+          <p:cNvCxnSpPr/>
+          <p:nvPr/>
+        </p:nvCxnSpPr>
+        <p:spPr>
+          <a:xfrm flipV="1">
+            <a:off x="2620756" y="3211261"/>
+            <a:ext cx="525171" cy="113162"/>
+          </a:xfrm>
+          <a:prstGeom prst="straightConnector1">
+            <a:avLst/>
+          </a:prstGeom>
+          <a:ln>
+            <a:tailEnd type="triangle"/>
+          </a:ln>
+        </p:spPr>
+        <p:style>
+          <a:lnRef idx="1">
+            <a:schemeClr val="accent1"/>
+          </a:lnRef>
+          <a:fillRef idx="0">
+            <a:schemeClr val="accent1"/>
+          </a:fillRef>
+          <a:effectRef idx="0">
+            <a:schemeClr val="accent1"/>
+          </a:effectRef>
+          <a:fontRef idx="minor">
+            <a:schemeClr val="tx1"/>
+          </a:fontRef>
+        </p:style>
+      </p:cxnSp>
+      <p:cxnSp>
+        <p:nvCxnSpPr>
+          <p:cNvPr id="15" name="Straight Arrow Connector 14"/>
+          <p:cNvCxnSpPr/>
+          <p:nvPr/>
+        </p:nvCxnSpPr>
+        <p:spPr>
+          <a:xfrm flipV="1">
+            <a:off x="2121206" y="3494043"/>
+            <a:ext cx="1024721" cy="145600"/>
+          </a:xfrm>
+          <a:prstGeom prst="straightConnector1">
+            <a:avLst/>
+          </a:prstGeom>
+          <a:ln>
+            <a:tailEnd type="triangle"/>
+          </a:ln>
+        </p:spPr>
+        <p:style>
+          <a:lnRef idx="1">
+            <a:schemeClr val="accent1"/>
+          </a:lnRef>
+          <a:fillRef idx="0">
+            <a:schemeClr val="accent1"/>
+          </a:fillRef>
+          <a:effectRef idx="0">
+            <a:schemeClr val="accent1"/>
+          </a:effectRef>
+          <a:fontRef idx="minor">
+            <a:schemeClr val="tx1"/>
+          </a:fontRef>
+        </p:style>
+      </p:cxnSp>
     </p:spTree>
     <p:extLst>
       <p:ext uri="{BB962C8B-B14F-4D97-AF65-F5344CB8AC3E}">
-        <p14:creationId xmlns:p14="http://schemas.microsoft.com/office/powerpoint/2010/main" val="3418331744"/>
+        <p14:creationId xmlns:p14="http://schemas.microsoft.com/office/powerpoint/2010/main" val="1948850825"/>
       </p:ext>
     </p:extLst>
   </p:cSld>
@@ -16714,8 +16717,13 @@
             </a:pPr>
             <a:r>
               <a:rPr lang="en-US" sz="2000" dirty="0" smtClean="0"/>
-              <a:t>What are the variables? </a:t>
-            </a:r>
+              <a:t>What are the </a:t>
+            </a:r>
+            <a:r>
+              <a:rPr lang="en-US" sz="2000" dirty="0" smtClean="0"/>
+              <a:t>variables (think: data columns)? </a:t>
+            </a:r>
+            <a:endParaRPr lang="en-US" sz="2000" dirty="0" smtClean="0"/>
           </a:p>
           <a:p>
             <a:pPr marL="914400" lvl="1" indent="-457200">
@@ -16968,11 +16976,7 @@
           <a:p>
             <a:r>
               <a:rPr lang="en-US" sz="3200" dirty="0" smtClean="0"/>
-              <a:t>Given </a:t>
-            </a:r>
-            <a:r>
-              <a:rPr lang="en-US" sz="3200" dirty="0" smtClean="0"/>
-              <a:t>what you know now, revisit the two NYT </a:t>
+              <a:t>Given what you know now, revisit the two NYT </a:t>
             </a:r>
             <a:r>
               <a:rPr lang="en-US" sz="3200" dirty="0" err="1" smtClean="0"/>
@@ -17463,6 +17467,206 @@
 </p:sld>
 </file>
 
+<file path=ppt/slides/slide48.xml><?xml version="1.0" encoding="utf-8"?>
+<p:sld xmlns:a="http://schemas.openxmlformats.org/drawingml/2006/main" xmlns:r="http://schemas.openxmlformats.org/officeDocument/2006/relationships" xmlns:p="http://schemas.openxmlformats.org/presentationml/2006/main">
+  <p:cSld>
+    <p:spTree>
+      <p:nvGrpSpPr>
+        <p:cNvPr id="1" name=""/>
+        <p:cNvGrpSpPr/>
+        <p:nvPr/>
+      </p:nvGrpSpPr>
+      <p:grpSpPr>
+        <a:xfrm>
+          <a:off x="0" y="0"/>
+          <a:ext cx="0" cy="0"/>
+          <a:chOff x="0" y="0"/>
+          <a:chExt cx="0" cy="0"/>
+        </a:xfrm>
+      </p:grpSpPr>
+      <p:sp>
+        <p:nvSpPr>
+          <p:cNvPr id="2" name="Title 1"/>
+          <p:cNvSpPr>
+            <a:spLocks noGrp="1"/>
+          </p:cNvSpPr>
+          <p:nvPr>
+            <p:ph type="title"/>
+          </p:nvPr>
+        </p:nvSpPr>
+        <p:spPr>
+          <a:xfrm>
+            <a:off x="405245" y="365125"/>
+            <a:ext cx="10948555" cy="1325563"/>
+          </a:xfrm>
+        </p:spPr>
+        <p:txBody>
+          <a:bodyPr/>
+          <a:lstStyle/>
+          <a:p>
+            <a:r>
+              <a:rPr lang="en-US" dirty="0" smtClean="0"/>
+              <a:t>References &amp; Resources</a:t>
+            </a:r>
+            <a:endParaRPr lang="en-US" dirty="0"/>
+          </a:p>
+        </p:txBody>
+      </p:sp>
+      <p:sp>
+        <p:nvSpPr>
+          <p:cNvPr id="3" name="Content Placeholder 2"/>
+          <p:cNvSpPr>
+            <a:spLocks noGrp="1"/>
+          </p:cNvSpPr>
+          <p:nvPr>
+            <p:ph idx="1"/>
+          </p:nvPr>
+        </p:nvSpPr>
+        <p:spPr>
+          <a:xfrm>
+            <a:off x="405245" y="1825625"/>
+            <a:ext cx="11544300" cy="4351338"/>
+          </a:xfrm>
+        </p:spPr>
+        <p:txBody>
+          <a:bodyPr>
+            <a:normAutofit fontScale="92500" lnSpcReduction="10000"/>
+          </a:bodyPr>
+          <a:lstStyle/>
+          <a:p>
+            <a:r>
+              <a:rPr lang="en-US" dirty="0"/>
+              <a:t>Cleveland, William S. </a:t>
+            </a:r>
+            <a:r>
+              <a:rPr lang="en-US" i="1" dirty="0"/>
+              <a:t>The elements of graphing data</a:t>
+            </a:r>
+            <a:r>
+              <a:rPr lang="en-US" dirty="0"/>
+              <a:t>. Monterey, CA: Wadsworth Advanced Books and Software, 1985</a:t>
+            </a:r>
+            <a:r>
+              <a:rPr lang="en-US" dirty="0" smtClean="0"/>
+              <a:t>.</a:t>
+            </a:r>
+          </a:p>
+          <a:p>
+            <a:pPr marL="0" indent="0">
+              <a:buNone/>
+            </a:pPr>
+            <a:endParaRPr lang="en-US" dirty="0" smtClean="0"/>
+          </a:p>
+          <a:p>
+            <a:r>
+              <a:rPr lang="en-US" dirty="0"/>
+              <a:t>Cleveland, William S., and Robert McGill. "Graphical perception: Theory, experimentation, and application to the development of graphical methods." </a:t>
+            </a:r>
+            <a:r>
+              <a:rPr lang="en-US" i="1" dirty="0"/>
+              <a:t>Journal of the American statistical association</a:t>
+            </a:r>
+            <a:r>
+              <a:rPr lang="en-US" dirty="0"/>
+              <a:t> </a:t>
+            </a:r>
+            <a:r>
+              <a:rPr lang="en-US" dirty="0" smtClean="0"/>
+              <a:t>79:387 </a:t>
+            </a:r>
+            <a:r>
+              <a:rPr lang="en-US" dirty="0"/>
+              <a:t>(1984): 531-554.</a:t>
+            </a:r>
+          </a:p>
+          <a:p>
+            <a:pPr marL="0" indent="0">
+              <a:buNone/>
+            </a:pPr>
+            <a:endParaRPr lang="en-US" i="1" dirty="0"/>
+          </a:p>
+          <a:p>
+            <a:r>
+              <a:rPr lang="en-US" dirty="0"/>
+              <a:t>Robbins, Naomi B. </a:t>
+            </a:r>
+            <a:r>
+              <a:rPr lang="en-US" i="1" dirty="0"/>
+              <a:t>Creating more effective graphs</a:t>
+            </a:r>
+            <a:r>
+              <a:rPr lang="en-US" dirty="0"/>
+              <a:t>. </a:t>
+            </a:r>
+            <a:r>
+              <a:rPr lang="en-US" dirty="0" smtClean="0"/>
+              <a:t>Chart House, 2013.</a:t>
+            </a:r>
+            <a:endParaRPr lang="en-US" dirty="0"/>
+          </a:p>
+          <a:p>
+            <a:pPr marL="0" indent="0">
+              <a:buNone/>
+            </a:pPr>
+            <a:endParaRPr lang="en-US" i="1" dirty="0"/>
+          </a:p>
+          <a:p>
+            <a:r>
+              <a:rPr lang="en-US" dirty="0" err="1"/>
+              <a:t>Tufte</a:t>
+            </a:r>
+            <a:r>
+              <a:rPr lang="en-US" dirty="0"/>
+              <a:t>, Edward. </a:t>
+            </a:r>
+            <a:r>
+              <a:rPr lang="en-US" i="1" dirty="0" smtClean="0"/>
+              <a:t>The </a:t>
+            </a:r>
+            <a:r>
+              <a:rPr lang="en-US" i="1" dirty="0"/>
+              <a:t>Visual Display of Quantitative </a:t>
+            </a:r>
+            <a:r>
+              <a:rPr lang="en-US" i="1" dirty="0" smtClean="0"/>
+              <a:t>Information</a:t>
+            </a:r>
+            <a:r>
+              <a:rPr lang="en-US" dirty="0" smtClean="0"/>
+              <a:t>.  Graphics Press; 2</a:t>
+            </a:r>
+            <a:r>
+              <a:rPr lang="en-US" baseline="30000" dirty="0" smtClean="0"/>
+              <a:t>nd</a:t>
+            </a:r>
+            <a:r>
+              <a:rPr lang="en-US" dirty="0" smtClean="0"/>
+              <a:t> edition.  1983.</a:t>
+            </a:r>
+            <a:endParaRPr lang="en-US" dirty="0"/>
+          </a:p>
+        </p:txBody>
+      </p:sp>
+    </p:spTree>
+    <p:extLst>
+      <p:ext uri="{BB962C8B-B14F-4D97-AF65-F5344CB8AC3E}">
+        <p14:creationId xmlns:p14="http://schemas.microsoft.com/office/powerpoint/2010/main" val="1192790663"/>
+      </p:ext>
+    </p:extLst>
+  </p:cSld>
+  <p:clrMapOvr>
+    <a:masterClrMapping/>
+  </p:clrMapOvr>
+  <p:timing>
+    <p:tnLst>
+      <p:par>
+        <p:cTn id="1" dur="indefinite" restart="never" nodeType="tmRoot"/>
+      </p:par>
+    </p:tnLst>
+  </p:timing>
+</p:sld>
+</file>
+
 <file path=ppt/slides/slide5.xml><?xml version="1.0" encoding="utf-8"?>
 <p:sld xmlns:a="http://schemas.openxmlformats.org/drawingml/2006/main" xmlns:r="http://schemas.openxmlformats.org/officeDocument/2006/relationships" xmlns:p="http://schemas.openxmlformats.org/presentationml/2006/main">
   <p:cSld>
@@ -17487,94 +17691,40 @@
             <a:spLocks noGrp="1"/>
           </p:cNvSpPr>
           <p:nvPr>
-            <p:ph type="title"/>
+            <p:ph type="ctrTitle"/>
           </p:nvPr>
         </p:nvSpPr>
-        <p:spPr/>
+        <p:spPr>
+          <a:xfrm>
+            <a:off x="0" y="2521395"/>
+            <a:ext cx="12124944" cy="1063053"/>
+          </a:xfrm>
+        </p:spPr>
         <p:txBody>
           <a:bodyPr>
-            <a:normAutofit/>
+            <a:noAutofit/>
           </a:bodyPr>
           <a:lstStyle/>
           <a:p>
             <a:r>
-              <a:rPr lang="en-US" u="none" dirty="0" err="1" smtClean="0"/>
-              <a:t>Anscombe’s</a:t>
-            </a:r>
-            <a:r>
-              <a:rPr lang="en-US" u="none" dirty="0" smtClean="0"/>
-              <a:t> Quartet</a:t>
-            </a:r>
-            <a:endParaRPr lang="en-US" u="none" dirty="0"/>
-          </a:p>
-        </p:txBody>
-      </p:sp>
-      <p:sp>
-        <p:nvSpPr>
-          <p:cNvPr id="4" name="Slide Number Placeholder 3"/>
-          <p:cNvSpPr>
-            <a:spLocks noGrp="1"/>
-          </p:cNvSpPr>
-          <p:nvPr>
-            <p:ph type="sldNum" sz="quarter" idx="12"/>
-          </p:nvPr>
-        </p:nvSpPr>
-        <p:spPr/>
-        <p:txBody>
-          <a:bodyPr/>
-          <a:lstStyle/>
-          <a:p>
-            <a:fld id="{D4010A75-1353-4FD1-9402-18D25FE6440E}" type="slidenum">
-              <a:rPr lang="en-US" smtClean="0"/>
-              <a:t>5</a:t>
-            </a:fld>
-            <a:endParaRPr lang="en-US"/>
-          </a:p>
-        </p:txBody>
-      </p:sp>
-      <p:pic>
-        <p:nvPicPr>
-          <p:cNvPr id="6" name="Picture 2" descr="http://strajk.me/notes/2012/the-visual-display-of-quantitative-information-by-edward-r-tufte/assets/001.png"/>
-          <p:cNvPicPr>
-            <a:picLocks noChangeAspect="1" noChangeArrowheads="1"/>
-          </p:cNvPicPr>
-          <p:nvPr/>
-        </p:nvPicPr>
-        <p:blipFill rotWithShape="1">
-          <a:blip r:embed="rId2">
-            <a:extLst>
-              <a:ext uri="{28A0092B-C50C-407E-A947-70E740481C1C}">
-                <a14:useLocalDpi xmlns:a14="http://schemas.microsoft.com/office/drawing/2010/main" val="0"/>
-              </a:ext>
-            </a:extLst>
-          </a:blip>
-          <a:srcRect l="45313"/>
-          <a:stretch/>
-        </p:blipFill>
-        <p:spPr bwMode="auto">
-          <a:xfrm>
-            <a:off x="2398776" y="1690688"/>
-            <a:ext cx="6324600" cy="4585335"/>
-          </a:xfrm>
-          <a:prstGeom prst="rect">
-            <a:avLst/>
-          </a:prstGeom>
-          <a:noFill/>
-          <a:extLst>
-            <a:ext uri="{909E8E84-426E-40DD-AFC4-6F175D3DCCD1}">
-              <a14:hiddenFill xmlns:a14="http://schemas.microsoft.com/office/drawing/2010/main">
-                <a:solidFill>
-                  <a:srgbClr val="FFFFFF"/>
-                </a:solidFill>
-              </a14:hiddenFill>
-            </a:ext>
-          </a:extLst>
-        </p:spPr>
-      </p:pic>
+              <a:rPr lang="en-US" sz="5400" u="sng" dirty="0"/>
+              <a:t>Principles of </a:t>
+            </a:r>
+            <a:r>
+              <a:rPr lang="en-US" sz="5400" u="sng" dirty="0" smtClean="0"/>
+              <a:t>effective data </a:t>
+            </a:r>
+            <a:r>
+              <a:rPr lang="en-US" sz="5400" u="sng" dirty="0"/>
+              <a:t>visualization</a:t>
+            </a:r>
+          </a:p>
+        </p:txBody>
+      </p:sp>
     </p:spTree>
     <p:extLst>
       <p:ext uri="{BB962C8B-B14F-4D97-AF65-F5344CB8AC3E}">
-        <p14:creationId xmlns:p14="http://schemas.microsoft.com/office/powerpoint/2010/main" val="1436471835"/>
+        <p14:creationId xmlns:p14="http://schemas.microsoft.com/office/powerpoint/2010/main" val="744741289"/>
       </p:ext>
     </p:extLst>
   </p:cSld>
@@ -17618,25 +17768,14 @@
             <p:ph type="title"/>
           </p:nvPr>
         </p:nvSpPr>
-        <p:spPr>
-          <a:xfrm>
-            <a:off x="838200" y="365125"/>
-            <a:ext cx="10515600" cy="622427"/>
-          </a:xfrm>
-        </p:spPr>
-        <p:txBody>
-          <a:bodyPr>
-            <a:normAutofit fontScale="90000"/>
-          </a:bodyPr>
-          <a:lstStyle/>
-          <a:p>
-            <a:r>
-              <a:rPr lang="en-US" dirty="0" err="1" smtClean="0"/>
-              <a:t>Datasaurus</a:t>
-            </a:r>
+        <p:spPr/>
+        <p:txBody>
+          <a:bodyPr/>
+          <a:lstStyle/>
+          <a:p>
             <a:r>
               <a:rPr lang="en-US" dirty="0" smtClean="0"/>
-              <a:t> dozen</a:t>
+              <a:t>What is an effective graph?</a:t>
             </a:r>
             <a:endParaRPr lang="en-US" dirty="0"/>
           </a:p>
@@ -17652,137 +17791,68 @@
             <p:ph idx="1"/>
           </p:nvPr>
         </p:nvSpPr>
-        <p:spPr>
-          <a:xfrm>
-            <a:off x="838200" y="987552"/>
-            <a:ext cx="10515600" cy="5189411"/>
-          </a:xfrm>
-        </p:spPr>
-        <p:txBody>
-          <a:bodyPr>
-            <a:normAutofit/>
-          </a:bodyPr>
+        <p:spPr/>
+        <p:txBody>
+          <a:bodyPr/>
           <a:lstStyle/>
           <a:p>
             <a:pPr marL="0" indent="0">
               <a:buNone/>
             </a:pPr>
-            <a:r>
-              <a:rPr lang="en-US" sz="2400" dirty="0" smtClean="0"/>
-              <a:t>E(X) = 54.26; E(Y) = 47.83; SD(X) = 16.76; SD(Y) = 26.93; </a:t>
-            </a:r>
-            <a:r>
-              <a:rPr lang="en-US" sz="2400" dirty="0" err="1" smtClean="0"/>
-              <a:t>Cor</a:t>
-            </a:r>
-            <a:r>
-              <a:rPr lang="en-US" sz="2400" dirty="0" smtClean="0"/>
-              <a:t>(X,Y) = -0.06</a:t>
-            </a:r>
-            <a:endParaRPr lang="en-US" sz="2400" dirty="0"/>
-          </a:p>
-        </p:txBody>
-      </p:sp>
-      <p:pic>
-        <p:nvPicPr>
-          <p:cNvPr id="4" name="Picture 3"/>
-          <p:cNvPicPr>
-            <a:picLocks noChangeAspect="1"/>
-          </p:cNvPicPr>
-          <p:nvPr/>
-        </p:nvPicPr>
-        <p:blipFill>
-          <a:blip r:embed="rId2"/>
-          <a:stretch>
-            <a:fillRect/>
-          </a:stretch>
-        </p:blipFill>
-        <p:spPr>
-          <a:xfrm>
-            <a:off x="535876" y="2637258"/>
-            <a:ext cx="2676525" cy="1952625"/>
-          </a:xfrm>
-          <a:prstGeom prst="rect">
-            <a:avLst/>
-          </a:prstGeom>
-        </p:spPr>
-      </p:pic>
-      <p:sp>
-        <p:nvSpPr>
-          <p:cNvPr id="7" name="TextBox 6"/>
-          <p:cNvSpPr txBox="1"/>
-          <p:nvPr/>
-        </p:nvSpPr>
-        <p:spPr>
-          <a:xfrm>
-            <a:off x="1060704" y="6071616"/>
-            <a:ext cx="9374939" cy="369332"/>
-          </a:xfrm>
-          <a:prstGeom prst="rect">
-            <a:avLst/>
-          </a:prstGeom>
-          <a:noFill/>
-        </p:spPr>
-        <p:txBody>
-          <a:bodyPr wrap="none" rtlCol="0">
-            <a:spAutoFit/>
-          </a:bodyPr>
-          <a:lstStyle/>
-          <a:p>
+            <a:endParaRPr lang="en-US" dirty="0" smtClean="0"/>
+          </a:p>
+          <a:p>
+            <a:pPr marL="0" indent="0" algn="ctr">
+              <a:buNone/>
+            </a:pPr>
+            <a:r>
+              <a:rPr lang="en-US" i="1" dirty="0" smtClean="0"/>
+              <a:t>An effective graph encodes quantitative information in a way that allows viewers to quickly and easily decode the information.</a:t>
+            </a:r>
+          </a:p>
+          <a:p>
+            <a:pPr marL="0" indent="0" algn="ctr">
+              <a:buNone/>
+            </a:pPr>
+            <a:endParaRPr lang="en-US" i="1" dirty="0"/>
+          </a:p>
+          <a:p>
+            <a:pPr marL="0" indent="0" algn="ctr">
+              <a:buNone/>
+            </a:pPr>
             <a:r>
               <a:rPr lang="en-US" dirty="0" smtClean="0"/>
-              <a:t>Justin </a:t>
-            </a:r>
-            <a:r>
-              <a:rPr lang="en-US" dirty="0" err="1" smtClean="0"/>
-              <a:t>Matejka</a:t>
+              <a:t>(Naomi Robbins, </a:t>
+            </a:r>
+            <a:r>
+              <a:rPr lang="en-US" i="1" dirty="0" smtClean="0"/>
+              <a:t>Creating More Effective Graphs, </a:t>
             </a:r>
             <a:r>
               <a:rPr lang="en-US" dirty="0" smtClean="0"/>
-              <a:t> &amp; George Fitzmaurice: </a:t>
-            </a:r>
-            <a:r>
-              <a:rPr lang="en-US" dirty="0" smtClean="0">
-                <a:hlinkClick r:id="rId3"/>
-              </a:rPr>
-              <a:t>https://www.autodeskresearch.com/publications/samestats</a:t>
+              <a:t>p6</a:t>
+            </a:r>
+            <a:r>
+              <a:rPr lang="en-US" i="1" dirty="0" smtClean="0"/>
+              <a:t>, </a:t>
             </a:r>
             <a:r>
               <a:rPr lang="en-US" dirty="0" smtClean="0"/>
-              <a:t> </a:t>
-            </a:r>
-            <a:endParaRPr lang="en-US" dirty="0"/>
-          </a:p>
-        </p:txBody>
-      </p:sp>
-      <p:pic>
-        <p:nvPicPr>
-          <p:cNvPr id="8" name="Picture 7"/>
-          <p:cNvPicPr>
-            <a:picLocks noChangeAspect="1"/>
-          </p:cNvPicPr>
-          <p:nvPr/>
-        </p:nvPicPr>
-        <p:blipFill>
-          <a:blip r:embed="rId4"/>
-          <a:stretch>
-            <a:fillRect/>
-          </a:stretch>
-        </p:blipFill>
-        <p:spPr>
-          <a:xfrm>
-            <a:off x="4094673" y="1609979"/>
-            <a:ext cx="7463971" cy="4197652"/>
-          </a:xfrm>
-          <a:prstGeom prst="rect">
-            <a:avLst/>
-          </a:prstGeom>
-        </p:spPr>
-      </p:pic>
+              <a:t>paraphrased)</a:t>
+            </a:r>
+          </a:p>
+          <a:p>
+            <a:pPr marL="0" indent="0" algn="ctr">
+              <a:buNone/>
+            </a:pPr>
+            <a:endParaRPr lang="en-US" i="1" dirty="0"/>
+          </a:p>
+        </p:txBody>
+      </p:sp>
     </p:spTree>
     <p:extLst>
       <p:ext uri="{BB962C8B-B14F-4D97-AF65-F5344CB8AC3E}">
-        <p14:creationId xmlns:p14="http://schemas.microsoft.com/office/powerpoint/2010/main" val="3501484350"/>
+        <p14:creationId xmlns:p14="http://schemas.microsoft.com/office/powerpoint/2010/main" val="1448899469"/>
       </p:ext>
     </p:extLst>
   </p:cSld>
@@ -17833,39 +17903,66 @@
           <a:p>
             <a:r>
               <a:rPr lang="en-US" dirty="0" smtClean="0"/>
-              <a:t>For each of the following graphs,</a:t>
-            </a:r>
-          </a:p>
-          <a:p>
-            <a:pPr lvl="1"/>
+              <a:t>For each of the following </a:t>
+            </a:r>
             <a:r>
               <a:rPr lang="en-US" dirty="0" smtClean="0"/>
-              <a:t>What are the primary messages of the visualization?</a:t>
-            </a:r>
-          </a:p>
-          <a:p>
-            <a:pPr lvl="1"/>
+              <a:t>graphs:</a:t>
+            </a:r>
+          </a:p>
+          <a:p>
+            <a:pPr marL="0" indent="0">
+              <a:buNone/>
+            </a:pPr>
+            <a:endParaRPr lang="en-US" dirty="0" smtClean="0"/>
+          </a:p>
+          <a:p>
+            <a:pPr lvl="1">
+              <a:buFont typeface="Wingdings" panose="05000000000000000000" pitchFamily="2" charset="2"/>
+              <a:buChar char="q"/>
+            </a:pPr>
             <a:r>
               <a:rPr lang="en-US" dirty="0" smtClean="0"/>
-              <a:t>Extract at least 3 pieces of information.</a:t>
-            </a:r>
-          </a:p>
-          <a:p>
-            <a:pPr lvl="1"/>
+              <a:t>What </a:t>
+            </a:r>
             <a:r>
               <a:rPr lang="en-US" dirty="0" smtClean="0"/>
-              <a:t>What information is easy to extract?</a:t>
-            </a:r>
-          </a:p>
-          <a:p>
-            <a:pPr lvl="1"/>
+              <a:t>information is encoded in </a:t>
+            </a:r>
+            <a:r>
+              <a:rPr lang="en-US" dirty="0" smtClean="0"/>
+              <a:t>the visualization?</a:t>
+            </a:r>
+          </a:p>
+          <a:p>
+            <a:pPr lvl="1">
+              <a:buFont typeface="Wingdings" panose="05000000000000000000" pitchFamily="2" charset="2"/>
+              <a:buChar char="q"/>
+            </a:pPr>
+            <a:r>
+              <a:rPr lang="en-US" dirty="0" smtClean="0"/>
+              <a:t>What </a:t>
+            </a:r>
+            <a:r>
+              <a:rPr lang="en-US" dirty="0" smtClean="0"/>
+              <a:t>information is easy to extract?</a:t>
+            </a:r>
+          </a:p>
+          <a:p>
+            <a:pPr lvl="1">
+              <a:buFont typeface="Wingdings" panose="05000000000000000000" pitchFamily="2" charset="2"/>
+              <a:buChar char="q"/>
+            </a:pPr>
             <a:r>
               <a:rPr lang="en-US" dirty="0" smtClean="0"/>
               <a:t>What information is difficult to extract?</a:t>
             </a:r>
           </a:p>
           <a:p>
-            <a:pPr lvl="1"/>
+            <a:pPr lvl="1">
+              <a:buFont typeface="Wingdings" panose="05000000000000000000" pitchFamily="2" charset="2"/>
+              <a:buChar char="q"/>
+            </a:pPr>
             <a:r>
               <a:rPr lang="en-US" dirty="0" smtClean="0"/>
               <a:t>What could be done to improve the readability of the visualization?</a:t>
